--- a/aula12/Aula12.pptx
+++ b/aula12/Aula12.pptx
@@ -1,28 +1,124 @@
 
 <file path=ppt/presentation.xml><?xml version="1.0" encoding="utf-8"?>
-<p:presentation xmlns:a="http://schemas.openxmlformats.org/drawingml/2006/main" xmlns:p="http://schemas.openxmlformats.org/presentationml/2006/main" xmlns:r="http://schemas.openxmlformats.org/officeDocument/2006/relationships" xmlns:p14="http://schemas.microsoft.com/office/powerpoint/2010/main" xmlns:p15="http://schemas.microsoft.com/office/powerpoint/2012/main" xmlns:mc="http://schemas.openxmlformats.org/markup-compatibility/2006">
+<p:presentation xmlns:a="http://schemas.openxmlformats.org/drawingml/2006/main" xmlns:r="http://schemas.openxmlformats.org/officeDocument/2006/relationships" xmlns:p="http://schemas.openxmlformats.org/presentationml/2006/main">
   <p:sldMasterIdLst>
-    <p:sldMasterId id="2147483648" r:id="rId2"/>
-    <p:sldMasterId id="2147483661" r:id="rId3"/>
+    <p:sldMasterId id="2147483648" r:id="rId1"/>
+    <p:sldMasterId id="2147483661" r:id="rId2"/>
   </p:sldMasterIdLst>
   <p:sldIdLst>
-    <p:sldId id="256" r:id="rId4"/>
-    <p:sldId id="257" r:id="rId5"/>
-    <p:sldId id="258" r:id="rId6"/>
-    <p:sldId id="259" r:id="rId7"/>
+    <p:sldId id="256" r:id="rId3"/>
+    <p:sldId id="258" r:id="rId4"/>
+    <p:sldId id="259" r:id="rId5"/>
+    <p:sldId id="257" r:id="rId6"/>
+    <p:sldId id="265" r:id="rId7"/>
     <p:sldId id="260" r:id="rId8"/>
     <p:sldId id="261" r:id="rId9"/>
     <p:sldId id="262" r:id="rId10"/>
     <p:sldId id="263" r:id="rId11"/>
     <p:sldId id="264" r:id="rId12"/>
   </p:sldIdLst>
-  <p:sldSz cx="9144000" cy="5143500"/>
+  <p:sldSz cx="9144000" cy="5143500" type="screen16x9"/>
   <p:notesSz cx="7559675" cy="10691813"/>
+  <p:defaultTextStyle>
+    <a:defPPr>
+      <a:defRPr lang="pt-BR"/>
+    </a:defPPr>
+    <a:lvl1pPr marL="0" algn="l" defTabSz="914400" rtl="0" eaLnBrk="1" latinLnBrk="0" hangingPunct="1">
+      <a:defRPr sz="1800" kern="1200">
+        <a:solidFill>
+          <a:schemeClr val="tx1"/>
+        </a:solidFill>
+        <a:latin typeface="+mn-lt"/>
+        <a:ea typeface="+mn-ea"/>
+        <a:cs typeface="+mn-cs"/>
+      </a:defRPr>
+    </a:lvl1pPr>
+    <a:lvl2pPr marL="457200" algn="l" defTabSz="914400" rtl="0" eaLnBrk="1" latinLnBrk="0" hangingPunct="1">
+      <a:defRPr sz="1800" kern="1200">
+        <a:solidFill>
+          <a:schemeClr val="tx1"/>
+        </a:solidFill>
+        <a:latin typeface="+mn-lt"/>
+        <a:ea typeface="+mn-ea"/>
+        <a:cs typeface="+mn-cs"/>
+      </a:defRPr>
+    </a:lvl2pPr>
+    <a:lvl3pPr marL="914400" algn="l" defTabSz="914400" rtl="0" eaLnBrk="1" latinLnBrk="0" hangingPunct="1">
+      <a:defRPr sz="1800" kern="1200">
+        <a:solidFill>
+          <a:schemeClr val="tx1"/>
+        </a:solidFill>
+        <a:latin typeface="+mn-lt"/>
+        <a:ea typeface="+mn-ea"/>
+        <a:cs typeface="+mn-cs"/>
+      </a:defRPr>
+    </a:lvl3pPr>
+    <a:lvl4pPr marL="1371600" algn="l" defTabSz="914400" rtl="0" eaLnBrk="1" latinLnBrk="0" hangingPunct="1">
+      <a:defRPr sz="1800" kern="1200">
+        <a:solidFill>
+          <a:schemeClr val="tx1"/>
+        </a:solidFill>
+        <a:latin typeface="+mn-lt"/>
+        <a:ea typeface="+mn-ea"/>
+        <a:cs typeface="+mn-cs"/>
+      </a:defRPr>
+    </a:lvl4pPr>
+    <a:lvl5pPr marL="1828800" algn="l" defTabSz="914400" rtl="0" eaLnBrk="1" latinLnBrk="0" hangingPunct="1">
+      <a:defRPr sz="1800" kern="1200">
+        <a:solidFill>
+          <a:schemeClr val="tx1"/>
+        </a:solidFill>
+        <a:latin typeface="+mn-lt"/>
+        <a:ea typeface="+mn-ea"/>
+        <a:cs typeface="+mn-cs"/>
+      </a:defRPr>
+    </a:lvl5pPr>
+    <a:lvl6pPr marL="2286000" algn="l" defTabSz="914400" rtl="0" eaLnBrk="1" latinLnBrk="0" hangingPunct="1">
+      <a:defRPr sz="1800" kern="1200">
+        <a:solidFill>
+          <a:schemeClr val="tx1"/>
+        </a:solidFill>
+        <a:latin typeface="+mn-lt"/>
+        <a:ea typeface="+mn-ea"/>
+        <a:cs typeface="+mn-cs"/>
+      </a:defRPr>
+    </a:lvl6pPr>
+    <a:lvl7pPr marL="2743200" algn="l" defTabSz="914400" rtl="0" eaLnBrk="1" latinLnBrk="0" hangingPunct="1">
+      <a:defRPr sz="1800" kern="1200">
+        <a:solidFill>
+          <a:schemeClr val="tx1"/>
+        </a:solidFill>
+        <a:latin typeface="+mn-lt"/>
+        <a:ea typeface="+mn-ea"/>
+        <a:cs typeface="+mn-cs"/>
+      </a:defRPr>
+    </a:lvl7pPr>
+    <a:lvl8pPr marL="3200400" algn="l" defTabSz="914400" rtl="0" eaLnBrk="1" latinLnBrk="0" hangingPunct="1">
+      <a:defRPr sz="1800" kern="1200">
+        <a:solidFill>
+          <a:schemeClr val="tx1"/>
+        </a:solidFill>
+        <a:latin typeface="+mn-lt"/>
+        <a:ea typeface="+mn-ea"/>
+        <a:cs typeface="+mn-cs"/>
+      </a:defRPr>
+    </a:lvl8pPr>
+    <a:lvl9pPr marL="3657600" algn="l" defTabSz="914400" rtl="0" eaLnBrk="1" latinLnBrk="0" hangingPunct="1">
+      <a:defRPr sz="1800" kern="1200">
+        <a:solidFill>
+          <a:schemeClr val="tx1"/>
+        </a:solidFill>
+        <a:latin typeface="+mn-lt"/>
+        <a:ea typeface="+mn-ea"/>
+        <a:cs typeface="+mn-cs"/>
+      </a:defRPr>
+    </a:lvl9pPr>
+  </p:defaultTextStyle>
 </p:presentation>
 </file>
 
 <file path=ppt/slideLayouts/slideLayout1.xml><?xml version="1.0" encoding="utf-8"?>
-<p:sldLayout xmlns:a="http://schemas.openxmlformats.org/drawingml/2006/main" xmlns:p="http://schemas.openxmlformats.org/presentationml/2006/main" xmlns:r="http://schemas.openxmlformats.org/officeDocument/2006/relationships" xmlns:p14="http://schemas.microsoft.com/office/powerpoint/2010/main" xmlns:p15="http://schemas.microsoft.com/office/powerpoint/2012/main" xmlns:mc="http://schemas.openxmlformats.org/markup-compatibility/2006" type="blank" preserve="1">
+<p:sldLayout xmlns:a="http://schemas.openxmlformats.org/drawingml/2006/main" xmlns:r="http://schemas.openxmlformats.org/officeDocument/2006/relationships" xmlns:p="http://schemas.openxmlformats.org/presentationml/2006/main" type="blank" preserve="1">
   <p:cSld name="Blank Slide">
     <p:spTree>
       <p:nvGrpSpPr>
@@ -40,11 +136,14 @@
       </p:grpSpPr>
     </p:spTree>
   </p:cSld>
+  <p:clrMapOvr>
+    <a:masterClrMapping/>
+  </p:clrMapOvr>
 </p:sldLayout>
 </file>
 
 <file path=ppt/slideLayouts/slideLayout10.xml><?xml version="1.0" encoding="utf-8"?>
-<p:sldLayout xmlns:a="http://schemas.openxmlformats.org/drawingml/2006/main" xmlns:p="http://schemas.openxmlformats.org/presentationml/2006/main" xmlns:r="http://schemas.openxmlformats.org/officeDocument/2006/relationships" xmlns:p14="http://schemas.microsoft.com/office/powerpoint/2010/main" xmlns:p15="http://schemas.microsoft.com/office/powerpoint/2012/main" xmlns:mc="http://schemas.openxmlformats.org/markup-compatibility/2006" type="objOverTx" preserve="1">
+<p:sldLayout xmlns:a="http://schemas.openxmlformats.org/drawingml/2006/main" xmlns:r="http://schemas.openxmlformats.org/officeDocument/2006/relationships" xmlns:p="http://schemas.openxmlformats.org/presentationml/2006/main" type="objOverTx" preserve="1">
   <p:cSld name="Title, Content over Content">
     <p:spTree>
       <p:nvGrpSpPr>
@@ -84,14 +183,15 @@
           </a:ln>
         </p:spPr>
         <p:txBody>
-          <a:bodyPr lIns="0" rIns="0" tIns="0" bIns="0" anchor="ctr">
+          <a:bodyPr lIns="0" tIns="0" rIns="0" bIns="0" anchor="ctr">
             <a:noAutofit/>
           </a:bodyPr>
+          <a:lstStyle/>
           <a:p>
             <a:pPr indent="0">
               <a:buNone/>
             </a:pPr>
-            <a:endParaRPr b="0" lang="pt-BR" sz="1800" spc="-1" strike="noStrike">
+            <a:endParaRPr lang="pt-BR" sz="1800" b="0" strike="noStrike" spc="-1">
               <a:solidFill>
                 <a:srgbClr val="000000"/>
               </a:solidFill>
@@ -124,9 +224,10 @@
           </a:ln>
         </p:spPr>
         <p:txBody>
-          <a:bodyPr lIns="0" rIns="0" tIns="0" bIns="0" anchor="t">
+          <a:bodyPr lIns="0" tIns="0" rIns="0" bIns="0" anchor="t">
             <a:normAutofit/>
           </a:bodyPr>
+          <a:lstStyle/>
           <a:p>
             <a:pPr indent="0">
               <a:lnSpc>
@@ -137,7 +238,7 @@
               </a:spcBef>
               <a:buNone/>
             </a:pPr>
-            <a:endParaRPr b="0" lang="pt-BR" sz="2800" spc="-1" strike="noStrike">
+            <a:endParaRPr lang="pt-BR" sz="2800" b="0" strike="noStrike" spc="-1">
               <a:solidFill>
                 <a:srgbClr val="000000"/>
               </a:solidFill>
@@ -170,9 +271,10 @@
           </a:ln>
         </p:spPr>
         <p:txBody>
-          <a:bodyPr lIns="0" rIns="0" tIns="0" bIns="0" anchor="t">
+          <a:bodyPr lIns="0" tIns="0" rIns="0" bIns="0" anchor="t">
             <a:normAutofit/>
           </a:bodyPr>
+          <a:lstStyle/>
           <a:p>
             <a:pPr indent="0">
               <a:lnSpc>
@@ -183,7 +285,7 @@
               </a:spcBef>
               <a:buNone/>
             </a:pPr>
-            <a:endParaRPr b="0" lang="pt-BR" sz="2800" spc="-1" strike="noStrike">
+            <a:endParaRPr lang="pt-BR" sz="2800" b="0" strike="noStrike" spc="-1">
               <a:solidFill>
                 <a:srgbClr val="000000"/>
               </a:solidFill>
@@ -194,11 +296,14 @@
       </p:sp>
     </p:spTree>
   </p:cSld>
+  <p:clrMapOvr>
+    <a:masterClrMapping/>
+  </p:clrMapOvr>
 </p:sldLayout>
 </file>
 
 <file path=ppt/slideLayouts/slideLayout11.xml><?xml version="1.0" encoding="utf-8"?>
-<p:sldLayout xmlns:a="http://schemas.openxmlformats.org/drawingml/2006/main" xmlns:p="http://schemas.openxmlformats.org/presentationml/2006/main" xmlns:r="http://schemas.openxmlformats.org/officeDocument/2006/relationships" xmlns:p14="http://schemas.microsoft.com/office/powerpoint/2010/main" xmlns:p15="http://schemas.microsoft.com/office/powerpoint/2012/main" xmlns:mc="http://schemas.openxmlformats.org/markup-compatibility/2006" type="fourObj" preserve="1">
+<p:sldLayout xmlns:a="http://schemas.openxmlformats.org/drawingml/2006/main" xmlns:r="http://schemas.openxmlformats.org/officeDocument/2006/relationships" xmlns:p="http://schemas.openxmlformats.org/presentationml/2006/main" type="fourObj" preserve="1">
   <p:cSld name="Title, 4 Content">
     <p:spTree>
       <p:nvGrpSpPr>
@@ -238,14 +343,15 @@
           </a:ln>
         </p:spPr>
         <p:txBody>
-          <a:bodyPr lIns="0" rIns="0" tIns="0" bIns="0" anchor="ctr">
+          <a:bodyPr lIns="0" tIns="0" rIns="0" bIns="0" anchor="ctr">
             <a:noAutofit/>
           </a:bodyPr>
+          <a:lstStyle/>
           <a:p>
             <a:pPr indent="0">
               <a:buNone/>
             </a:pPr>
-            <a:endParaRPr b="0" lang="pt-BR" sz="1800" spc="-1" strike="noStrike">
+            <a:endParaRPr lang="pt-BR" sz="1800" b="0" strike="noStrike" spc="-1">
               <a:solidFill>
                 <a:srgbClr val="000000"/>
               </a:solidFill>
@@ -278,9 +384,10 @@
           </a:ln>
         </p:spPr>
         <p:txBody>
-          <a:bodyPr lIns="0" rIns="0" tIns="0" bIns="0" anchor="t">
+          <a:bodyPr lIns="0" tIns="0" rIns="0" bIns="0" anchor="t">
             <a:normAutofit/>
           </a:bodyPr>
+          <a:lstStyle/>
           <a:p>
             <a:pPr indent="0">
               <a:lnSpc>
@@ -291,7 +398,7 @@
               </a:spcBef>
               <a:buNone/>
             </a:pPr>
-            <a:endParaRPr b="0" lang="pt-BR" sz="2800" spc="-1" strike="noStrike">
+            <a:endParaRPr lang="pt-BR" sz="2800" b="0" strike="noStrike" spc="-1">
               <a:solidFill>
                 <a:srgbClr val="000000"/>
               </a:solidFill>
@@ -324,9 +431,10 @@
           </a:ln>
         </p:spPr>
         <p:txBody>
-          <a:bodyPr lIns="0" rIns="0" tIns="0" bIns="0" anchor="t">
+          <a:bodyPr lIns="0" tIns="0" rIns="0" bIns="0" anchor="t">
             <a:normAutofit/>
           </a:bodyPr>
+          <a:lstStyle/>
           <a:p>
             <a:pPr indent="0">
               <a:lnSpc>
@@ -337,7 +445,7 @@
               </a:spcBef>
               <a:buNone/>
             </a:pPr>
-            <a:endParaRPr b="0" lang="pt-BR" sz="2800" spc="-1" strike="noStrike">
+            <a:endParaRPr lang="pt-BR" sz="2800" b="0" strike="noStrike" spc="-1">
               <a:solidFill>
                 <a:srgbClr val="000000"/>
               </a:solidFill>
@@ -370,9 +478,10 @@
           </a:ln>
         </p:spPr>
         <p:txBody>
-          <a:bodyPr lIns="0" rIns="0" tIns="0" bIns="0" anchor="t">
+          <a:bodyPr lIns="0" tIns="0" rIns="0" bIns="0" anchor="t">
             <a:normAutofit/>
           </a:bodyPr>
+          <a:lstStyle/>
           <a:p>
             <a:pPr indent="0">
               <a:lnSpc>
@@ -383,7 +492,7 @@
               </a:spcBef>
               <a:buNone/>
             </a:pPr>
-            <a:endParaRPr b="0" lang="pt-BR" sz="2800" spc="-1" strike="noStrike">
+            <a:endParaRPr lang="pt-BR" sz="2800" b="0" strike="noStrike" spc="-1">
               <a:solidFill>
                 <a:srgbClr val="000000"/>
               </a:solidFill>
@@ -416,9 +525,10 @@
           </a:ln>
         </p:spPr>
         <p:txBody>
-          <a:bodyPr lIns="0" rIns="0" tIns="0" bIns="0" anchor="t">
+          <a:bodyPr lIns="0" tIns="0" rIns="0" bIns="0" anchor="t">
             <a:normAutofit/>
           </a:bodyPr>
+          <a:lstStyle/>
           <a:p>
             <a:pPr indent="0">
               <a:lnSpc>
@@ -429,7 +539,7 @@
               </a:spcBef>
               <a:buNone/>
             </a:pPr>
-            <a:endParaRPr b="0" lang="pt-BR" sz="2800" spc="-1" strike="noStrike">
+            <a:endParaRPr lang="pt-BR" sz="2800" b="0" strike="noStrike" spc="-1">
               <a:solidFill>
                 <a:srgbClr val="000000"/>
               </a:solidFill>
@@ -440,11 +550,14 @@
       </p:sp>
     </p:spTree>
   </p:cSld>
+  <p:clrMapOvr>
+    <a:masterClrMapping/>
+  </p:clrMapOvr>
 </p:sldLayout>
 </file>
 
 <file path=ppt/slideLayouts/slideLayout12.xml><?xml version="1.0" encoding="utf-8"?>
-<p:sldLayout xmlns:a="http://schemas.openxmlformats.org/drawingml/2006/main" xmlns:p="http://schemas.openxmlformats.org/presentationml/2006/main" xmlns:r="http://schemas.openxmlformats.org/officeDocument/2006/relationships" xmlns:p14="http://schemas.microsoft.com/office/powerpoint/2010/main" xmlns:p15="http://schemas.microsoft.com/office/powerpoint/2012/main" xmlns:mc="http://schemas.openxmlformats.org/markup-compatibility/2006" type="blank" preserve="1">
+<p:sldLayout xmlns:a="http://schemas.openxmlformats.org/drawingml/2006/main" xmlns:r="http://schemas.openxmlformats.org/officeDocument/2006/relationships" xmlns:p="http://schemas.openxmlformats.org/presentationml/2006/main" type="blank" preserve="1">
   <p:cSld name="Title, 6 Content">
     <p:spTree>
       <p:nvGrpSpPr>
@@ -484,14 +597,15 @@
           </a:ln>
         </p:spPr>
         <p:txBody>
-          <a:bodyPr lIns="0" rIns="0" tIns="0" bIns="0" anchor="ctr">
+          <a:bodyPr lIns="0" tIns="0" rIns="0" bIns="0" anchor="ctr">
             <a:noAutofit/>
           </a:bodyPr>
+          <a:lstStyle/>
           <a:p>
             <a:pPr indent="0">
               <a:buNone/>
             </a:pPr>
-            <a:endParaRPr b="0" lang="pt-BR" sz="1800" spc="-1" strike="noStrike">
+            <a:endParaRPr lang="pt-BR" sz="1800" b="0" strike="noStrike" spc="-1">
               <a:solidFill>
                 <a:srgbClr val="000000"/>
               </a:solidFill>
@@ -524,9 +638,10 @@
           </a:ln>
         </p:spPr>
         <p:txBody>
-          <a:bodyPr lIns="0" rIns="0" tIns="0" bIns="0" anchor="t">
+          <a:bodyPr lIns="0" tIns="0" rIns="0" bIns="0" anchor="t">
             <a:normAutofit/>
           </a:bodyPr>
+          <a:lstStyle/>
           <a:p>
             <a:pPr indent="0">
               <a:lnSpc>
@@ -537,7 +652,7 @@
               </a:spcBef>
               <a:buNone/>
             </a:pPr>
-            <a:endParaRPr b="0" lang="pt-BR" sz="2800" spc="-1" strike="noStrike">
+            <a:endParaRPr lang="pt-BR" sz="2800" b="0" strike="noStrike" spc="-1">
               <a:solidFill>
                 <a:srgbClr val="000000"/>
               </a:solidFill>
@@ -570,9 +685,10 @@
           </a:ln>
         </p:spPr>
         <p:txBody>
-          <a:bodyPr lIns="0" rIns="0" tIns="0" bIns="0" anchor="t">
+          <a:bodyPr lIns="0" tIns="0" rIns="0" bIns="0" anchor="t">
             <a:normAutofit/>
           </a:bodyPr>
+          <a:lstStyle/>
           <a:p>
             <a:pPr indent="0">
               <a:lnSpc>
@@ -583,7 +699,7 @@
               </a:spcBef>
               <a:buNone/>
             </a:pPr>
-            <a:endParaRPr b="0" lang="pt-BR" sz="2800" spc="-1" strike="noStrike">
+            <a:endParaRPr lang="pt-BR" sz="2800" b="0" strike="noStrike" spc="-1">
               <a:solidFill>
                 <a:srgbClr val="000000"/>
               </a:solidFill>
@@ -616,9 +732,10 @@
           </a:ln>
         </p:spPr>
         <p:txBody>
-          <a:bodyPr lIns="0" rIns="0" tIns="0" bIns="0" anchor="t">
+          <a:bodyPr lIns="0" tIns="0" rIns="0" bIns="0" anchor="t">
             <a:normAutofit/>
           </a:bodyPr>
+          <a:lstStyle/>
           <a:p>
             <a:pPr indent="0">
               <a:lnSpc>
@@ -629,7 +746,7 @@
               </a:spcBef>
               <a:buNone/>
             </a:pPr>
-            <a:endParaRPr b="0" lang="pt-BR" sz="2800" spc="-1" strike="noStrike">
+            <a:endParaRPr lang="pt-BR" sz="2800" b="0" strike="noStrike" spc="-1">
               <a:solidFill>
                 <a:srgbClr val="000000"/>
               </a:solidFill>
@@ -662,9 +779,10 @@
           </a:ln>
         </p:spPr>
         <p:txBody>
-          <a:bodyPr lIns="0" rIns="0" tIns="0" bIns="0" anchor="t">
+          <a:bodyPr lIns="0" tIns="0" rIns="0" bIns="0" anchor="t">
             <a:normAutofit/>
           </a:bodyPr>
+          <a:lstStyle/>
           <a:p>
             <a:pPr indent="0">
               <a:lnSpc>
@@ -675,7 +793,7 @@
               </a:spcBef>
               <a:buNone/>
             </a:pPr>
-            <a:endParaRPr b="0" lang="pt-BR" sz="2800" spc="-1" strike="noStrike">
+            <a:endParaRPr lang="pt-BR" sz="2800" b="0" strike="noStrike" spc="-1">
               <a:solidFill>
                 <a:srgbClr val="000000"/>
               </a:solidFill>
@@ -708,9 +826,10 @@
           </a:ln>
         </p:spPr>
         <p:txBody>
-          <a:bodyPr lIns="0" rIns="0" tIns="0" bIns="0" anchor="t">
+          <a:bodyPr lIns="0" tIns="0" rIns="0" bIns="0" anchor="t">
             <a:normAutofit/>
           </a:bodyPr>
+          <a:lstStyle/>
           <a:p>
             <a:pPr indent="0">
               <a:lnSpc>
@@ -721,7 +840,7 @@
               </a:spcBef>
               <a:buNone/>
             </a:pPr>
-            <a:endParaRPr b="0" lang="pt-BR" sz="2800" spc="-1" strike="noStrike">
+            <a:endParaRPr lang="pt-BR" sz="2800" b="0" strike="noStrike" spc="-1">
               <a:solidFill>
                 <a:srgbClr val="000000"/>
               </a:solidFill>
@@ -754,9 +873,10 @@
           </a:ln>
         </p:spPr>
         <p:txBody>
-          <a:bodyPr lIns="0" rIns="0" tIns="0" bIns="0" anchor="t">
+          <a:bodyPr lIns="0" tIns="0" rIns="0" bIns="0" anchor="t">
             <a:normAutofit/>
           </a:bodyPr>
+          <a:lstStyle/>
           <a:p>
             <a:pPr indent="0">
               <a:lnSpc>
@@ -767,7 +887,7 @@
               </a:spcBef>
               <a:buNone/>
             </a:pPr>
-            <a:endParaRPr b="0" lang="pt-BR" sz="2800" spc="-1" strike="noStrike">
+            <a:endParaRPr lang="pt-BR" sz="2800" b="0" strike="noStrike" spc="-1">
               <a:solidFill>
                 <a:srgbClr val="000000"/>
               </a:solidFill>
@@ -778,11 +898,14 @@
       </p:sp>
     </p:spTree>
   </p:cSld>
+  <p:clrMapOvr>
+    <a:masterClrMapping/>
+  </p:clrMapOvr>
 </p:sldLayout>
 </file>
 
 <file path=ppt/slideLayouts/slideLayout13.xml><?xml version="1.0" encoding="utf-8"?>
-<p:sldLayout xmlns:a="http://schemas.openxmlformats.org/drawingml/2006/main" xmlns:p="http://schemas.openxmlformats.org/presentationml/2006/main" xmlns:r="http://schemas.openxmlformats.org/officeDocument/2006/relationships" xmlns:p14="http://schemas.microsoft.com/office/powerpoint/2010/main" xmlns:p15="http://schemas.microsoft.com/office/powerpoint/2012/main" xmlns:mc="http://schemas.openxmlformats.org/markup-compatibility/2006" type="blank" preserve="1">
+<p:sldLayout xmlns:a="http://schemas.openxmlformats.org/drawingml/2006/main" xmlns:r="http://schemas.openxmlformats.org/officeDocument/2006/relationships" xmlns:p="http://schemas.openxmlformats.org/presentationml/2006/main" type="blank" preserve="1">
   <p:cSld name="Blank Slide">
     <p:spTree>
       <p:nvGrpSpPr>
@@ -811,6 +934,7 @@
         <p:spPr/>
         <p:txBody>
           <a:bodyPr/>
+          <a:lstStyle/>
           <a:p>
             <a:r>
               <a:t>Footer</a:t>
@@ -831,10 +955,12 @@
         <p:spPr/>
         <p:txBody>
           <a:bodyPr/>
+          <a:lstStyle/>
           <a:p>
             <a:fld id="{F2CBDD99-570F-4759-B914-2211365EB0EC}" type="slidenum">
-              <a:t>&lt;#&gt;</a:t>
+              <a:t>‹nº›</a:t>
             </a:fld>
+            <a:endParaRPr/>
           </a:p>
         </p:txBody>
       </p:sp>
@@ -851,21 +977,22 @@
         <p:spPr/>
         <p:txBody>
           <a:bodyPr/>
-          <a:p>
-            <a:r>
-              <a:rPr lang="pt-BR"/>
-              <a:t/>
-            </a:r>
+          <a:lstStyle/>
+          <a:p>
+            <a:endParaRPr/>
           </a:p>
         </p:txBody>
       </p:sp>
     </p:spTree>
   </p:cSld>
+  <p:clrMapOvr>
+    <a:masterClrMapping/>
+  </p:clrMapOvr>
 </p:sldLayout>
 </file>
 
 <file path=ppt/slideLayouts/slideLayout14.xml><?xml version="1.0" encoding="utf-8"?>
-<p:sldLayout xmlns:a="http://schemas.openxmlformats.org/drawingml/2006/main" xmlns:p="http://schemas.openxmlformats.org/presentationml/2006/main" xmlns:r="http://schemas.openxmlformats.org/officeDocument/2006/relationships" xmlns:p14="http://schemas.microsoft.com/office/powerpoint/2010/main" xmlns:p15="http://schemas.microsoft.com/office/powerpoint/2012/main" xmlns:mc="http://schemas.openxmlformats.org/markup-compatibility/2006" type="tx" preserve="1">
+<p:sldLayout xmlns:a="http://schemas.openxmlformats.org/drawingml/2006/main" xmlns:r="http://schemas.openxmlformats.org/officeDocument/2006/relationships" xmlns:p="http://schemas.openxmlformats.org/presentationml/2006/main" type="tx" preserve="1">
   <p:cSld name="Title Slide">
     <p:spTree>
       <p:nvGrpSpPr>
@@ -905,14 +1032,15 @@
           </a:ln>
         </p:spPr>
         <p:txBody>
-          <a:bodyPr lIns="0" rIns="0" tIns="0" bIns="0" anchor="ctr">
+          <a:bodyPr lIns="0" tIns="0" rIns="0" bIns="0" anchor="ctr">
             <a:noAutofit/>
           </a:bodyPr>
+          <a:lstStyle/>
           <a:p>
             <a:pPr indent="0">
               <a:buNone/>
             </a:pPr>
-            <a:endParaRPr b="0" lang="pt-BR" sz="1800" spc="-1" strike="noStrike">
+            <a:endParaRPr lang="pt-BR" sz="1800" b="0" strike="noStrike" spc="-1">
               <a:solidFill>
                 <a:srgbClr val="000000"/>
               </a:solidFill>
@@ -945,14 +1073,15 @@
           </a:ln>
         </p:spPr>
         <p:txBody>
-          <a:bodyPr lIns="0" rIns="0" tIns="0" bIns="0" anchor="ctr">
+          <a:bodyPr lIns="0" tIns="0" rIns="0" bIns="0" anchor="ctr">
             <a:noAutofit/>
           </a:bodyPr>
+          <a:lstStyle/>
           <a:p>
             <a:pPr indent="0" algn="ctr">
               <a:buNone/>
             </a:pPr>
-            <a:endParaRPr b="0" lang="pt-BR" sz="3200" spc="-1" strike="noStrike">
+            <a:endParaRPr lang="pt-BR" sz="3200" b="0" strike="noStrike" spc="-1">
               <a:solidFill>
                 <a:srgbClr val="000000"/>
               </a:solidFill>
@@ -974,6 +1103,7 @@
         <p:spPr/>
         <p:txBody>
           <a:bodyPr/>
+          <a:lstStyle/>
           <a:p>
             <a:r>
               <a:t>Footer</a:t>
@@ -994,10 +1124,12 @@
         <p:spPr/>
         <p:txBody>
           <a:bodyPr/>
+          <a:lstStyle/>
           <a:p>
             <a:fld id="{AAEE61A4-0A9C-435B-B983-5576C5CB8FEF}" type="slidenum">
-              <a:t>&lt;#&gt;</a:t>
+              <a:t>‹nº›</a:t>
             </a:fld>
+            <a:endParaRPr/>
           </a:p>
         </p:txBody>
       </p:sp>
@@ -1014,21 +1146,22 @@
         <p:spPr/>
         <p:txBody>
           <a:bodyPr/>
-          <a:p>
-            <a:r>
-              <a:rPr lang="pt-BR"/>
-              <a:t/>
-            </a:r>
+          <a:lstStyle/>
+          <a:p>
+            <a:endParaRPr/>
           </a:p>
         </p:txBody>
       </p:sp>
     </p:spTree>
   </p:cSld>
+  <p:clrMapOvr>
+    <a:masterClrMapping/>
+  </p:clrMapOvr>
 </p:sldLayout>
 </file>
 
 <file path=ppt/slideLayouts/slideLayout15.xml><?xml version="1.0" encoding="utf-8"?>
-<p:sldLayout xmlns:a="http://schemas.openxmlformats.org/drawingml/2006/main" xmlns:p="http://schemas.openxmlformats.org/presentationml/2006/main" xmlns:r="http://schemas.openxmlformats.org/officeDocument/2006/relationships" xmlns:p14="http://schemas.microsoft.com/office/powerpoint/2010/main" xmlns:p15="http://schemas.microsoft.com/office/powerpoint/2012/main" xmlns:mc="http://schemas.openxmlformats.org/markup-compatibility/2006" type="obj" preserve="1">
+<p:sldLayout xmlns:a="http://schemas.openxmlformats.org/drawingml/2006/main" xmlns:r="http://schemas.openxmlformats.org/officeDocument/2006/relationships" xmlns:p="http://schemas.openxmlformats.org/presentationml/2006/main" type="obj" preserve="1">
   <p:cSld name="Title, Content">
     <p:spTree>
       <p:nvGrpSpPr>
@@ -1068,14 +1201,15 @@
           </a:ln>
         </p:spPr>
         <p:txBody>
-          <a:bodyPr lIns="0" rIns="0" tIns="0" bIns="0" anchor="ctr">
+          <a:bodyPr lIns="0" tIns="0" rIns="0" bIns="0" anchor="ctr">
             <a:noAutofit/>
           </a:bodyPr>
+          <a:lstStyle/>
           <a:p>
             <a:pPr indent="0">
               <a:buNone/>
             </a:pPr>
-            <a:endParaRPr b="0" lang="pt-BR" sz="1800" spc="-1" strike="noStrike">
+            <a:endParaRPr lang="pt-BR" sz="1800" b="0" strike="noStrike" spc="-1">
               <a:solidFill>
                 <a:srgbClr val="000000"/>
               </a:solidFill>
@@ -1108,9 +1242,10 @@
           </a:ln>
         </p:spPr>
         <p:txBody>
-          <a:bodyPr lIns="0" rIns="0" tIns="0" bIns="0" anchor="t">
+          <a:bodyPr lIns="0" tIns="0" rIns="0" bIns="0" anchor="t">
             <a:normAutofit/>
           </a:bodyPr>
+          <a:lstStyle/>
           <a:p>
             <a:pPr indent="0">
               <a:lnSpc>
@@ -1121,7 +1256,7 @@
               </a:spcBef>
               <a:buNone/>
             </a:pPr>
-            <a:endParaRPr b="0" lang="pt-BR" sz="2800" spc="-1" strike="noStrike">
+            <a:endParaRPr lang="pt-BR" sz="2800" b="0" strike="noStrike" spc="-1">
               <a:solidFill>
                 <a:srgbClr val="000000"/>
               </a:solidFill>
@@ -1143,6 +1278,7 @@
         <p:spPr/>
         <p:txBody>
           <a:bodyPr/>
+          <a:lstStyle/>
           <a:p>
             <a:r>
               <a:t>Footer</a:t>
@@ -1163,10 +1299,12 @@
         <p:spPr/>
         <p:txBody>
           <a:bodyPr/>
+          <a:lstStyle/>
           <a:p>
             <a:fld id="{5371390D-6648-4D7F-AC13-015C4F802F7C}" type="slidenum">
-              <a:t>&lt;#&gt;</a:t>
+              <a:t>‹nº›</a:t>
             </a:fld>
+            <a:endParaRPr/>
           </a:p>
         </p:txBody>
       </p:sp>
@@ -1183,21 +1321,22 @@
         <p:spPr/>
         <p:txBody>
           <a:bodyPr/>
-          <a:p>
-            <a:r>
-              <a:rPr lang="pt-BR"/>
-              <a:t/>
-            </a:r>
+          <a:lstStyle/>
+          <a:p>
+            <a:endParaRPr/>
           </a:p>
         </p:txBody>
       </p:sp>
     </p:spTree>
   </p:cSld>
+  <p:clrMapOvr>
+    <a:masterClrMapping/>
+  </p:clrMapOvr>
 </p:sldLayout>
 </file>
 
 <file path=ppt/slideLayouts/slideLayout16.xml><?xml version="1.0" encoding="utf-8"?>
-<p:sldLayout xmlns:a="http://schemas.openxmlformats.org/drawingml/2006/main" xmlns:p="http://schemas.openxmlformats.org/presentationml/2006/main" xmlns:r="http://schemas.openxmlformats.org/officeDocument/2006/relationships" xmlns:p14="http://schemas.microsoft.com/office/powerpoint/2010/main" xmlns:p15="http://schemas.microsoft.com/office/powerpoint/2012/main" xmlns:mc="http://schemas.openxmlformats.org/markup-compatibility/2006" type="twoObj" preserve="1">
+<p:sldLayout xmlns:a="http://schemas.openxmlformats.org/drawingml/2006/main" xmlns:r="http://schemas.openxmlformats.org/officeDocument/2006/relationships" xmlns:p="http://schemas.openxmlformats.org/presentationml/2006/main" type="twoObj" preserve="1">
   <p:cSld name="Title, 2 Content">
     <p:spTree>
       <p:nvGrpSpPr>
@@ -1237,14 +1376,15 @@
           </a:ln>
         </p:spPr>
         <p:txBody>
-          <a:bodyPr lIns="0" rIns="0" tIns="0" bIns="0" anchor="ctr">
+          <a:bodyPr lIns="0" tIns="0" rIns="0" bIns="0" anchor="ctr">
             <a:noAutofit/>
           </a:bodyPr>
+          <a:lstStyle/>
           <a:p>
             <a:pPr indent="0">
               <a:buNone/>
             </a:pPr>
-            <a:endParaRPr b="0" lang="pt-BR" sz="1800" spc="-1" strike="noStrike">
+            <a:endParaRPr lang="pt-BR" sz="1800" b="0" strike="noStrike" spc="-1">
               <a:solidFill>
                 <a:srgbClr val="000000"/>
               </a:solidFill>
@@ -1277,9 +1417,10 @@
           </a:ln>
         </p:spPr>
         <p:txBody>
-          <a:bodyPr lIns="0" rIns="0" tIns="0" bIns="0" anchor="t">
+          <a:bodyPr lIns="0" tIns="0" rIns="0" bIns="0" anchor="t">
             <a:normAutofit/>
           </a:bodyPr>
+          <a:lstStyle/>
           <a:p>
             <a:pPr indent="0">
               <a:lnSpc>
@@ -1290,7 +1431,7 @@
               </a:spcBef>
               <a:buNone/>
             </a:pPr>
-            <a:endParaRPr b="0" lang="pt-BR" sz="2800" spc="-1" strike="noStrike">
+            <a:endParaRPr lang="pt-BR" sz="2800" b="0" strike="noStrike" spc="-1">
               <a:solidFill>
                 <a:srgbClr val="000000"/>
               </a:solidFill>
@@ -1323,9 +1464,10 @@
           </a:ln>
         </p:spPr>
         <p:txBody>
-          <a:bodyPr lIns="0" rIns="0" tIns="0" bIns="0" anchor="t">
+          <a:bodyPr lIns="0" tIns="0" rIns="0" bIns="0" anchor="t">
             <a:normAutofit/>
           </a:bodyPr>
+          <a:lstStyle/>
           <a:p>
             <a:pPr indent="0">
               <a:lnSpc>
@@ -1336,7 +1478,7 @@
               </a:spcBef>
               <a:buNone/>
             </a:pPr>
-            <a:endParaRPr b="0" lang="pt-BR" sz="2800" spc="-1" strike="noStrike">
+            <a:endParaRPr lang="pt-BR" sz="2800" b="0" strike="noStrike" spc="-1">
               <a:solidFill>
                 <a:srgbClr val="000000"/>
               </a:solidFill>
@@ -1358,6 +1500,7 @@
         <p:spPr/>
         <p:txBody>
           <a:bodyPr/>
+          <a:lstStyle/>
           <a:p>
             <a:r>
               <a:t>Footer</a:t>
@@ -1378,10 +1521,12 @@
         <p:spPr/>
         <p:txBody>
           <a:bodyPr/>
+          <a:lstStyle/>
           <a:p>
             <a:fld id="{00012EC9-44CA-4CEF-99BF-AAA0BBAB3829}" type="slidenum">
-              <a:t>&lt;#&gt;</a:t>
+              <a:t>‹nº›</a:t>
             </a:fld>
+            <a:endParaRPr/>
           </a:p>
         </p:txBody>
       </p:sp>
@@ -1398,21 +1543,22 @@
         <p:spPr/>
         <p:txBody>
           <a:bodyPr/>
-          <a:p>
-            <a:r>
-              <a:rPr lang="pt-BR"/>
-              <a:t/>
-            </a:r>
+          <a:lstStyle/>
+          <a:p>
+            <a:endParaRPr/>
           </a:p>
         </p:txBody>
       </p:sp>
     </p:spTree>
   </p:cSld>
+  <p:clrMapOvr>
+    <a:masterClrMapping/>
+  </p:clrMapOvr>
 </p:sldLayout>
 </file>
 
 <file path=ppt/slideLayouts/slideLayout17.xml><?xml version="1.0" encoding="utf-8"?>
-<p:sldLayout xmlns:a="http://schemas.openxmlformats.org/drawingml/2006/main" xmlns:p="http://schemas.openxmlformats.org/presentationml/2006/main" xmlns:r="http://schemas.openxmlformats.org/officeDocument/2006/relationships" xmlns:p14="http://schemas.microsoft.com/office/powerpoint/2010/main" xmlns:p15="http://schemas.microsoft.com/office/powerpoint/2012/main" xmlns:mc="http://schemas.openxmlformats.org/markup-compatibility/2006" type="titleOnly" preserve="1">
+<p:sldLayout xmlns:a="http://schemas.openxmlformats.org/drawingml/2006/main" xmlns:r="http://schemas.openxmlformats.org/officeDocument/2006/relationships" xmlns:p="http://schemas.openxmlformats.org/presentationml/2006/main" type="titleOnly" preserve="1">
   <p:cSld name="Title Only">
     <p:spTree>
       <p:nvGrpSpPr>
@@ -1452,14 +1598,15 @@
           </a:ln>
         </p:spPr>
         <p:txBody>
-          <a:bodyPr lIns="0" rIns="0" tIns="0" bIns="0" anchor="ctr">
+          <a:bodyPr lIns="0" tIns="0" rIns="0" bIns="0" anchor="ctr">
             <a:noAutofit/>
           </a:bodyPr>
+          <a:lstStyle/>
           <a:p>
             <a:pPr indent="0">
               <a:buNone/>
             </a:pPr>
-            <a:endParaRPr b="0" lang="pt-BR" sz="1800" spc="-1" strike="noStrike">
+            <a:endParaRPr lang="pt-BR" sz="1800" b="0" strike="noStrike" spc="-1">
               <a:solidFill>
                 <a:srgbClr val="000000"/>
               </a:solidFill>
@@ -1481,6 +1628,7 @@
         <p:spPr/>
         <p:txBody>
           <a:bodyPr/>
+          <a:lstStyle/>
           <a:p>
             <a:r>
               <a:t>Footer</a:t>
@@ -1501,10 +1649,12 @@
         <p:spPr/>
         <p:txBody>
           <a:bodyPr/>
+          <a:lstStyle/>
           <a:p>
             <a:fld id="{094E0451-EDAD-4AD7-9005-92FA83CB1F45}" type="slidenum">
-              <a:t>&lt;#&gt;</a:t>
+              <a:t>‹nº›</a:t>
             </a:fld>
+            <a:endParaRPr/>
           </a:p>
         </p:txBody>
       </p:sp>
@@ -1521,21 +1671,22 @@
         <p:spPr/>
         <p:txBody>
           <a:bodyPr/>
-          <a:p>
-            <a:r>
-              <a:rPr lang="pt-BR"/>
-              <a:t/>
-            </a:r>
+          <a:lstStyle/>
+          <a:p>
+            <a:endParaRPr/>
           </a:p>
         </p:txBody>
       </p:sp>
     </p:spTree>
   </p:cSld>
+  <p:clrMapOvr>
+    <a:masterClrMapping/>
+  </p:clrMapOvr>
 </p:sldLayout>
 </file>
 
 <file path=ppt/slideLayouts/slideLayout18.xml><?xml version="1.0" encoding="utf-8"?>
-<p:sldLayout xmlns:a="http://schemas.openxmlformats.org/drawingml/2006/main" xmlns:p="http://schemas.openxmlformats.org/presentationml/2006/main" xmlns:r="http://schemas.openxmlformats.org/officeDocument/2006/relationships" xmlns:p14="http://schemas.microsoft.com/office/powerpoint/2010/main" xmlns:p15="http://schemas.microsoft.com/office/powerpoint/2012/main" xmlns:mc="http://schemas.openxmlformats.org/markup-compatibility/2006" type="objOnly" preserve="1">
+<p:sldLayout xmlns:a="http://schemas.openxmlformats.org/drawingml/2006/main" xmlns:r="http://schemas.openxmlformats.org/officeDocument/2006/relationships" xmlns:p="http://schemas.openxmlformats.org/presentationml/2006/main" type="objOnly" preserve="1">
   <p:cSld name="Centered Text">
     <p:spTree>
       <p:nvGrpSpPr>
@@ -1575,12 +1726,13 @@
           </a:ln>
         </p:spPr>
         <p:txBody>
-          <a:bodyPr lIns="0" rIns="0" tIns="0" bIns="0" anchor="ctr">
+          <a:bodyPr lIns="0" tIns="0" rIns="0" bIns="0" anchor="ctr">
             <a:noAutofit/>
           </a:bodyPr>
+          <a:lstStyle/>
           <a:p>
             <a:pPr algn="ctr"/>
-            <a:endParaRPr b="0" lang="pt-BR" sz="3200" spc="-1" strike="noStrike">
+            <a:endParaRPr lang="pt-BR" sz="3200" b="0" strike="noStrike" spc="-1">
               <a:solidFill>
                 <a:srgbClr val="000000"/>
               </a:solidFill>
@@ -1602,6 +1754,7 @@
         <p:spPr/>
         <p:txBody>
           <a:bodyPr/>
+          <a:lstStyle/>
           <a:p>
             <a:r>
               <a:t>Footer</a:t>
@@ -1622,10 +1775,12 @@
         <p:spPr/>
         <p:txBody>
           <a:bodyPr/>
+          <a:lstStyle/>
           <a:p>
             <a:fld id="{D25AD7D9-5640-4B14-B73A-5AE6337A8AC8}" type="slidenum">
-              <a:t>&lt;#&gt;</a:t>
+              <a:t>‹nº›</a:t>
             </a:fld>
+            <a:endParaRPr/>
           </a:p>
         </p:txBody>
       </p:sp>
@@ -1642,21 +1797,22 @@
         <p:spPr/>
         <p:txBody>
           <a:bodyPr/>
-          <a:p>
-            <a:r>
-              <a:rPr lang="pt-BR"/>
-              <a:t/>
-            </a:r>
+          <a:lstStyle/>
+          <a:p>
+            <a:endParaRPr/>
           </a:p>
         </p:txBody>
       </p:sp>
     </p:spTree>
   </p:cSld>
+  <p:clrMapOvr>
+    <a:masterClrMapping/>
+  </p:clrMapOvr>
 </p:sldLayout>
 </file>
 
 <file path=ppt/slideLayouts/slideLayout19.xml><?xml version="1.0" encoding="utf-8"?>
-<p:sldLayout xmlns:a="http://schemas.openxmlformats.org/drawingml/2006/main" xmlns:p="http://schemas.openxmlformats.org/presentationml/2006/main" xmlns:r="http://schemas.openxmlformats.org/officeDocument/2006/relationships" xmlns:p14="http://schemas.microsoft.com/office/powerpoint/2010/main" xmlns:p15="http://schemas.microsoft.com/office/powerpoint/2012/main" xmlns:mc="http://schemas.openxmlformats.org/markup-compatibility/2006" type="twoObjAndObj" preserve="1">
+<p:sldLayout xmlns:a="http://schemas.openxmlformats.org/drawingml/2006/main" xmlns:r="http://schemas.openxmlformats.org/officeDocument/2006/relationships" xmlns:p="http://schemas.openxmlformats.org/presentationml/2006/main" type="twoObjAndObj" preserve="1">
   <p:cSld name="Title, 2 Content and Content">
     <p:spTree>
       <p:nvGrpSpPr>
@@ -1696,14 +1852,15 @@
           </a:ln>
         </p:spPr>
         <p:txBody>
-          <a:bodyPr lIns="0" rIns="0" tIns="0" bIns="0" anchor="ctr">
+          <a:bodyPr lIns="0" tIns="0" rIns="0" bIns="0" anchor="ctr">
             <a:noAutofit/>
           </a:bodyPr>
+          <a:lstStyle/>
           <a:p>
             <a:pPr indent="0">
               <a:buNone/>
             </a:pPr>
-            <a:endParaRPr b="0" lang="pt-BR" sz="1800" spc="-1" strike="noStrike">
+            <a:endParaRPr lang="pt-BR" sz="1800" b="0" strike="noStrike" spc="-1">
               <a:solidFill>
                 <a:srgbClr val="000000"/>
               </a:solidFill>
@@ -1736,9 +1893,10 @@
           </a:ln>
         </p:spPr>
         <p:txBody>
-          <a:bodyPr lIns="0" rIns="0" tIns="0" bIns="0" anchor="t">
+          <a:bodyPr lIns="0" tIns="0" rIns="0" bIns="0" anchor="t">
             <a:normAutofit/>
           </a:bodyPr>
+          <a:lstStyle/>
           <a:p>
             <a:pPr indent="0">
               <a:lnSpc>
@@ -1749,7 +1907,7 @@
               </a:spcBef>
               <a:buNone/>
             </a:pPr>
-            <a:endParaRPr b="0" lang="pt-BR" sz="2800" spc="-1" strike="noStrike">
+            <a:endParaRPr lang="pt-BR" sz="2800" b="0" strike="noStrike" spc="-1">
               <a:solidFill>
                 <a:srgbClr val="000000"/>
               </a:solidFill>
@@ -1782,9 +1940,10 @@
           </a:ln>
         </p:spPr>
         <p:txBody>
-          <a:bodyPr lIns="0" rIns="0" tIns="0" bIns="0" anchor="t">
+          <a:bodyPr lIns="0" tIns="0" rIns="0" bIns="0" anchor="t">
             <a:normAutofit/>
           </a:bodyPr>
+          <a:lstStyle/>
           <a:p>
             <a:pPr indent="0">
               <a:lnSpc>
@@ -1795,7 +1954,7 @@
               </a:spcBef>
               <a:buNone/>
             </a:pPr>
-            <a:endParaRPr b="0" lang="pt-BR" sz="2800" spc="-1" strike="noStrike">
+            <a:endParaRPr lang="pt-BR" sz="2800" b="0" strike="noStrike" spc="-1">
               <a:solidFill>
                 <a:srgbClr val="000000"/>
               </a:solidFill>
@@ -1828,9 +1987,10 @@
           </a:ln>
         </p:spPr>
         <p:txBody>
-          <a:bodyPr lIns="0" rIns="0" tIns="0" bIns="0" anchor="t">
+          <a:bodyPr lIns="0" tIns="0" rIns="0" bIns="0" anchor="t">
             <a:normAutofit/>
           </a:bodyPr>
+          <a:lstStyle/>
           <a:p>
             <a:pPr indent="0">
               <a:lnSpc>
@@ -1841,7 +2001,7 @@
               </a:spcBef>
               <a:buNone/>
             </a:pPr>
-            <a:endParaRPr b="0" lang="pt-BR" sz="2800" spc="-1" strike="noStrike">
+            <a:endParaRPr lang="pt-BR" sz="2800" b="0" strike="noStrike" spc="-1">
               <a:solidFill>
                 <a:srgbClr val="000000"/>
               </a:solidFill>
@@ -1863,6 +2023,7 @@
         <p:spPr/>
         <p:txBody>
           <a:bodyPr/>
+          <a:lstStyle/>
           <a:p>
             <a:r>
               <a:t>Footer</a:t>
@@ -1883,10 +2044,12 @@
         <p:spPr/>
         <p:txBody>
           <a:bodyPr/>
+          <a:lstStyle/>
           <a:p>
             <a:fld id="{10A29D98-312A-4F22-A87A-996C7545A493}" type="slidenum">
-              <a:t>&lt;#&gt;</a:t>
+              <a:t>‹nº›</a:t>
             </a:fld>
+            <a:endParaRPr/>
           </a:p>
         </p:txBody>
       </p:sp>
@@ -1903,21 +2066,22 @@
         <p:spPr/>
         <p:txBody>
           <a:bodyPr/>
-          <a:p>
-            <a:r>
-              <a:rPr lang="pt-BR"/>
-              <a:t/>
-            </a:r>
+          <a:lstStyle/>
+          <a:p>
+            <a:endParaRPr/>
           </a:p>
         </p:txBody>
       </p:sp>
     </p:spTree>
   </p:cSld>
+  <p:clrMapOvr>
+    <a:masterClrMapping/>
+  </p:clrMapOvr>
 </p:sldLayout>
 </file>
 
 <file path=ppt/slideLayouts/slideLayout2.xml><?xml version="1.0" encoding="utf-8"?>
-<p:sldLayout xmlns:a="http://schemas.openxmlformats.org/drawingml/2006/main" xmlns:p="http://schemas.openxmlformats.org/presentationml/2006/main" xmlns:r="http://schemas.openxmlformats.org/officeDocument/2006/relationships" xmlns:p14="http://schemas.microsoft.com/office/powerpoint/2010/main" xmlns:p15="http://schemas.microsoft.com/office/powerpoint/2012/main" xmlns:mc="http://schemas.openxmlformats.org/markup-compatibility/2006" type="tx" preserve="1">
+<p:sldLayout xmlns:a="http://schemas.openxmlformats.org/drawingml/2006/main" xmlns:r="http://schemas.openxmlformats.org/officeDocument/2006/relationships" xmlns:p="http://schemas.openxmlformats.org/presentationml/2006/main" type="tx" preserve="1">
   <p:cSld name="Title Slide">
     <p:spTree>
       <p:nvGrpSpPr>
@@ -1957,14 +2121,15 @@
           </a:ln>
         </p:spPr>
         <p:txBody>
-          <a:bodyPr lIns="0" rIns="0" tIns="0" bIns="0" anchor="ctr">
+          <a:bodyPr lIns="0" tIns="0" rIns="0" bIns="0" anchor="ctr">
             <a:noAutofit/>
           </a:bodyPr>
+          <a:lstStyle/>
           <a:p>
             <a:pPr indent="0">
               <a:buNone/>
             </a:pPr>
-            <a:endParaRPr b="0" lang="pt-BR" sz="1800" spc="-1" strike="noStrike">
+            <a:endParaRPr lang="pt-BR" sz="1800" b="0" strike="noStrike" spc="-1">
               <a:solidFill>
                 <a:srgbClr val="000000"/>
               </a:solidFill>
@@ -1997,14 +2162,15 @@
           </a:ln>
         </p:spPr>
         <p:txBody>
-          <a:bodyPr lIns="0" rIns="0" tIns="0" bIns="0" anchor="ctr">
+          <a:bodyPr lIns="0" tIns="0" rIns="0" bIns="0" anchor="ctr">
             <a:noAutofit/>
           </a:bodyPr>
+          <a:lstStyle/>
           <a:p>
             <a:pPr indent="0" algn="ctr">
               <a:buNone/>
             </a:pPr>
-            <a:endParaRPr b="0" lang="pt-BR" sz="3200" spc="-1" strike="noStrike">
+            <a:endParaRPr lang="pt-BR" sz="3200" b="0" strike="noStrike" spc="-1">
               <a:solidFill>
                 <a:srgbClr val="000000"/>
               </a:solidFill>
@@ -2015,11 +2181,14 @@
       </p:sp>
     </p:spTree>
   </p:cSld>
+  <p:clrMapOvr>
+    <a:masterClrMapping/>
+  </p:clrMapOvr>
 </p:sldLayout>
 </file>
 
 <file path=ppt/slideLayouts/slideLayout20.xml><?xml version="1.0" encoding="utf-8"?>
-<p:sldLayout xmlns:a="http://schemas.openxmlformats.org/drawingml/2006/main" xmlns:p="http://schemas.openxmlformats.org/presentationml/2006/main" xmlns:r="http://schemas.openxmlformats.org/officeDocument/2006/relationships" xmlns:p14="http://schemas.microsoft.com/office/powerpoint/2010/main" xmlns:p15="http://schemas.microsoft.com/office/powerpoint/2012/main" xmlns:mc="http://schemas.openxmlformats.org/markup-compatibility/2006" type="objAndTwoObj" preserve="1">
+<p:sldLayout xmlns:a="http://schemas.openxmlformats.org/drawingml/2006/main" xmlns:r="http://schemas.openxmlformats.org/officeDocument/2006/relationships" xmlns:p="http://schemas.openxmlformats.org/presentationml/2006/main" type="objAndTwoObj" preserve="1">
   <p:cSld name="Title Content and 2 Content">
     <p:spTree>
       <p:nvGrpSpPr>
@@ -2059,14 +2228,15 @@
           </a:ln>
         </p:spPr>
         <p:txBody>
-          <a:bodyPr lIns="0" rIns="0" tIns="0" bIns="0" anchor="ctr">
+          <a:bodyPr lIns="0" tIns="0" rIns="0" bIns="0" anchor="ctr">
             <a:noAutofit/>
           </a:bodyPr>
+          <a:lstStyle/>
           <a:p>
             <a:pPr indent="0">
               <a:buNone/>
             </a:pPr>
-            <a:endParaRPr b="0" lang="pt-BR" sz="1800" spc="-1" strike="noStrike">
+            <a:endParaRPr lang="pt-BR" sz="1800" b="0" strike="noStrike" spc="-1">
               <a:solidFill>
                 <a:srgbClr val="000000"/>
               </a:solidFill>
@@ -2099,9 +2269,10 @@
           </a:ln>
         </p:spPr>
         <p:txBody>
-          <a:bodyPr lIns="0" rIns="0" tIns="0" bIns="0" anchor="t">
+          <a:bodyPr lIns="0" tIns="0" rIns="0" bIns="0" anchor="t">
             <a:normAutofit/>
           </a:bodyPr>
+          <a:lstStyle/>
           <a:p>
             <a:pPr indent="0">
               <a:lnSpc>
@@ -2112,7 +2283,7 @@
               </a:spcBef>
               <a:buNone/>
             </a:pPr>
-            <a:endParaRPr b="0" lang="pt-BR" sz="2800" spc="-1" strike="noStrike">
+            <a:endParaRPr lang="pt-BR" sz="2800" b="0" strike="noStrike" spc="-1">
               <a:solidFill>
                 <a:srgbClr val="000000"/>
               </a:solidFill>
@@ -2145,9 +2316,10 @@
           </a:ln>
         </p:spPr>
         <p:txBody>
-          <a:bodyPr lIns="0" rIns="0" tIns="0" bIns="0" anchor="t">
+          <a:bodyPr lIns="0" tIns="0" rIns="0" bIns="0" anchor="t">
             <a:normAutofit/>
           </a:bodyPr>
+          <a:lstStyle/>
           <a:p>
             <a:pPr indent="0">
               <a:lnSpc>
@@ -2158,7 +2330,7 @@
               </a:spcBef>
               <a:buNone/>
             </a:pPr>
-            <a:endParaRPr b="0" lang="pt-BR" sz="2800" spc="-1" strike="noStrike">
+            <a:endParaRPr lang="pt-BR" sz="2800" b="0" strike="noStrike" spc="-1">
               <a:solidFill>
                 <a:srgbClr val="000000"/>
               </a:solidFill>
@@ -2191,9 +2363,10 @@
           </a:ln>
         </p:spPr>
         <p:txBody>
-          <a:bodyPr lIns="0" rIns="0" tIns="0" bIns="0" anchor="t">
+          <a:bodyPr lIns="0" tIns="0" rIns="0" bIns="0" anchor="t">
             <a:normAutofit/>
           </a:bodyPr>
+          <a:lstStyle/>
           <a:p>
             <a:pPr indent="0">
               <a:lnSpc>
@@ -2204,7 +2377,7 @@
               </a:spcBef>
               <a:buNone/>
             </a:pPr>
-            <a:endParaRPr b="0" lang="pt-BR" sz="2800" spc="-1" strike="noStrike">
+            <a:endParaRPr lang="pt-BR" sz="2800" b="0" strike="noStrike" spc="-1">
               <a:solidFill>
                 <a:srgbClr val="000000"/>
               </a:solidFill>
@@ -2226,6 +2399,7 @@
         <p:spPr/>
         <p:txBody>
           <a:bodyPr/>
+          <a:lstStyle/>
           <a:p>
             <a:r>
               <a:t>Footer</a:t>
@@ -2246,10 +2420,12 @@
         <p:spPr/>
         <p:txBody>
           <a:bodyPr/>
+          <a:lstStyle/>
           <a:p>
             <a:fld id="{7B98685B-5716-48AC-A35F-59FF24FC2C00}" type="slidenum">
-              <a:t>&lt;#&gt;</a:t>
+              <a:t>‹nº›</a:t>
             </a:fld>
+            <a:endParaRPr/>
           </a:p>
         </p:txBody>
       </p:sp>
@@ -2266,21 +2442,22 @@
         <p:spPr/>
         <p:txBody>
           <a:bodyPr/>
-          <a:p>
-            <a:r>
-              <a:rPr lang="pt-BR"/>
-              <a:t/>
-            </a:r>
+          <a:lstStyle/>
+          <a:p>
+            <a:endParaRPr/>
           </a:p>
         </p:txBody>
       </p:sp>
     </p:spTree>
   </p:cSld>
+  <p:clrMapOvr>
+    <a:masterClrMapping/>
+  </p:clrMapOvr>
 </p:sldLayout>
 </file>
 
 <file path=ppt/slideLayouts/slideLayout21.xml><?xml version="1.0" encoding="utf-8"?>
-<p:sldLayout xmlns:a="http://schemas.openxmlformats.org/drawingml/2006/main" xmlns:p="http://schemas.openxmlformats.org/presentationml/2006/main" xmlns:r="http://schemas.openxmlformats.org/officeDocument/2006/relationships" xmlns:p14="http://schemas.microsoft.com/office/powerpoint/2010/main" xmlns:p15="http://schemas.microsoft.com/office/powerpoint/2012/main" xmlns:mc="http://schemas.openxmlformats.org/markup-compatibility/2006" type="twoObjOverTx" preserve="1">
+<p:sldLayout xmlns:a="http://schemas.openxmlformats.org/drawingml/2006/main" xmlns:r="http://schemas.openxmlformats.org/officeDocument/2006/relationships" xmlns:p="http://schemas.openxmlformats.org/presentationml/2006/main" type="twoObjOverTx" preserve="1">
   <p:cSld name="Title, 2 Content over Content">
     <p:spTree>
       <p:nvGrpSpPr>
@@ -2320,14 +2497,15 @@
           </a:ln>
         </p:spPr>
         <p:txBody>
-          <a:bodyPr lIns="0" rIns="0" tIns="0" bIns="0" anchor="ctr">
+          <a:bodyPr lIns="0" tIns="0" rIns="0" bIns="0" anchor="ctr">
             <a:noAutofit/>
           </a:bodyPr>
+          <a:lstStyle/>
           <a:p>
             <a:pPr indent="0">
               <a:buNone/>
             </a:pPr>
-            <a:endParaRPr b="0" lang="pt-BR" sz="1800" spc="-1" strike="noStrike">
+            <a:endParaRPr lang="pt-BR" sz="1800" b="0" strike="noStrike" spc="-1">
               <a:solidFill>
                 <a:srgbClr val="000000"/>
               </a:solidFill>
@@ -2360,9 +2538,10 @@
           </a:ln>
         </p:spPr>
         <p:txBody>
-          <a:bodyPr lIns="0" rIns="0" tIns="0" bIns="0" anchor="t">
+          <a:bodyPr lIns="0" tIns="0" rIns="0" bIns="0" anchor="t">
             <a:normAutofit/>
           </a:bodyPr>
+          <a:lstStyle/>
           <a:p>
             <a:pPr indent="0">
               <a:lnSpc>
@@ -2373,7 +2552,7 @@
               </a:spcBef>
               <a:buNone/>
             </a:pPr>
-            <a:endParaRPr b="0" lang="pt-BR" sz="2800" spc="-1" strike="noStrike">
+            <a:endParaRPr lang="pt-BR" sz="2800" b="0" strike="noStrike" spc="-1">
               <a:solidFill>
                 <a:srgbClr val="000000"/>
               </a:solidFill>
@@ -2406,9 +2585,10 @@
           </a:ln>
         </p:spPr>
         <p:txBody>
-          <a:bodyPr lIns="0" rIns="0" tIns="0" bIns="0" anchor="t">
+          <a:bodyPr lIns="0" tIns="0" rIns="0" bIns="0" anchor="t">
             <a:normAutofit/>
           </a:bodyPr>
+          <a:lstStyle/>
           <a:p>
             <a:pPr indent="0">
               <a:lnSpc>
@@ -2419,7 +2599,7 @@
               </a:spcBef>
               <a:buNone/>
             </a:pPr>
-            <a:endParaRPr b="0" lang="pt-BR" sz="2800" spc="-1" strike="noStrike">
+            <a:endParaRPr lang="pt-BR" sz="2800" b="0" strike="noStrike" spc="-1">
               <a:solidFill>
                 <a:srgbClr val="000000"/>
               </a:solidFill>
@@ -2452,9 +2632,10 @@
           </a:ln>
         </p:spPr>
         <p:txBody>
-          <a:bodyPr lIns="0" rIns="0" tIns="0" bIns="0" anchor="t">
+          <a:bodyPr lIns="0" tIns="0" rIns="0" bIns="0" anchor="t">
             <a:normAutofit/>
           </a:bodyPr>
+          <a:lstStyle/>
           <a:p>
             <a:pPr indent="0">
               <a:lnSpc>
@@ -2465,7 +2646,7 @@
               </a:spcBef>
               <a:buNone/>
             </a:pPr>
-            <a:endParaRPr b="0" lang="pt-BR" sz="2800" spc="-1" strike="noStrike">
+            <a:endParaRPr lang="pt-BR" sz="2800" b="0" strike="noStrike" spc="-1">
               <a:solidFill>
                 <a:srgbClr val="000000"/>
               </a:solidFill>
@@ -2487,6 +2668,7 @@
         <p:spPr/>
         <p:txBody>
           <a:bodyPr/>
+          <a:lstStyle/>
           <a:p>
             <a:r>
               <a:t>Footer</a:t>
@@ -2507,10 +2689,12 @@
         <p:spPr/>
         <p:txBody>
           <a:bodyPr/>
+          <a:lstStyle/>
           <a:p>
             <a:fld id="{67FCBB06-6D92-47BC-B9BB-F281A6A0B262}" type="slidenum">
-              <a:t>&lt;#&gt;</a:t>
+              <a:t>‹nº›</a:t>
             </a:fld>
+            <a:endParaRPr/>
           </a:p>
         </p:txBody>
       </p:sp>
@@ -2527,21 +2711,22 @@
         <p:spPr/>
         <p:txBody>
           <a:bodyPr/>
-          <a:p>
-            <a:r>
-              <a:rPr lang="pt-BR"/>
-              <a:t/>
-            </a:r>
+          <a:lstStyle/>
+          <a:p>
+            <a:endParaRPr/>
           </a:p>
         </p:txBody>
       </p:sp>
     </p:spTree>
   </p:cSld>
+  <p:clrMapOvr>
+    <a:masterClrMapping/>
+  </p:clrMapOvr>
 </p:sldLayout>
 </file>
 
 <file path=ppt/slideLayouts/slideLayout22.xml><?xml version="1.0" encoding="utf-8"?>
-<p:sldLayout xmlns:a="http://schemas.openxmlformats.org/drawingml/2006/main" xmlns:p="http://schemas.openxmlformats.org/presentationml/2006/main" xmlns:r="http://schemas.openxmlformats.org/officeDocument/2006/relationships" xmlns:p14="http://schemas.microsoft.com/office/powerpoint/2010/main" xmlns:p15="http://schemas.microsoft.com/office/powerpoint/2012/main" xmlns:mc="http://schemas.openxmlformats.org/markup-compatibility/2006" type="objOverTx" preserve="1">
+<p:sldLayout xmlns:a="http://schemas.openxmlformats.org/drawingml/2006/main" xmlns:r="http://schemas.openxmlformats.org/officeDocument/2006/relationships" xmlns:p="http://schemas.openxmlformats.org/presentationml/2006/main" type="objOverTx" preserve="1">
   <p:cSld name="Title, Content over Content">
     <p:spTree>
       <p:nvGrpSpPr>
@@ -2581,14 +2766,15 @@
           </a:ln>
         </p:spPr>
         <p:txBody>
-          <a:bodyPr lIns="0" rIns="0" tIns="0" bIns="0" anchor="ctr">
+          <a:bodyPr lIns="0" tIns="0" rIns="0" bIns="0" anchor="ctr">
             <a:noAutofit/>
           </a:bodyPr>
+          <a:lstStyle/>
           <a:p>
             <a:pPr indent="0">
               <a:buNone/>
             </a:pPr>
-            <a:endParaRPr b="0" lang="pt-BR" sz="1800" spc="-1" strike="noStrike">
+            <a:endParaRPr lang="pt-BR" sz="1800" b="0" strike="noStrike" spc="-1">
               <a:solidFill>
                 <a:srgbClr val="000000"/>
               </a:solidFill>
@@ -2621,9 +2807,10 @@
           </a:ln>
         </p:spPr>
         <p:txBody>
-          <a:bodyPr lIns="0" rIns="0" tIns="0" bIns="0" anchor="t">
+          <a:bodyPr lIns="0" tIns="0" rIns="0" bIns="0" anchor="t">
             <a:normAutofit/>
           </a:bodyPr>
+          <a:lstStyle/>
           <a:p>
             <a:pPr indent="0">
               <a:lnSpc>
@@ -2634,7 +2821,7 @@
               </a:spcBef>
               <a:buNone/>
             </a:pPr>
-            <a:endParaRPr b="0" lang="pt-BR" sz="2800" spc="-1" strike="noStrike">
+            <a:endParaRPr lang="pt-BR" sz="2800" b="0" strike="noStrike" spc="-1">
               <a:solidFill>
                 <a:srgbClr val="000000"/>
               </a:solidFill>
@@ -2667,9 +2854,10 @@
           </a:ln>
         </p:spPr>
         <p:txBody>
-          <a:bodyPr lIns="0" rIns="0" tIns="0" bIns="0" anchor="t">
+          <a:bodyPr lIns="0" tIns="0" rIns="0" bIns="0" anchor="t">
             <a:normAutofit/>
           </a:bodyPr>
+          <a:lstStyle/>
           <a:p>
             <a:pPr indent="0">
               <a:lnSpc>
@@ -2680,7 +2868,7 @@
               </a:spcBef>
               <a:buNone/>
             </a:pPr>
-            <a:endParaRPr b="0" lang="pt-BR" sz="2800" spc="-1" strike="noStrike">
+            <a:endParaRPr lang="pt-BR" sz="2800" b="0" strike="noStrike" spc="-1">
               <a:solidFill>
                 <a:srgbClr val="000000"/>
               </a:solidFill>
@@ -2702,6 +2890,7 @@
         <p:spPr/>
         <p:txBody>
           <a:bodyPr/>
+          <a:lstStyle/>
           <a:p>
             <a:r>
               <a:t>Footer</a:t>
@@ -2722,10 +2911,12 @@
         <p:spPr/>
         <p:txBody>
           <a:bodyPr/>
+          <a:lstStyle/>
           <a:p>
             <a:fld id="{A6065421-A059-4DE5-92BB-976C182B97E6}" type="slidenum">
-              <a:t>&lt;#&gt;</a:t>
+              <a:t>‹nº›</a:t>
             </a:fld>
+            <a:endParaRPr/>
           </a:p>
         </p:txBody>
       </p:sp>
@@ -2742,21 +2933,22 @@
         <p:spPr/>
         <p:txBody>
           <a:bodyPr/>
-          <a:p>
-            <a:r>
-              <a:rPr lang="pt-BR"/>
-              <a:t/>
-            </a:r>
+          <a:lstStyle/>
+          <a:p>
+            <a:endParaRPr/>
           </a:p>
         </p:txBody>
       </p:sp>
     </p:spTree>
   </p:cSld>
+  <p:clrMapOvr>
+    <a:masterClrMapping/>
+  </p:clrMapOvr>
 </p:sldLayout>
 </file>
 
 <file path=ppt/slideLayouts/slideLayout23.xml><?xml version="1.0" encoding="utf-8"?>
-<p:sldLayout xmlns:a="http://schemas.openxmlformats.org/drawingml/2006/main" xmlns:p="http://schemas.openxmlformats.org/presentationml/2006/main" xmlns:r="http://schemas.openxmlformats.org/officeDocument/2006/relationships" xmlns:p14="http://schemas.microsoft.com/office/powerpoint/2010/main" xmlns:p15="http://schemas.microsoft.com/office/powerpoint/2012/main" xmlns:mc="http://schemas.openxmlformats.org/markup-compatibility/2006" type="fourObj" preserve="1">
+<p:sldLayout xmlns:a="http://schemas.openxmlformats.org/drawingml/2006/main" xmlns:r="http://schemas.openxmlformats.org/officeDocument/2006/relationships" xmlns:p="http://schemas.openxmlformats.org/presentationml/2006/main" type="fourObj" preserve="1">
   <p:cSld name="Title, 4 Content">
     <p:spTree>
       <p:nvGrpSpPr>
@@ -2796,14 +2988,15 @@
           </a:ln>
         </p:spPr>
         <p:txBody>
-          <a:bodyPr lIns="0" rIns="0" tIns="0" bIns="0" anchor="ctr">
+          <a:bodyPr lIns="0" tIns="0" rIns="0" bIns="0" anchor="ctr">
             <a:noAutofit/>
           </a:bodyPr>
+          <a:lstStyle/>
           <a:p>
             <a:pPr indent="0">
               <a:buNone/>
             </a:pPr>
-            <a:endParaRPr b="0" lang="pt-BR" sz="1800" spc="-1" strike="noStrike">
+            <a:endParaRPr lang="pt-BR" sz="1800" b="0" strike="noStrike" spc="-1">
               <a:solidFill>
                 <a:srgbClr val="000000"/>
               </a:solidFill>
@@ -2836,9 +3029,10 @@
           </a:ln>
         </p:spPr>
         <p:txBody>
-          <a:bodyPr lIns="0" rIns="0" tIns="0" bIns="0" anchor="t">
+          <a:bodyPr lIns="0" tIns="0" rIns="0" bIns="0" anchor="t">
             <a:normAutofit/>
           </a:bodyPr>
+          <a:lstStyle/>
           <a:p>
             <a:pPr indent="0">
               <a:lnSpc>
@@ -2849,7 +3043,7 @@
               </a:spcBef>
               <a:buNone/>
             </a:pPr>
-            <a:endParaRPr b="0" lang="pt-BR" sz="2800" spc="-1" strike="noStrike">
+            <a:endParaRPr lang="pt-BR" sz="2800" b="0" strike="noStrike" spc="-1">
               <a:solidFill>
                 <a:srgbClr val="000000"/>
               </a:solidFill>
@@ -2882,9 +3076,10 @@
           </a:ln>
         </p:spPr>
         <p:txBody>
-          <a:bodyPr lIns="0" rIns="0" tIns="0" bIns="0" anchor="t">
+          <a:bodyPr lIns="0" tIns="0" rIns="0" bIns="0" anchor="t">
             <a:normAutofit/>
           </a:bodyPr>
+          <a:lstStyle/>
           <a:p>
             <a:pPr indent="0">
               <a:lnSpc>
@@ -2895,7 +3090,7 @@
               </a:spcBef>
               <a:buNone/>
             </a:pPr>
-            <a:endParaRPr b="0" lang="pt-BR" sz="2800" spc="-1" strike="noStrike">
+            <a:endParaRPr lang="pt-BR" sz="2800" b="0" strike="noStrike" spc="-1">
               <a:solidFill>
                 <a:srgbClr val="000000"/>
               </a:solidFill>
@@ -2928,9 +3123,10 @@
           </a:ln>
         </p:spPr>
         <p:txBody>
-          <a:bodyPr lIns="0" rIns="0" tIns="0" bIns="0" anchor="t">
+          <a:bodyPr lIns="0" tIns="0" rIns="0" bIns="0" anchor="t">
             <a:normAutofit/>
           </a:bodyPr>
+          <a:lstStyle/>
           <a:p>
             <a:pPr indent="0">
               <a:lnSpc>
@@ -2941,7 +3137,7 @@
               </a:spcBef>
               <a:buNone/>
             </a:pPr>
-            <a:endParaRPr b="0" lang="pt-BR" sz="2800" spc="-1" strike="noStrike">
+            <a:endParaRPr lang="pt-BR" sz="2800" b="0" strike="noStrike" spc="-1">
               <a:solidFill>
                 <a:srgbClr val="000000"/>
               </a:solidFill>
@@ -2974,9 +3170,10 @@
           </a:ln>
         </p:spPr>
         <p:txBody>
-          <a:bodyPr lIns="0" rIns="0" tIns="0" bIns="0" anchor="t">
+          <a:bodyPr lIns="0" tIns="0" rIns="0" bIns="0" anchor="t">
             <a:normAutofit/>
           </a:bodyPr>
+          <a:lstStyle/>
           <a:p>
             <a:pPr indent="0">
               <a:lnSpc>
@@ -2987,7 +3184,7 @@
               </a:spcBef>
               <a:buNone/>
             </a:pPr>
-            <a:endParaRPr b="0" lang="pt-BR" sz="2800" spc="-1" strike="noStrike">
+            <a:endParaRPr lang="pt-BR" sz="2800" b="0" strike="noStrike" spc="-1">
               <a:solidFill>
                 <a:srgbClr val="000000"/>
               </a:solidFill>
@@ -3009,6 +3206,7 @@
         <p:spPr/>
         <p:txBody>
           <a:bodyPr/>
+          <a:lstStyle/>
           <a:p>
             <a:r>
               <a:t>Footer</a:t>
@@ -3029,10 +3227,12 @@
         <p:spPr/>
         <p:txBody>
           <a:bodyPr/>
+          <a:lstStyle/>
           <a:p>
             <a:fld id="{3B79F7B5-23D5-44A7-B690-899E23FA9BC3}" type="slidenum">
-              <a:t>&lt;#&gt;</a:t>
+              <a:t>‹nº›</a:t>
             </a:fld>
+            <a:endParaRPr/>
           </a:p>
         </p:txBody>
       </p:sp>
@@ -3049,21 +3249,22 @@
         <p:spPr/>
         <p:txBody>
           <a:bodyPr/>
-          <a:p>
-            <a:r>
-              <a:rPr lang="pt-BR"/>
-              <a:t/>
-            </a:r>
+          <a:lstStyle/>
+          <a:p>
+            <a:endParaRPr/>
           </a:p>
         </p:txBody>
       </p:sp>
     </p:spTree>
   </p:cSld>
+  <p:clrMapOvr>
+    <a:masterClrMapping/>
+  </p:clrMapOvr>
 </p:sldLayout>
 </file>
 
 <file path=ppt/slideLayouts/slideLayout24.xml><?xml version="1.0" encoding="utf-8"?>
-<p:sldLayout xmlns:a="http://schemas.openxmlformats.org/drawingml/2006/main" xmlns:p="http://schemas.openxmlformats.org/presentationml/2006/main" xmlns:r="http://schemas.openxmlformats.org/officeDocument/2006/relationships" xmlns:p14="http://schemas.microsoft.com/office/powerpoint/2010/main" xmlns:p15="http://schemas.microsoft.com/office/powerpoint/2012/main" xmlns:mc="http://schemas.openxmlformats.org/markup-compatibility/2006" type="blank" preserve="1">
+<p:sldLayout xmlns:a="http://schemas.openxmlformats.org/drawingml/2006/main" xmlns:r="http://schemas.openxmlformats.org/officeDocument/2006/relationships" xmlns:p="http://schemas.openxmlformats.org/presentationml/2006/main" type="blank" preserve="1">
   <p:cSld name="Title, 6 Content">
     <p:spTree>
       <p:nvGrpSpPr>
@@ -3103,14 +3304,15 @@
           </a:ln>
         </p:spPr>
         <p:txBody>
-          <a:bodyPr lIns="0" rIns="0" tIns="0" bIns="0" anchor="ctr">
+          <a:bodyPr lIns="0" tIns="0" rIns="0" bIns="0" anchor="ctr">
             <a:noAutofit/>
           </a:bodyPr>
+          <a:lstStyle/>
           <a:p>
             <a:pPr indent="0">
               <a:buNone/>
             </a:pPr>
-            <a:endParaRPr b="0" lang="pt-BR" sz="1800" spc="-1" strike="noStrike">
+            <a:endParaRPr lang="pt-BR" sz="1800" b="0" strike="noStrike" spc="-1">
               <a:solidFill>
                 <a:srgbClr val="000000"/>
               </a:solidFill>
@@ -3143,9 +3345,10 @@
           </a:ln>
         </p:spPr>
         <p:txBody>
-          <a:bodyPr lIns="0" rIns="0" tIns="0" bIns="0" anchor="t">
+          <a:bodyPr lIns="0" tIns="0" rIns="0" bIns="0" anchor="t">
             <a:normAutofit/>
           </a:bodyPr>
+          <a:lstStyle/>
           <a:p>
             <a:pPr indent="0">
               <a:lnSpc>
@@ -3156,7 +3359,7 @@
               </a:spcBef>
               <a:buNone/>
             </a:pPr>
-            <a:endParaRPr b="0" lang="pt-BR" sz="2800" spc="-1" strike="noStrike">
+            <a:endParaRPr lang="pt-BR" sz="2800" b="0" strike="noStrike" spc="-1">
               <a:solidFill>
                 <a:srgbClr val="000000"/>
               </a:solidFill>
@@ -3189,9 +3392,10 @@
           </a:ln>
         </p:spPr>
         <p:txBody>
-          <a:bodyPr lIns="0" rIns="0" tIns="0" bIns="0" anchor="t">
+          <a:bodyPr lIns="0" tIns="0" rIns="0" bIns="0" anchor="t">
             <a:normAutofit/>
           </a:bodyPr>
+          <a:lstStyle/>
           <a:p>
             <a:pPr indent="0">
               <a:lnSpc>
@@ -3202,7 +3406,7 @@
               </a:spcBef>
               <a:buNone/>
             </a:pPr>
-            <a:endParaRPr b="0" lang="pt-BR" sz="2800" spc="-1" strike="noStrike">
+            <a:endParaRPr lang="pt-BR" sz="2800" b="0" strike="noStrike" spc="-1">
               <a:solidFill>
                 <a:srgbClr val="000000"/>
               </a:solidFill>
@@ -3235,9 +3439,10 @@
           </a:ln>
         </p:spPr>
         <p:txBody>
-          <a:bodyPr lIns="0" rIns="0" tIns="0" bIns="0" anchor="t">
+          <a:bodyPr lIns="0" tIns="0" rIns="0" bIns="0" anchor="t">
             <a:normAutofit/>
           </a:bodyPr>
+          <a:lstStyle/>
           <a:p>
             <a:pPr indent="0">
               <a:lnSpc>
@@ -3248,7 +3453,7 @@
               </a:spcBef>
               <a:buNone/>
             </a:pPr>
-            <a:endParaRPr b="0" lang="pt-BR" sz="2800" spc="-1" strike="noStrike">
+            <a:endParaRPr lang="pt-BR" sz="2800" b="0" strike="noStrike" spc="-1">
               <a:solidFill>
                 <a:srgbClr val="000000"/>
               </a:solidFill>
@@ -3281,9 +3486,10 @@
           </a:ln>
         </p:spPr>
         <p:txBody>
-          <a:bodyPr lIns="0" rIns="0" tIns="0" bIns="0" anchor="t">
+          <a:bodyPr lIns="0" tIns="0" rIns="0" bIns="0" anchor="t">
             <a:normAutofit/>
           </a:bodyPr>
+          <a:lstStyle/>
           <a:p>
             <a:pPr indent="0">
               <a:lnSpc>
@@ -3294,7 +3500,7 @@
               </a:spcBef>
               <a:buNone/>
             </a:pPr>
-            <a:endParaRPr b="0" lang="pt-BR" sz="2800" spc="-1" strike="noStrike">
+            <a:endParaRPr lang="pt-BR" sz="2800" b="0" strike="noStrike" spc="-1">
               <a:solidFill>
                 <a:srgbClr val="000000"/>
               </a:solidFill>
@@ -3327,9 +3533,10 @@
           </a:ln>
         </p:spPr>
         <p:txBody>
-          <a:bodyPr lIns="0" rIns="0" tIns="0" bIns="0" anchor="t">
+          <a:bodyPr lIns="0" tIns="0" rIns="0" bIns="0" anchor="t">
             <a:normAutofit/>
           </a:bodyPr>
+          <a:lstStyle/>
           <a:p>
             <a:pPr indent="0">
               <a:lnSpc>
@@ -3340,7 +3547,7 @@
               </a:spcBef>
               <a:buNone/>
             </a:pPr>
-            <a:endParaRPr b="0" lang="pt-BR" sz="2800" spc="-1" strike="noStrike">
+            <a:endParaRPr lang="pt-BR" sz="2800" b="0" strike="noStrike" spc="-1">
               <a:solidFill>
                 <a:srgbClr val="000000"/>
               </a:solidFill>
@@ -3373,9 +3580,10 @@
           </a:ln>
         </p:spPr>
         <p:txBody>
-          <a:bodyPr lIns="0" rIns="0" tIns="0" bIns="0" anchor="t">
+          <a:bodyPr lIns="0" tIns="0" rIns="0" bIns="0" anchor="t">
             <a:normAutofit/>
           </a:bodyPr>
+          <a:lstStyle/>
           <a:p>
             <a:pPr indent="0">
               <a:lnSpc>
@@ -3386,7 +3594,7 @@
               </a:spcBef>
               <a:buNone/>
             </a:pPr>
-            <a:endParaRPr b="0" lang="pt-BR" sz="2800" spc="-1" strike="noStrike">
+            <a:endParaRPr lang="pt-BR" sz="2800" b="0" strike="noStrike" spc="-1">
               <a:solidFill>
                 <a:srgbClr val="000000"/>
               </a:solidFill>
@@ -3408,6 +3616,7 @@
         <p:spPr/>
         <p:txBody>
           <a:bodyPr/>
+          <a:lstStyle/>
           <a:p>
             <a:r>
               <a:t>Footer</a:t>
@@ -3428,10 +3637,12 @@
         <p:spPr/>
         <p:txBody>
           <a:bodyPr/>
+          <a:lstStyle/>
           <a:p>
             <a:fld id="{6082FD16-5310-4E44-AC21-9150704A885D}" type="slidenum">
-              <a:t>&lt;#&gt;</a:t>
+              <a:t>‹nº›</a:t>
             </a:fld>
+            <a:endParaRPr/>
           </a:p>
         </p:txBody>
       </p:sp>
@@ -3448,21 +3659,22 @@
         <p:spPr/>
         <p:txBody>
           <a:bodyPr/>
-          <a:p>
-            <a:r>
-              <a:rPr lang="pt-BR"/>
-              <a:t/>
-            </a:r>
+          <a:lstStyle/>
+          <a:p>
+            <a:endParaRPr/>
           </a:p>
         </p:txBody>
       </p:sp>
     </p:spTree>
   </p:cSld>
+  <p:clrMapOvr>
+    <a:masterClrMapping/>
+  </p:clrMapOvr>
 </p:sldLayout>
 </file>
 
 <file path=ppt/slideLayouts/slideLayout3.xml><?xml version="1.0" encoding="utf-8"?>
-<p:sldLayout xmlns:a="http://schemas.openxmlformats.org/drawingml/2006/main" xmlns:p="http://schemas.openxmlformats.org/presentationml/2006/main" xmlns:r="http://schemas.openxmlformats.org/officeDocument/2006/relationships" xmlns:p14="http://schemas.microsoft.com/office/powerpoint/2010/main" xmlns:p15="http://schemas.microsoft.com/office/powerpoint/2012/main" xmlns:mc="http://schemas.openxmlformats.org/markup-compatibility/2006" type="obj" preserve="1">
+<p:sldLayout xmlns:a="http://schemas.openxmlformats.org/drawingml/2006/main" xmlns:r="http://schemas.openxmlformats.org/officeDocument/2006/relationships" xmlns:p="http://schemas.openxmlformats.org/presentationml/2006/main" type="obj" preserve="1">
   <p:cSld name="Title, Content">
     <p:spTree>
       <p:nvGrpSpPr>
@@ -3502,14 +3714,15 @@
           </a:ln>
         </p:spPr>
         <p:txBody>
-          <a:bodyPr lIns="0" rIns="0" tIns="0" bIns="0" anchor="ctr">
+          <a:bodyPr lIns="0" tIns="0" rIns="0" bIns="0" anchor="ctr">
             <a:noAutofit/>
           </a:bodyPr>
+          <a:lstStyle/>
           <a:p>
             <a:pPr indent="0">
               <a:buNone/>
             </a:pPr>
-            <a:endParaRPr b="0" lang="pt-BR" sz="1800" spc="-1" strike="noStrike">
+            <a:endParaRPr lang="pt-BR" sz="1800" b="0" strike="noStrike" spc="-1">
               <a:solidFill>
                 <a:srgbClr val="000000"/>
               </a:solidFill>
@@ -3542,9 +3755,10 @@
           </a:ln>
         </p:spPr>
         <p:txBody>
-          <a:bodyPr lIns="0" rIns="0" tIns="0" bIns="0" anchor="t">
+          <a:bodyPr lIns="0" tIns="0" rIns="0" bIns="0" anchor="t">
             <a:normAutofit/>
           </a:bodyPr>
+          <a:lstStyle/>
           <a:p>
             <a:pPr indent="0">
               <a:lnSpc>
@@ -3555,7 +3769,7 @@
               </a:spcBef>
               <a:buNone/>
             </a:pPr>
-            <a:endParaRPr b="0" lang="pt-BR" sz="2800" spc="-1" strike="noStrike">
+            <a:endParaRPr lang="pt-BR" sz="2800" b="0" strike="noStrike" spc="-1">
               <a:solidFill>
                 <a:srgbClr val="000000"/>
               </a:solidFill>
@@ -3566,11 +3780,14 @@
       </p:sp>
     </p:spTree>
   </p:cSld>
+  <p:clrMapOvr>
+    <a:masterClrMapping/>
+  </p:clrMapOvr>
 </p:sldLayout>
 </file>
 
 <file path=ppt/slideLayouts/slideLayout4.xml><?xml version="1.0" encoding="utf-8"?>
-<p:sldLayout xmlns:a="http://schemas.openxmlformats.org/drawingml/2006/main" xmlns:p="http://schemas.openxmlformats.org/presentationml/2006/main" xmlns:r="http://schemas.openxmlformats.org/officeDocument/2006/relationships" xmlns:p14="http://schemas.microsoft.com/office/powerpoint/2010/main" xmlns:p15="http://schemas.microsoft.com/office/powerpoint/2012/main" xmlns:mc="http://schemas.openxmlformats.org/markup-compatibility/2006" type="twoObj" preserve="1">
+<p:sldLayout xmlns:a="http://schemas.openxmlformats.org/drawingml/2006/main" xmlns:r="http://schemas.openxmlformats.org/officeDocument/2006/relationships" xmlns:p="http://schemas.openxmlformats.org/presentationml/2006/main" type="twoObj" preserve="1">
   <p:cSld name="Title, 2 Content">
     <p:spTree>
       <p:nvGrpSpPr>
@@ -3610,14 +3827,15 @@
           </a:ln>
         </p:spPr>
         <p:txBody>
-          <a:bodyPr lIns="0" rIns="0" tIns="0" bIns="0" anchor="ctr">
+          <a:bodyPr lIns="0" tIns="0" rIns="0" bIns="0" anchor="ctr">
             <a:noAutofit/>
           </a:bodyPr>
+          <a:lstStyle/>
           <a:p>
             <a:pPr indent="0">
               <a:buNone/>
             </a:pPr>
-            <a:endParaRPr b="0" lang="pt-BR" sz="1800" spc="-1" strike="noStrike">
+            <a:endParaRPr lang="pt-BR" sz="1800" b="0" strike="noStrike" spc="-1">
               <a:solidFill>
                 <a:srgbClr val="000000"/>
               </a:solidFill>
@@ -3650,9 +3868,10 @@
           </a:ln>
         </p:spPr>
         <p:txBody>
-          <a:bodyPr lIns="0" rIns="0" tIns="0" bIns="0" anchor="t">
+          <a:bodyPr lIns="0" tIns="0" rIns="0" bIns="0" anchor="t">
             <a:normAutofit/>
           </a:bodyPr>
+          <a:lstStyle/>
           <a:p>
             <a:pPr indent="0">
               <a:lnSpc>
@@ -3663,7 +3882,7 @@
               </a:spcBef>
               <a:buNone/>
             </a:pPr>
-            <a:endParaRPr b="0" lang="pt-BR" sz="2800" spc="-1" strike="noStrike">
+            <a:endParaRPr lang="pt-BR" sz="2800" b="0" strike="noStrike" spc="-1">
               <a:solidFill>
                 <a:srgbClr val="000000"/>
               </a:solidFill>
@@ -3696,9 +3915,10 @@
           </a:ln>
         </p:spPr>
         <p:txBody>
-          <a:bodyPr lIns="0" rIns="0" tIns="0" bIns="0" anchor="t">
+          <a:bodyPr lIns="0" tIns="0" rIns="0" bIns="0" anchor="t">
             <a:normAutofit/>
           </a:bodyPr>
+          <a:lstStyle/>
           <a:p>
             <a:pPr indent="0">
               <a:lnSpc>
@@ -3709,7 +3929,7 @@
               </a:spcBef>
               <a:buNone/>
             </a:pPr>
-            <a:endParaRPr b="0" lang="pt-BR" sz="2800" spc="-1" strike="noStrike">
+            <a:endParaRPr lang="pt-BR" sz="2800" b="0" strike="noStrike" spc="-1">
               <a:solidFill>
                 <a:srgbClr val="000000"/>
               </a:solidFill>
@@ -3720,11 +3940,14 @@
       </p:sp>
     </p:spTree>
   </p:cSld>
+  <p:clrMapOvr>
+    <a:masterClrMapping/>
+  </p:clrMapOvr>
 </p:sldLayout>
 </file>
 
 <file path=ppt/slideLayouts/slideLayout5.xml><?xml version="1.0" encoding="utf-8"?>
-<p:sldLayout xmlns:a="http://schemas.openxmlformats.org/drawingml/2006/main" xmlns:p="http://schemas.openxmlformats.org/presentationml/2006/main" xmlns:r="http://schemas.openxmlformats.org/officeDocument/2006/relationships" xmlns:p14="http://schemas.microsoft.com/office/powerpoint/2010/main" xmlns:p15="http://schemas.microsoft.com/office/powerpoint/2012/main" xmlns:mc="http://schemas.openxmlformats.org/markup-compatibility/2006" type="titleOnly" preserve="1">
+<p:sldLayout xmlns:a="http://schemas.openxmlformats.org/drawingml/2006/main" xmlns:r="http://schemas.openxmlformats.org/officeDocument/2006/relationships" xmlns:p="http://schemas.openxmlformats.org/presentationml/2006/main" type="titleOnly" preserve="1">
   <p:cSld name="Title Only">
     <p:spTree>
       <p:nvGrpSpPr>
@@ -3764,14 +3987,15 @@
           </a:ln>
         </p:spPr>
         <p:txBody>
-          <a:bodyPr lIns="0" rIns="0" tIns="0" bIns="0" anchor="ctr">
+          <a:bodyPr lIns="0" tIns="0" rIns="0" bIns="0" anchor="ctr">
             <a:noAutofit/>
           </a:bodyPr>
+          <a:lstStyle/>
           <a:p>
             <a:pPr indent="0">
               <a:buNone/>
             </a:pPr>
-            <a:endParaRPr b="0" lang="pt-BR" sz="1800" spc="-1" strike="noStrike">
+            <a:endParaRPr lang="pt-BR" sz="1800" b="0" strike="noStrike" spc="-1">
               <a:solidFill>
                 <a:srgbClr val="000000"/>
               </a:solidFill>
@@ -3782,11 +4006,14 @@
       </p:sp>
     </p:spTree>
   </p:cSld>
+  <p:clrMapOvr>
+    <a:masterClrMapping/>
+  </p:clrMapOvr>
 </p:sldLayout>
 </file>
 
 <file path=ppt/slideLayouts/slideLayout6.xml><?xml version="1.0" encoding="utf-8"?>
-<p:sldLayout xmlns:a="http://schemas.openxmlformats.org/drawingml/2006/main" xmlns:p="http://schemas.openxmlformats.org/presentationml/2006/main" xmlns:r="http://schemas.openxmlformats.org/officeDocument/2006/relationships" xmlns:p14="http://schemas.microsoft.com/office/powerpoint/2010/main" xmlns:p15="http://schemas.microsoft.com/office/powerpoint/2012/main" xmlns:mc="http://schemas.openxmlformats.org/markup-compatibility/2006" type="objOnly" preserve="1">
+<p:sldLayout xmlns:a="http://schemas.openxmlformats.org/drawingml/2006/main" xmlns:r="http://schemas.openxmlformats.org/officeDocument/2006/relationships" xmlns:p="http://schemas.openxmlformats.org/presentationml/2006/main" type="objOnly" preserve="1">
   <p:cSld name="Centered Text">
     <p:spTree>
       <p:nvGrpSpPr>
@@ -3826,12 +4053,13 @@
           </a:ln>
         </p:spPr>
         <p:txBody>
-          <a:bodyPr lIns="0" rIns="0" tIns="0" bIns="0" anchor="ctr">
+          <a:bodyPr lIns="0" tIns="0" rIns="0" bIns="0" anchor="ctr">
             <a:noAutofit/>
           </a:bodyPr>
+          <a:lstStyle/>
           <a:p>
             <a:pPr algn="ctr"/>
-            <a:endParaRPr b="0" lang="pt-BR" sz="3200" spc="-1" strike="noStrike">
+            <a:endParaRPr lang="pt-BR" sz="3200" b="0" strike="noStrike" spc="-1">
               <a:solidFill>
                 <a:srgbClr val="000000"/>
               </a:solidFill>
@@ -3842,11 +4070,14 @@
       </p:sp>
     </p:spTree>
   </p:cSld>
+  <p:clrMapOvr>
+    <a:masterClrMapping/>
+  </p:clrMapOvr>
 </p:sldLayout>
 </file>
 
 <file path=ppt/slideLayouts/slideLayout7.xml><?xml version="1.0" encoding="utf-8"?>
-<p:sldLayout xmlns:a="http://schemas.openxmlformats.org/drawingml/2006/main" xmlns:p="http://schemas.openxmlformats.org/presentationml/2006/main" xmlns:r="http://schemas.openxmlformats.org/officeDocument/2006/relationships" xmlns:p14="http://schemas.microsoft.com/office/powerpoint/2010/main" xmlns:p15="http://schemas.microsoft.com/office/powerpoint/2012/main" xmlns:mc="http://schemas.openxmlformats.org/markup-compatibility/2006" type="twoObjAndObj" preserve="1">
+<p:sldLayout xmlns:a="http://schemas.openxmlformats.org/drawingml/2006/main" xmlns:r="http://schemas.openxmlformats.org/officeDocument/2006/relationships" xmlns:p="http://schemas.openxmlformats.org/presentationml/2006/main" type="twoObjAndObj" preserve="1">
   <p:cSld name="Title, 2 Content and Content">
     <p:spTree>
       <p:nvGrpSpPr>
@@ -3886,14 +4117,15 @@
           </a:ln>
         </p:spPr>
         <p:txBody>
-          <a:bodyPr lIns="0" rIns="0" tIns="0" bIns="0" anchor="ctr">
+          <a:bodyPr lIns="0" tIns="0" rIns="0" bIns="0" anchor="ctr">
             <a:noAutofit/>
           </a:bodyPr>
+          <a:lstStyle/>
           <a:p>
             <a:pPr indent="0">
               <a:buNone/>
             </a:pPr>
-            <a:endParaRPr b="0" lang="pt-BR" sz="1800" spc="-1" strike="noStrike">
+            <a:endParaRPr lang="pt-BR" sz="1800" b="0" strike="noStrike" spc="-1">
               <a:solidFill>
                 <a:srgbClr val="000000"/>
               </a:solidFill>
@@ -3926,9 +4158,10 @@
           </a:ln>
         </p:spPr>
         <p:txBody>
-          <a:bodyPr lIns="0" rIns="0" tIns="0" bIns="0" anchor="t">
+          <a:bodyPr lIns="0" tIns="0" rIns="0" bIns="0" anchor="t">
             <a:normAutofit/>
           </a:bodyPr>
+          <a:lstStyle/>
           <a:p>
             <a:pPr indent="0">
               <a:lnSpc>
@@ -3939,7 +4172,7 @@
               </a:spcBef>
               <a:buNone/>
             </a:pPr>
-            <a:endParaRPr b="0" lang="pt-BR" sz="2800" spc="-1" strike="noStrike">
+            <a:endParaRPr lang="pt-BR" sz="2800" b="0" strike="noStrike" spc="-1">
               <a:solidFill>
                 <a:srgbClr val="000000"/>
               </a:solidFill>
@@ -3972,9 +4205,10 @@
           </a:ln>
         </p:spPr>
         <p:txBody>
-          <a:bodyPr lIns="0" rIns="0" tIns="0" bIns="0" anchor="t">
+          <a:bodyPr lIns="0" tIns="0" rIns="0" bIns="0" anchor="t">
             <a:normAutofit/>
           </a:bodyPr>
+          <a:lstStyle/>
           <a:p>
             <a:pPr indent="0">
               <a:lnSpc>
@@ -3985,7 +4219,7 @@
               </a:spcBef>
               <a:buNone/>
             </a:pPr>
-            <a:endParaRPr b="0" lang="pt-BR" sz="2800" spc="-1" strike="noStrike">
+            <a:endParaRPr lang="pt-BR" sz="2800" b="0" strike="noStrike" spc="-1">
               <a:solidFill>
                 <a:srgbClr val="000000"/>
               </a:solidFill>
@@ -4018,9 +4252,10 @@
           </a:ln>
         </p:spPr>
         <p:txBody>
-          <a:bodyPr lIns="0" rIns="0" tIns="0" bIns="0" anchor="t">
+          <a:bodyPr lIns="0" tIns="0" rIns="0" bIns="0" anchor="t">
             <a:normAutofit/>
           </a:bodyPr>
+          <a:lstStyle/>
           <a:p>
             <a:pPr indent="0">
               <a:lnSpc>
@@ -4031,7 +4266,7 @@
               </a:spcBef>
               <a:buNone/>
             </a:pPr>
-            <a:endParaRPr b="0" lang="pt-BR" sz="2800" spc="-1" strike="noStrike">
+            <a:endParaRPr lang="pt-BR" sz="2800" b="0" strike="noStrike" spc="-1">
               <a:solidFill>
                 <a:srgbClr val="000000"/>
               </a:solidFill>
@@ -4042,11 +4277,14 @@
       </p:sp>
     </p:spTree>
   </p:cSld>
+  <p:clrMapOvr>
+    <a:masterClrMapping/>
+  </p:clrMapOvr>
 </p:sldLayout>
 </file>
 
 <file path=ppt/slideLayouts/slideLayout8.xml><?xml version="1.0" encoding="utf-8"?>
-<p:sldLayout xmlns:a="http://schemas.openxmlformats.org/drawingml/2006/main" xmlns:p="http://schemas.openxmlformats.org/presentationml/2006/main" xmlns:r="http://schemas.openxmlformats.org/officeDocument/2006/relationships" xmlns:p14="http://schemas.microsoft.com/office/powerpoint/2010/main" xmlns:p15="http://schemas.microsoft.com/office/powerpoint/2012/main" xmlns:mc="http://schemas.openxmlformats.org/markup-compatibility/2006" type="objAndTwoObj" preserve="1">
+<p:sldLayout xmlns:a="http://schemas.openxmlformats.org/drawingml/2006/main" xmlns:r="http://schemas.openxmlformats.org/officeDocument/2006/relationships" xmlns:p="http://schemas.openxmlformats.org/presentationml/2006/main" type="objAndTwoObj" preserve="1">
   <p:cSld name="Title Content and 2 Content">
     <p:spTree>
       <p:nvGrpSpPr>
@@ -4086,14 +4324,15 @@
           </a:ln>
         </p:spPr>
         <p:txBody>
-          <a:bodyPr lIns="0" rIns="0" tIns="0" bIns="0" anchor="ctr">
+          <a:bodyPr lIns="0" tIns="0" rIns="0" bIns="0" anchor="ctr">
             <a:noAutofit/>
           </a:bodyPr>
+          <a:lstStyle/>
           <a:p>
             <a:pPr indent="0">
               <a:buNone/>
             </a:pPr>
-            <a:endParaRPr b="0" lang="pt-BR" sz="1800" spc="-1" strike="noStrike">
+            <a:endParaRPr lang="pt-BR" sz="1800" b="0" strike="noStrike" spc="-1">
               <a:solidFill>
                 <a:srgbClr val="000000"/>
               </a:solidFill>
@@ -4126,9 +4365,10 @@
           </a:ln>
         </p:spPr>
         <p:txBody>
-          <a:bodyPr lIns="0" rIns="0" tIns="0" bIns="0" anchor="t">
+          <a:bodyPr lIns="0" tIns="0" rIns="0" bIns="0" anchor="t">
             <a:normAutofit/>
           </a:bodyPr>
+          <a:lstStyle/>
           <a:p>
             <a:pPr indent="0">
               <a:lnSpc>
@@ -4139,7 +4379,7 @@
               </a:spcBef>
               <a:buNone/>
             </a:pPr>
-            <a:endParaRPr b="0" lang="pt-BR" sz="2800" spc="-1" strike="noStrike">
+            <a:endParaRPr lang="pt-BR" sz="2800" b="0" strike="noStrike" spc="-1">
               <a:solidFill>
                 <a:srgbClr val="000000"/>
               </a:solidFill>
@@ -4172,9 +4412,10 @@
           </a:ln>
         </p:spPr>
         <p:txBody>
-          <a:bodyPr lIns="0" rIns="0" tIns="0" bIns="0" anchor="t">
+          <a:bodyPr lIns="0" tIns="0" rIns="0" bIns="0" anchor="t">
             <a:normAutofit/>
           </a:bodyPr>
+          <a:lstStyle/>
           <a:p>
             <a:pPr indent="0">
               <a:lnSpc>
@@ -4185,7 +4426,7 @@
               </a:spcBef>
               <a:buNone/>
             </a:pPr>
-            <a:endParaRPr b="0" lang="pt-BR" sz="2800" spc="-1" strike="noStrike">
+            <a:endParaRPr lang="pt-BR" sz="2800" b="0" strike="noStrike" spc="-1">
               <a:solidFill>
                 <a:srgbClr val="000000"/>
               </a:solidFill>
@@ -4218,9 +4459,10 @@
           </a:ln>
         </p:spPr>
         <p:txBody>
-          <a:bodyPr lIns="0" rIns="0" tIns="0" bIns="0" anchor="t">
+          <a:bodyPr lIns="0" tIns="0" rIns="0" bIns="0" anchor="t">
             <a:normAutofit/>
           </a:bodyPr>
+          <a:lstStyle/>
           <a:p>
             <a:pPr indent="0">
               <a:lnSpc>
@@ -4231,7 +4473,7 @@
               </a:spcBef>
               <a:buNone/>
             </a:pPr>
-            <a:endParaRPr b="0" lang="pt-BR" sz="2800" spc="-1" strike="noStrike">
+            <a:endParaRPr lang="pt-BR" sz="2800" b="0" strike="noStrike" spc="-1">
               <a:solidFill>
                 <a:srgbClr val="000000"/>
               </a:solidFill>
@@ -4242,11 +4484,14 @@
       </p:sp>
     </p:spTree>
   </p:cSld>
+  <p:clrMapOvr>
+    <a:masterClrMapping/>
+  </p:clrMapOvr>
 </p:sldLayout>
 </file>
 
 <file path=ppt/slideLayouts/slideLayout9.xml><?xml version="1.0" encoding="utf-8"?>
-<p:sldLayout xmlns:a="http://schemas.openxmlformats.org/drawingml/2006/main" xmlns:p="http://schemas.openxmlformats.org/presentationml/2006/main" xmlns:r="http://schemas.openxmlformats.org/officeDocument/2006/relationships" xmlns:p14="http://schemas.microsoft.com/office/powerpoint/2010/main" xmlns:p15="http://schemas.microsoft.com/office/powerpoint/2012/main" xmlns:mc="http://schemas.openxmlformats.org/markup-compatibility/2006" type="twoObjOverTx" preserve="1">
+<p:sldLayout xmlns:a="http://schemas.openxmlformats.org/drawingml/2006/main" xmlns:r="http://schemas.openxmlformats.org/officeDocument/2006/relationships" xmlns:p="http://schemas.openxmlformats.org/presentationml/2006/main" type="twoObjOverTx" preserve="1">
   <p:cSld name="Title, 2 Content over Content">
     <p:spTree>
       <p:nvGrpSpPr>
@@ -4286,14 +4531,15 @@
           </a:ln>
         </p:spPr>
         <p:txBody>
-          <a:bodyPr lIns="0" rIns="0" tIns="0" bIns="0" anchor="ctr">
+          <a:bodyPr lIns="0" tIns="0" rIns="0" bIns="0" anchor="ctr">
             <a:noAutofit/>
           </a:bodyPr>
+          <a:lstStyle/>
           <a:p>
             <a:pPr indent="0">
               <a:buNone/>
             </a:pPr>
-            <a:endParaRPr b="0" lang="pt-BR" sz="1800" spc="-1" strike="noStrike">
+            <a:endParaRPr lang="pt-BR" sz="1800" b="0" strike="noStrike" spc="-1">
               <a:solidFill>
                 <a:srgbClr val="000000"/>
               </a:solidFill>
@@ -4326,9 +4572,10 @@
           </a:ln>
         </p:spPr>
         <p:txBody>
-          <a:bodyPr lIns="0" rIns="0" tIns="0" bIns="0" anchor="t">
+          <a:bodyPr lIns="0" tIns="0" rIns="0" bIns="0" anchor="t">
             <a:normAutofit/>
           </a:bodyPr>
+          <a:lstStyle/>
           <a:p>
             <a:pPr indent="0">
               <a:lnSpc>
@@ -4339,7 +4586,7 @@
               </a:spcBef>
               <a:buNone/>
             </a:pPr>
-            <a:endParaRPr b="0" lang="pt-BR" sz="2800" spc="-1" strike="noStrike">
+            <a:endParaRPr lang="pt-BR" sz="2800" b="0" strike="noStrike" spc="-1">
               <a:solidFill>
                 <a:srgbClr val="000000"/>
               </a:solidFill>
@@ -4372,9 +4619,10 @@
           </a:ln>
         </p:spPr>
         <p:txBody>
-          <a:bodyPr lIns="0" rIns="0" tIns="0" bIns="0" anchor="t">
+          <a:bodyPr lIns="0" tIns="0" rIns="0" bIns="0" anchor="t">
             <a:normAutofit/>
           </a:bodyPr>
+          <a:lstStyle/>
           <a:p>
             <a:pPr indent="0">
               <a:lnSpc>
@@ -4385,7 +4633,7 @@
               </a:spcBef>
               <a:buNone/>
             </a:pPr>
-            <a:endParaRPr b="0" lang="pt-BR" sz="2800" spc="-1" strike="noStrike">
+            <a:endParaRPr lang="pt-BR" sz="2800" b="0" strike="noStrike" spc="-1">
               <a:solidFill>
                 <a:srgbClr val="000000"/>
               </a:solidFill>
@@ -4418,9 +4666,10 @@
           </a:ln>
         </p:spPr>
         <p:txBody>
-          <a:bodyPr lIns="0" rIns="0" tIns="0" bIns="0" anchor="t">
+          <a:bodyPr lIns="0" tIns="0" rIns="0" bIns="0" anchor="t">
             <a:normAutofit/>
           </a:bodyPr>
+          <a:lstStyle/>
           <a:p>
             <a:pPr indent="0">
               <a:lnSpc>
@@ -4431,7 +4680,7 @@
               </a:spcBef>
               <a:buNone/>
             </a:pPr>
-            <a:endParaRPr b="0" lang="pt-BR" sz="2800" spc="-1" strike="noStrike">
+            <a:endParaRPr lang="pt-BR" sz="2800" b="0" strike="noStrike" spc="-1">
               <a:solidFill>
                 <a:srgbClr val="000000"/>
               </a:solidFill>
@@ -4442,17 +4691,21 @@
       </p:sp>
     </p:spTree>
   </p:cSld>
+  <p:clrMapOvr>
+    <a:masterClrMapping/>
+  </p:clrMapOvr>
 </p:sldLayout>
 </file>
 
 <file path=ppt/slideMasters/slideMaster1.xml><?xml version="1.0" encoding="utf-8"?>
-<p:sldMaster xmlns:a="http://schemas.openxmlformats.org/drawingml/2006/main" xmlns:p="http://schemas.openxmlformats.org/presentationml/2006/main" xmlns:r="http://schemas.openxmlformats.org/officeDocument/2006/relationships" xmlns:p14="http://schemas.microsoft.com/office/powerpoint/2010/main" xmlns:p15="http://schemas.microsoft.com/office/powerpoint/2012/main" xmlns:mc="http://schemas.openxmlformats.org/markup-compatibility/2006">
+<p:sldMaster xmlns:a="http://schemas.openxmlformats.org/drawingml/2006/main" xmlns:r="http://schemas.openxmlformats.org/officeDocument/2006/relationships" xmlns:p="http://schemas.openxmlformats.org/presentationml/2006/main">
   <p:cSld>
     <p:bg>
       <p:bgPr>
         <a:solidFill>
           <a:schemeClr val="lt1"/>
         </a:solidFill>
+        <a:effectLst/>
       </p:bgPr>
     </p:bg>
     <p:spTree>
@@ -4471,7 +4724,7 @@
       </p:grpSpPr>
       <p:sp>
         <p:nvSpPr>
-          <p:cNvPr id="0" name="Google Shape;11;p20"/>
+          <p:cNvPr id="3" name="Google Shape;11;p20"/>
           <p:cNvSpPr/>
           <p:nvPr/>
         </p:nvSpPr>
@@ -4489,6 +4742,7 @@
               <a:gd name="textAreaBottom" fmla="*/ 1210320 h 1204920"/>
             </a:gdLst>
             <a:ahLst/>
+            <a:cxnLst/>
             <a:rect l="textAreaLeft" t="textAreaTop" r="textAreaRight" b="textAreaBottom"/>
             <a:pathLst>
               <a:path w="50808" h="43566">
@@ -4549,32 +4803,39 @@
             </a:pathLst>
           </a:custGeom>
           <a:solidFill>
-            <a:srgbClr val="ff5464"/>
+            <a:srgbClr val="FF5464"/>
           </a:solidFill>
           <a:ln w="0">
             <a:noFill/>
           </a:ln>
         </p:spPr>
         <p:style>
-          <a:lnRef idx="0"/>
-          <a:fillRef idx="0"/>
-          <a:effectRef idx="0"/>
+          <a:lnRef idx="0">
+            <a:scrgbClr r="0" g="0" b="0"/>
+          </a:lnRef>
+          <a:fillRef idx="0">
+            <a:scrgbClr r="0" g="0" b="0"/>
+          </a:fillRef>
+          <a:effectRef idx="0">
+            <a:scrgbClr r="0" g="0" b="0"/>
+          </a:effectRef>
           <a:fontRef idx="minor"/>
         </p:style>
         <p:txBody>
-          <a:bodyPr lIns="90000" rIns="90000" tIns="91440" bIns="91440" anchor="ctr">
+          <a:bodyPr lIns="90000" tIns="91440" rIns="90000" bIns="91440" anchor="ctr">
             <a:noAutofit/>
           </a:bodyPr>
+          <a:lstStyle/>
           <a:p>
             <a:pPr>
               <a:lnSpc>
                 <a:spcPct val="100000"/>
               </a:lnSpc>
               <a:tabLst>
-                <a:tab algn="l" pos="0"/>
+                <a:tab pos="0" algn="l"/>
               </a:tabLst>
             </a:pPr>
-            <a:endParaRPr b="0" lang="pt-BR" sz="1400" spc="-1" strike="noStrike">
+            <a:endParaRPr lang="pt-BR" sz="1400" b="0" strike="noStrike" spc="-1">
               <a:solidFill>
                 <a:srgbClr val="000000"/>
               </a:solidFill>
@@ -4586,7 +4847,7 @@
       </p:sp>
       <p:sp>
         <p:nvSpPr>
-          <p:cNvPr id="1" name="PlaceHolder 1"/>
+          <p:cNvPr id="4" name="PlaceHolder 1"/>
           <p:cNvSpPr>
             <a:spLocks noGrp="1"/>
           </p:cNvSpPr>
@@ -4608,37 +4869,23 @@
           </a:ln>
         </p:spPr>
         <p:txBody>
-          <a:bodyPr lIns="0" rIns="0" tIns="0" bIns="0" anchor="ctr">
+          <a:bodyPr lIns="0" tIns="0" rIns="0" bIns="0" anchor="ctr">
             <a:noAutofit/>
           </a:bodyPr>
+          <a:lstStyle/>
           <a:p>
             <a:pPr indent="0">
               <a:buNone/>
             </a:pPr>
             <a:r>
-              <a:rPr b="0" lang="pt-BR" sz="1800" spc="-1" strike="noStrike">
+              <a:rPr lang="pt-BR" sz="1800" b="0" strike="noStrike" spc="-1">
                 <a:solidFill>
                   <a:srgbClr val="000000"/>
                 </a:solidFill>
                 <a:latin typeface="Arial"/>
               </a:rPr>
-              <a:t>Click to edit the </a:t>
+              <a:t>Click to edit the title text format</a:t>
             </a:r>
-            <a:r>
-              <a:rPr b="0" lang="pt-BR" sz="1800" spc="-1" strike="noStrike">
-                <a:solidFill>
-                  <a:srgbClr val="000000"/>
-                </a:solidFill>
-                <a:latin typeface="Arial"/>
-              </a:rPr>
-              <a:t>title text format</a:t>
-            </a:r>
-            <a:endParaRPr b="0" lang="pt-BR" sz="1800" spc="-1" strike="noStrike">
-              <a:solidFill>
-                <a:srgbClr val="000000"/>
-              </a:solidFill>
-              <a:latin typeface="Arial"/>
-            </a:endParaRPr>
           </a:p>
         </p:txBody>
       </p:sp>
@@ -4666,9 +4913,10 @@
           </a:ln>
         </p:spPr>
         <p:txBody>
-          <a:bodyPr lIns="0" rIns="0" tIns="0" bIns="0" anchor="t">
+          <a:bodyPr lIns="0" tIns="0" rIns="0" bIns="0" anchor="t">
             <a:normAutofit/>
           </a:bodyPr>
+          <a:lstStyle/>
           <a:p>
             <a:pPr marL="432000" indent="-324000">
               <a:lnSpc>
@@ -4685,7 +4933,7 @@
               <a:buChar char=""/>
             </a:pPr>
             <a:r>
-              <a:rPr b="0" lang="pt-BR" sz="2800" spc="-1" strike="noStrike">
+              <a:rPr lang="pt-BR" sz="2800" b="0" strike="noStrike" spc="-1">
                 <a:solidFill>
                   <a:srgbClr val="000000"/>
                 </a:solidFill>
@@ -4693,15 +4941,9 @@
               </a:rPr>
               <a:t>Click to edit the outline text format</a:t>
             </a:r>
-            <a:endParaRPr b="0" lang="pt-BR" sz="2800" spc="-1" strike="noStrike">
-              <a:solidFill>
-                <a:srgbClr val="000000"/>
-              </a:solidFill>
-              <a:latin typeface="Arial"/>
-            </a:endParaRPr>
-          </a:p>
-          <a:p>
-            <a:pPr lvl="1" marL="864000" indent="-324000">
+          </a:p>
+          <a:p>
+            <a:pPr marL="864000" lvl="1" indent="-324000">
               <a:lnSpc>
                 <a:spcPct val="90000"/>
               </a:lnSpc>
@@ -4716,7 +4958,7 @@
               <a:buChar char=""/>
             </a:pPr>
             <a:r>
-              <a:rPr b="0" lang="pt-BR" sz="2000" spc="-1" strike="noStrike">
+              <a:rPr lang="pt-BR" sz="2000" b="0" strike="noStrike" spc="-1">
                 <a:solidFill>
                   <a:srgbClr val="000000"/>
                 </a:solidFill>
@@ -4724,15 +4966,9 @@
               </a:rPr>
               <a:t>Second Outline Level</a:t>
             </a:r>
-            <a:endParaRPr b="0" lang="pt-BR" sz="2000" spc="-1" strike="noStrike">
-              <a:solidFill>
-                <a:srgbClr val="000000"/>
-              </a:solidFill>
-              <a:latin typeface="Arial"/>
-            </a:endParaRPr>
-          </a:p>
-          <a:p>
-            <a:pPr lvl="2" marL="1296000" indent="-288000">
+          </a:p>
+          <a:p>
+            <a:pPr marL="1296000" lvl="2" indent="-288000">
               <a:lnSpc>
                 <a:spcPct val="90000"/>
               </a:lnSpc>
@@ -4747,7 +4983,7 @@
               <a:buChar char=""/>
             </a:pPr>
             <a:r>
-              <a:rPr b="0" lang="pt-BR" sz="1800" spc="-1" strike="noStrike">
+              <a:rPr lang="pt-BR" sz="1800" b="0" strike="noStrike" spc="-1">
                 <a:solidFill>
                   <a:srgbClr val="000000"/>
                 </a:solidFill>
@@ -4755,15 +4991,9 @@
               </a:rPr>
               <a:t>Third Outline Level</a:t>
             </a:r>
-            <a:endParaRPr b="0" lang="pt-BR" sz="1800" spc="-1" strike="noStrike">
-              <a:solidFill>
-                <a:srgbClr val="000000"/>
-              </a:solidFill>
-              <a:latin typeface="Arial"/>
-            </a:endParaRPr>
-          </a:p>
-          <a:p>
-            <a:pPr lvl="3" marL="1728000" indent="-216000">
+          </a:p>
+          <a:p>
+            <a:pPr marL="1728000" lvl="3" indent="-216000">
               <a:lnSpc>
                 <a:spcPct val="90000"/>
               </a:lnSpc>
@@ -4778,7 +5008,7 @@
               <a:buChar char=""/>
             </a:pPr>
             <a:r>
-              <a:rPr b="0" lang="pt-BR" sz="1800" spc="-1" strike="noStrike">
+              <a:rPr lang="pt-BR" sz="1800" b="0" strike="noStrike" spc="-1">
                 <a:solidFill>
                   <a:srgbClr val="000000"/>
                 </a:solidFill>
@@ -4786,15 +5016,9 @@
               </a:rPr>
               <a:t>Fourth Outline Level</a:t>
             </a:r>
-            <a:endParaRPr b="0" lang="pt-BR" sz="1800" spc="-1" strike="noStrike">
-              <a:solidFill>
-                <a:srgbClr val="000000"/>
-              </a:solidFill>
-              <a:latin typeface="Arial"/>
-            </a:endParaRPr>
-          </a:p>
-          <a:p>
-            <a:pPr lvl="4" marL="2160000" indent="-216000">
+          </a:p>
+          <a:p>
+            <a:pPr marL="2160000" lvl="4" indent="-216000">
               <a:lnSpc>
                 <a:spcPct val="90000"/>
               </a:lnSpc>
@@ -4809,7 +5033,7 @@
               <a:buChar char=""/>
             </a:pPr>
             <a:r>
-              <a:rPr b="0" lang="pt-BR" sz="2000" spc="-1" strike="noStrike">
+              <a:rPr lang="pt-BR" sz="2000" b="0" strike="noStrike" spc="-1">
                 <a:solidFill>
                   <a:srgbClr val="000000"/>
                 </a:solidFill>
@@ -4817,15 +5041,9 @@
               </a:rPr>
               <a:t>Fifth Outline Level</a:t>
             </a:r>
-            <a:endParaRPr b="0" lang="pt-BR" sz="2000" spc="-1" strike="noStrike">
-              <a:solidFill>
-                <a:srgbClr val="000000"/>
-              </a:solidFill>
-              <a:latin typeface="Arial"/>
-            </a:endParaRPr>
-          </a:p>
-          <a:p>
-            <a:pPr lvl="5" marL="2592000" indent="-216000">
+          </a:p>
+          <a:p>
+            <a:pPr marL="2592000" lvl="5" indent="-216000">
               <a:lnSpc>
                 <a:spcPct val="90000"/>
               </a:lnSpc>
@@ -4840,7 +5058,7 @@
               <a:buChar char=""/>
             </a:pPr>
             <a:r>
-              <a:rPr b="0" lang="pt-BR" sz="2000" spc="-1" strike="noStrike">
+              <a:rPr lang="pt-BR" sz="2000" b="0" strike="noStrike" spc="-1">
                 <a:solidFill>
                   <a:srgbClr val="000000"/>
                 </a:solidFill>
@@ -4848,15 +5066,9 @@
               </a:rPr>
               <a:t>Sixth Outline Level</a:t>
             </a:r>
-            <a:endParaRPr b="0" lang="pt-BR" sz="2000" spc="-1" strike="noStrike">
-              <a:solidFill>
-                <a:srgbClr val="000000"/>
-              </a:solidFill>
-              <a:latin typeface="Arial"/>
-            </a:endParaRPr>
-          </a:p>
-          <a:p>
-            <a:pPr lvl="6" marL="3024000" indent="-216000">
+          </a:p>
+          <a:p>
+            <a:pPr marL="3024000" lvl="6" indent="-216000">
               <a:lnSpc>
                 <a:spcPct val="90000"/>
               </a:lnSpc>
@@ -4871,7 +5083,7 @@
               <a:buChar char=""/>
             </a:pPr>
             <a:r>
-              <a:rPr b="0" lang="pt-BR" sz="2000" spc="-1" strike="noStrike">
+              <a:rPr lang="pt-BR" sz="2000" b="0" strike="noStrike" spc="-1">
                 <a:solidFill>
                   <a:srgbClr val="000000"/>
                 </a:solidFill>
@@ -4879,43 +5091,318 @@
               </a:rPr>
               <a:t>Seventh Outline Level</a:t>
             </a:r>
-            <a:endParaRPr b="0" lang="pt-BR" sz="2000" spc="-1" strike="noStrike">
-              <a:solidFill>
-                <a:srgbClr val="000000"/>
-              </a:solidFill>
-              <a:latin typeface="Arial"/>
-            </a:endParaRPr>
           </a:p>
         </p:txBody>
       </p:sp>
     </p:spTree>
   </p:cSld>
-  <p:clrMap bg1="lt1" bg2="lt2" tx1="dk1" tx2="dk2" accent1="accent1" accent2="accent2" accent3="accent3" accent4="accent4" accent5="accent5" accent6="accent6" hlink="hlink" folHlink="folHlink"/>
+  <p:clrMap bg1="lt1" tx1="dk1" bg2="lt2" tx2="dk2" accent1="accent1" accent2="accent2" accent3="accent3" accent4="accent4" accent5="accent5" accent6="accent6" hlink="hlink" folHlink="folHlink"/>
   <p:sldLayoutIdLst>
-    <p:sldLayoutId id="2147483649" r:id="rId2"/>
-    <p:sldLayoutId id="2147483650" r:id="rId3"/>
-    <p:sldLayoutId id="2147483651" r:id="rId4"/>
-    <p:sldLayoutId id="2147483652" r:id="rId5"/>
-    <p:sldLayoutId id="2147483653" r:id="rId6"/>
-    <p:sldLayoutId id="2147483654" r:id="rId7"/>
-    <p:sldLayoutId id="2147483655" r:id="rId8"/>
-    <p:sldLayoutId id="2147483656" r:id="rId9"/>
-    <p:sldLayoutId id="2147483657" r:id="rId10"/>
-    <p:sldLayoutId id="2147483658" r:id="rId11"/>
-    <p:sldLayoutId id="2147483659" r:id="rId12"/>
-    <p:sldLayoutId id="2147483660" r:id="rId13"/>
+    <p:sldLayoutId id="2147483649" r:id="rId1"/>
+    <p:sldLayoutId id="2147483650" r:id="rId2"/>
+    <p:sldLayoutId id="2147483651" r:id="rId3"/>
+    <p:sldLayoutId id="2147483652" r:id="rId4"/>
+    <p:sldLayoutId id="2147483653" r:id="rId5"/>
+    <p:sldLayoutId id="2147483654" r:id="rId6"/>
+    <p:sldLayoutId id="2147483655" r:id="rId7"/>
+    <p:sldLayoutId id="2147483656" r:id="rId8"/>
+    <p:sldLayoutId id="2147483657" r:id="rId9"/>
+    <p:sldLayoutId id="2147483658" r:id="rId10"/>
+    <p:sldLayoutId id="2147483659" r:id="rId11"/>
+    <p:sldLayoutId id="2147483660" r:id="rId12"/>
   </p:sldLayoutIdLst>
+  <p:txStyles>
+    <p:titleStyle>
+      <a:lvl1pPr algn="l" defTabSz="914400" rtl="0" eaLnBrk="1" latinLnBrk="0" hangingPunct="1">
+        <a:lnSpc>
+          <a:spcPct val="90000"/>
+        </a:lnSpc>
+        <a:spcBef>
+          <a:spcPct val="0"/>
+        </a:spcBef>
+        <a:buNone/>
+        <a:defRPr sz="4400" kern="1200">
+          <a:solidFill>
+            <a:schemeClr val="tx1"/>
+          </a:solidFill>
+          <a:latin typeface="+mj-lt"/>
+          <a:ea typeface="+mj-ea"/>
+          <a:cs typeface="+mj-cs"/>
+        </a:defRPr>
+      </a:lvl1pPr>
+    </p:titleStyle>
+    <p:bodyStyle>
+      <a:lvl1pPr marL="228600" indent="-228600" algn="l" defTabSz="914400" rtl="0" eaLnBrk="1" latinLnBrk="0" hangingPunct="1">
+        <a:lnSpc>
+          <a:spcPct val="90000"/>
+        </a:lnSpc>
+        <a:spcBef>
+          <a:spcPts val="1000"/>
+        </a:spcBef>
+        <a:buFont typeface="Arial" panose="020B0604020202020204" pitchFamily="34" charset="0"/>
+        <a:buChar char="•"/>
+        <a:defRPr sz="2800" kern="1200">
+          <a:solidFill>
+            <a:schemeClr val="tx1"/>
+          </a:solidFill>
+          <a:latin typeface="+mn-lt"/>
+          <a:ea typeface="+mn-ea"/>
+          <a:cs typeface="+mn-cs"/>
+        </a:defRPr>
+      </a:lvl1pPr>
+      <a:lvl2pPr marL="685800" indent="-228600" algn="l" defTabSz="914400" rtl="0" eaLnBrk="1" latinLnBrk="0" hangingPunct="1">
+        <a:lnSpc>
+          <a:spcPct val="90000"/>
+        </a:lnSpc>
+        <a:spcBef>
+          <a:spcPts val="500"/>
+        </a:spcBef>
+        <a:buFont typeface="Arial" panose="020B0604020202020204" pitchFamily="34" charset="0"/>
+        <a:buChar char="•"/>
+        <a:defRPr sz="2400" kern="1200">
+          <a:solidFill>
+            <a:schemeClr val="tx1"/>
+          </a:solidFill>
+          <a:latin typeface="+mn-lt"/>
+          <a:ea typeface="+mn-ea"/>
+          <a:cs typeface="+mn-cs"/>
+        </a:defRPr>
+      </a:lvl2pPr>
+      <a:lvl3pPr marL="1143000" indent="-228600" algn="l" defTabSz="914400" rtl="0" eaLnBrk="1" latinLnBrk="0" hangingPunct="1">
+        <a:lnSpc>
+          <a:spcPct val="90000"/>
+        </a:lnSpc>
+        <a:spcBef>
+          <a:spcPts val="500"/>
+        </a:spcBef>
+        <a:buFont typeface="Arial" panose="020B0604020202020204" pitchFamily="34" charset="0"/>
+        <a:buChar char="•"/>
+        <a:defRPr sz="2000" kern="1200">
+          <a:solidFill>
+            <a:schemeClr val="tx1"/>
+          </a:solidFill>
+          <a:latin typeface="+mn-lt"/>
+          <a:ea typeface="+mn-ea"/>
+          <a:cs typeface="+mn-cs"/>
+        </a:defRPr>
+      </a:lvl3pPr>
+      <a:lvl4pPr marL="1600200" indent="-228600" algn="l" defTabSz="914400" rtl="0" eaLnBrk="1" latinLnBrk="0" hangingPunct="1">
+        <a:lnSpc>
+          <a:spcPct val="90000"/>
+        </a:lnSpc>
+        <a:spcBef>
+          <a:spcPts val="500"/>
+        </a:spcBef>
+        <a:buFont typeface="Arial" panose="020B0604020202020204" pitchFamily="34" charset="0"/>
+        <a:buChar char="•"/>
+        <a:defRPr sz="1800" kern="1200">
+          <a:solidFill>
+            <a:schemeClr val="tx1"/>
+          </a:solidFill>
+          <a:latin typeface="+mn-lt"/>
+          <a:ea typeface="+mn-ea"/>
+          <a:cs typeface="+mn-cs"/>
+        </a:defRPr>
+      </a:lvl4pPr>
+      <a:lvl5pPr marL="2057400" indent="-228600" algn="l" defTabSz="914400" rtl="0" eaLnBrk="1" latinLnBrk="0" hangingPunct="1">
+        <a:lnSpc>
+          <a:spcPct val="90000"/>
+        </a:lnSpc>
+        <a:spcBef>
+          <a:spcPts val="500"/>
+        </a:spcBef>
+        <a:buFont typeface="Arial" panose="020B0604020202020204" pitchFamily="34" charset="0"/>
+        <a:buChar char="•"/>
+        <a:defRPr sz="1800" kern="1200">
+          <a:solidFill>
+            <a:schemeClr val="tx1"/>
+          </a:solidFill>
+          <a:latin typeface="+mn-lt"/>
+          <a:ea typeface="+mn-ea"/>
+          <a:cs typeface="+mn-cs"/>
+        </a:defRPr>
+      </a:lvl5pPr>
+      <a:lvl6pPr marL="2514600" indent="-228600" algn="l" defTabSz="914400" rtl="0" eaLnBrk="1" latinLnBrk="0" hangingPunct="1">
+        <a:lnSpc>
+          <a:spcPct val="90000"/>
+        </a:lnSpc>
+        <a:spcBef>
+          <a:spcPts val="500"/>
+        </a:spcBef>
+        <a:buFont typeface="Arial" panose="020B0604020202020204" pitchFamily="34" charset="0"/>
+        <a:buChar char="•"/>
+        <a:defRPr sz="1800" kern="1200">
+          <a:solidFill>
+            <a:schemeClr val="tx1"/>
+          </a:solidFill>
+          <a:latin typeface="+mn-lt"/>
+          <a:ea typeface="+mn-ea"/>
+          <a:cs typeface="+mn-cs"/>
+        </a:defRPr>
+      </a:lvl6pPr>
+      <a:lvl7pPr marL="2971800" indent="-228600" algn="l" defTabSz="914400" rtl="0" eaLnBrk="1" latinLnBrk="0" hangingPunct="1">
+        <a:lnSpc>
+          <a:spcPct val="90000"/>
+        </a:lnSpc>
+        <a:spcBef>
+          <a:spcPts val="500"/>
+        </a:spcBef>
+        <a:buFont typeface="Arial" panose="020B0604020202020204" pitchFamily="34" charset="0"/>
+        <a:buChar char="•"/>
+        <a:defRPr sz="1800" kern="1200">
+          <a:solidFill>
+            <a:schemeClr val="tx1"/>
+          </a:solidFill>
+          <a:latin typeface="+mn-lt"/>
+          <a:ea typeface="+mn-ea"/>
+          <a:cs typeface="+mn-cs"/>
+        </a:defRPr>
+      </a:lvl7pPr>
+      <a:lvl8pPr marL="3429000" indent="-228600" algn="l" defTabSz="914400" rtl="0" eaLnBrk="1" latinLnBrk="0" hangingPunct="1">
+        <a:lnSpc>
+          <a:spcPct val="90000"/>
+        </a:lnSpc>
+        <a:spcBef>
+          <a:spcPts val="500"/>
+        </a:spcBef>
+        <a:buFont typeface="Arial" panose="020B0604020202020204" pitchFamily="34" charset="0"/>
+        <a:buChar char="•"/>
+        <a:defRPr sz="1800" kern="1200">
+          <a:solidFill>
+            <a:schemeClr val="tx1"/>
+          </a:solidFill>
+          <a:latin typeface="+mn-lt"/>
+          <a:ea typeface="+mn-ea"/>
+          <a:cs typeface="+mn-cs"/>
+        </a:defRPr>
+      </a:lvl8pPr>
+      <a:lvl9pPr marL="3886200" indent="-228600" algn="l" defTabSz="914400" rtl="0" eaLnBrk="1" latinLnBrk="0" hangingPunct="1">
+        <a:lnSpc>
+          <a:spcPct val="90000"/>
+        </a:lnSpc>
+        <a:spcBef>
+          <a:spcPts val="500"/>
+        </a:spcBef>
+        <a:buFont typeface="Arial" panose="020B0604020202020204" pitchFamily="34" charset="0"/>
+        <a:buChar char="•"/>
+        <a:defRPr sz="1800" kern="1200">
+          <a:solidFill>
+            <a:schemeClr val="tx1"/>
+          </a:solidFill>
+          <a:latin typeface="+mn-lt"/>
+          <a:ea typeface="+mn-ea"/>
+          <a:cs typeface="+mn-cs"/>
+        </a:defRPr>
+      </a:lvl9pPr>
+    </p:bodyStyle>
+    <p:otherStyle>
+      <a:defPPr>
+        <a:defRPr lang="pt-BR"/>
+      </a:defPPr>
+      <a:lvl1pPr marL="0" algn="l" defTabSz="914400" rtl="0" eaLnBrk="1" latinLnBrk="0" hangingPunct="1">
+        <a:defRPr sz="1800" kern="1200">
+          <a:solidFill>
+            <a:schemeClr val="tx1"/>
+          </a:solidFill>
+          <a:latin typeface="+mn-lt"/>
+          <a:ea typeface="+mn-ea"/>
+          <a:cs typeface="+mn-cs"/>
+        </a:defRPr>
+      </a:lvl1pPr>
+      <a:lvl2pPr marL="457200" algn="l" defTabSz="914400" rtl="0" eaLnBrk="1" latinLnBrk="0" hangingPunct="1">
+        <a:defRPr sz="1800" kern="1200">
+          <a:solidFill>
+            <a:schemeClr val="tx1"/>
+          </a:solidFill>
+          <a:latin typeface="+mn-lt"/>
+          <a:ea typeface="+mn-ea"/>
+          <a:cs typeface="+mn-cs"/>
+        </a:defRPr>
+      </a:lvl2pPr>
+      <a:lvl3pPr marL="914400" algn="l" defTabSz="914400" rtl="0" eaLnBrk="1" latinLnBrk="0" hangingPunct="1">
+        <a:defRPr sz="1800" kern="1200">
+          <a:solidFill>
+            <a:schemeClr val="tx1"/>
+          </a:solidFill>
+          <a:latin typeface="+mn-lt"/>
+          <a:ea typeface="+mn-ea"/>
+          <a:cs typeface="+mn-cs"/>
+        </a:defRPr>
+      </a:lvl3pPr>
+      <a:lvl4pPr marL="1371600" algn="l" defTabSz="914400" rtl="0" eaLnBrk="1" latinLnBrk="0" hangingPunct="1">
+        <a:defRPr sz="1800" kern="1200">
+          <a:solidFill>
+            <a:schemeClr val="tx1"/>
+          </a:solidFill>
+          <a:latin typeface="+mn-lt"/>
+          <a:ea typeface="+mn-ea"/>
+          <a:cs typeface="+mn-cs"/>
+        </a:defRPr>
+      </a:lvl4pPr>
+      <a:lvl5pPr marL="1828800" algn="l" defTabSz="914400" rtl="0" eaLnBrk="1" latinLnBrk="0" hangingPunct="1">
+        <a:defRPr sz="1800" kern="1200">
+          <a:solidFill>
+            <a:schemeClr val="tx1"/>
+          </a:solidFill>
+          <a:latin typeface="+mn-lt"/>
+          <a:ea typeface="+mn-ea"/>
+          <a:cs typeface="+mn-cs"/>
+        </a:defRPr>
+      </a:lvl5pPr>
+      <a:lvl6pPr marL="2286000" algn="l" defTabSz="914400" rtl="0" eaLnBrk="1" latinLnBrk="0" hangingPunct="1">
+        <a:defRPr sz="1800" kern="1200">
+          <a:solidFill>
+            <a:schemeClr val="tx1"/>
+          </a:solidFill>
+          <a:latin typeface="+mn-lt"/>
+          <a:ea typeface="+mn-ea"/>
+          <a:cs typeface="+mn-cs"/>
+        </a:defRPr>
+      </a:lvl6pPr>
+      <a:lvl7pPr marL="2743200" algn="l" defTabSz="914400" rtl="0" eaLnBrk="1" latinLnBrk="0" hangingPunct="1">
+        <a:defRPr sz="1800" kern="1200">
+          <a:solidFill>
+            <a:schemeClr val="tx1"/>
+          </a:solidFill>
+          <a:latin typeface="+mn-lt"/>
+          <a:ea typeface="+mn-ea"/>
+          <a:cs typeface="+mn-cs"/>
+        </a:defRPr>
+      </a:lvl7pPr>
+      <a:lvl8pPr marL="3200400" algn="l" defTabSz="914400" rtl="0" eaLnBrk="1" latinLnBrk="0" hangingPunct="1">
+        <a:defRPr sz="1800" kern="1200">
+          <a:solidFill>
+            <a:schemeClr val="tx1"/>
+          </a:solidFill>
+          <a:latin typeface="+mn-lt"/>
+          <a:ea typeface="+mn-ea"/>
+          <a:cs typeface="+mn-cs"/>
+        </a:defRPr>
+      </a:lvl8pPr>
+      <a:lvl9pPr marL="3657600" algn="l" defTabSz="914400" rtl="0" eaLnBrk="1" latinLnBrk="0" hangingPunct="1">
+        <a:defRPr sz="1800" kern="1200">
+          <a:solidFill>
+            <a:schemeClr val="tx1"/>
+          </a:solidFill>
+          <a:latin typeface="+mn-lt"/>
+          <a:ea typeface="+mn-ea"/>
+          <a:cs typeface="+mn-cs"/>
+        </a:defRPr>
+      </a:lvl9pPr>
+    </p:otherStyle>
+  </p:txStyles>
 </p:sldMaster>
 </file>
 
 <file path=ppt/slideMasters/slideMaster2.xml><?xml version="1.0" encoding="utf-8"?>
-<p:sldMaster xmlns:a="http://schemas.openxmlformats.org/drawingml/2006/main" xmlns:p="http://schemas.openxmlformats.org/presentationml/2006/main" xmlns:r="http://schemas.openxmlformats.org/officeDocument/2006/relationships" xmlns:p14="http://schemas.microsoft.com/office/powerpoint/2010/main" xmlns:p15="http://schemas.microsoft.com/office/powerpoint/2012/main" xmlns:mc="http://schemas.openxmlformats.org/markup-compatibility/2006">
+<p:sldMaster xmlns:a="http://schemas.openxmlformats.org/drawingml/2006/main" xmlns:r="http://schemas.openxmlformats.org/officeDocument/2006/relationships" xmlns:p="http://schemas.openxmlformats.org/presentationml/2006/main">
   <p:cSld>
     <p:bg>
       <p:bgPr>
         <a:solidFill>
           <a:schemeClr val="lt1"/>
         </a:solidFill>
+        <a:effectLst/>
       </p:bgPr>
     </p:bg>
     <p:spTree>
@@ -4956,7 +5443,7 @@
           </a:ln>
         </p:spPr>
         <p:txBody>
-          <a:bodyPr lIns="90000" rIns="90000" tIns="-45000" bIns="-45000" anchor="t">
+          <a:bodyPr lIns="90000" tIns="-45000" rIns="90000" bIns="-45000" anchor="t">
             <a:noAutofit/>
           </a:bodyPr>
           <a:lstStyle>
@@ -4966,9 +5453,9 @@
               </a:lnSpc>
               <a:buNone/>
               <a:tabLst>
-                <a:tab algn="l" pos="0"/>
+                <a:tab pos="0" algn="l"/>
               </a:tabLst>
-              <a:defRPr b="0" lang="pt-BR" sz="1400" spc="-1" strike="noStrike">
+              <a:defRPr lang="pt-BR" sz="1400" b="0" strike="noStrike" spc="-1">
                 <a:solidFill>
                   <a:srgbClr val="000000"/>
                 </a:solidFill>
@@ -4984,11 +5471,11 @@
               </a:lnSpc>
               <a:buNone/>
               <a:tabLst>
-                <a:tab algn="l" pos="0"/>
+                <a:tab pos="0" algn="l"/>
               </a:tabLst>
             </a:pPr>
             <a:r>
-              <a:rPr b="0" lang="pt-BR" sz="1400" spc="-1" strike="noStrike">
+              <a:rPr lang="pt-BR" sz="1400" b="0" strike="noStrike" spc="-1">
                 <a:solidFill>
                   <a:srgbClr val="000000"/>
                 </a:solidFill>
@@ -4997,7 +5484,7 @@
               </a:rPr>
               <a:t>&lt;footer&gt;</a:t>
             </a:r>
-            <a:endParaRPr b="0" lang="pt-BR" sz="1400" spc="-1" strike="noStrike">
+            <a:endParaRPr lang="pt-BR" sz="1400" b="0" strike="noStrike" spc="-1">
               <a:solidFill>
                 <a:srgbClr val="000000"/>
               </a:solidFill>
@@ -5030,7 +5517,7 @@
           </a:ln>
         </p:spPr>
         <p:txBody>
-          <a:bodyPr lIns="90000" rIns="90000" tIns="-45000" bIns="-45000" anchor="t">
+          <a:bodyPr lIns="90000" tIns="-45000" rIns="90000" bIns="-45000" anchor="t">
             <a:noAutofit/>
           </a:bodyPr>
           <a:lstStyle>
@@ -5040,9 +5527,9 @@
               </a:lnSpc>
               <a:buNone/>
               <a:tabLst>
-                <a:tab algn="l" pos="0"/>
+                <a:tab pos="0" algn="l"/>
               </a:tabLst>
-              <a:defRPr b="0" lang="pt-BR" sz="1400" spc="-1" strike="noStrike">
+              <a:defRPr lang="pt-BR" sz="1400" b="0" strike="noStrike" spc="-1">
                 <a:solidFill>
                   <a:srgbClr val="000000"/>
                 </a:solidFill>
@@ -5058,20 +5545,20 @@
               </a:lnSpc>
               <a:buNone/>
               <a:tabLst>
-                <a:tab algn="l" pos="0"/>
+                <a:tab pos="0" algn="l"/>
               </a:tabLst>
             </a:pPr>
             <a:fld id="{2DCC49D5-79B7-439D-BD9F-4B68D160FBC5}" type="slidenum">
-              <a:rPr b="0" lang="pt-BR" sz="1400" spc="-1" strike="noStrike">
+              <a:rPr lang="pt-BR" sz="1400" b="0" strike="noStrike" spc="-1">
                 <a:solidFill>
                   <a:srgbClr val="000000"/>
                 </a:solidFill>
                 <a:latin typeface="Arial"/>
                 <a:ea typeface="Arial"/>
               </a:rPr>
-              <a:t>&lt;number&gt;</a:t>
+              <a:t>‹nº›</a:t>
             </a:fld>
-            <a:endParaRPr b="0" lang="pt-BR" sz="1400" spc="-1" strike="noStrike">
+            <a:endParaRPr lang="pt-BR" sz="1400" b="0" strike="noStrike" spc="-1">
               <a:solidFill>
                 <a:srgbClr val="000000"/>
               </a:solidFill>
@@ -5104,13 +5591,13 @@
           </a:ln>
         </p:spPr>
         <p:txBody>
-          <a:bodyPr lIns="90000" rIns="90000" tIns="-45000" bIns="-45000" anchor="t">
+          <a:bodyPr lIns="90000" tIns="-45000" rIns="90000" bIns="-45000" anchor="t">
             <a:noAutofit/>
           </a:bodyPr>
           <a:lstStyle>
             <a:lvl1pPr indent="0">
               <a:buNone/>
-              <a:defRPr b="0" lang="pt-BR" sz="1400" spc="-1" strike="noStrike">
+              <a:defRPr lang="pt-BR" sz="1400" b="0" strike="noStrike" spc="-1">
                 <a:solidFill>
                   <a:srgbClr val="000000"/>
                 </a:solidFill>
@@ -5123,7 +5610,7 @@
               <a:buNone/>
             </a:pPr>
             <a:r>
-              <a:rPr b="0" lang="pt-BR" sz="1400" spc="-1" strike="noStrike">
+              <a:rPr lang="pt-BR" sz="1400" b="0" strike="noStrike" spc="-1">
                 <a:solidFill>
                   <a:srgbClr val="000000"/>
                 </a:solidFill>
@@ -5131,12 +5618,6 @@
               </a:rPr>
               <a:t>&lt;date/time&gt;</a:t>
             </a:r>
-            <a:endParaRPr b="0" lang="pt-BR" sz="1400" spc="-1" strike="noStrike">
-              <a:solidFill>
-                <a:srgbClr val="000000"/>
-              </a:solidFill>
-              <a:latin typeface="Times New Roman"/>
-            </a:endParaRPr>
           </a:p>
         </p:txBody>
       </p:sp>
@@ -5164,15 +5645,16 @@
           </a:ln>
         </p:spPr>
         <p:txBody>
-          <a:bodyPr lIns="0" rIns="0" tIns="0" bIns="0" anchor="ctr">
+          <a:bodyPr lIns="0" tIns="0" rIns="0" bIns="0" anchor="ctr">
             <a:noAutofit/>
           </a:bodyPr>
+          <a:lstStyle/>
           <a:p>
             <a:pPr indent="0">
               <a:buNone/>
             </a:pPr>
             <a:r>
-              <a:rPr b="0" lang="pt-BR" sz="1800" spc="-1" strike="noStrike">
+              <a:rPr lang="pt-BR" sz="1800" b="0" strike="noStrike" spc="-1">
                 <a:solidFill>
                   <a:srgbClr val="000000"/>
                 </a:solidFill>
@@ -5180,12 +5662,6 @@
               </a:rPr>
               <a:t>Click to edit the title text format</a:t>
             </a:r>
-            <a:endParaRPr b="0" lang="pt-BR" sz="1800" spc="-1" strike="noStrike">
-              <a:solidFill>
-                <a:srgbClr val="000000"/>
-              </a:solidFill>
-              <a:latin typeface="Arial"/>
-            </a:endParaRPr>
           </a:p>
         </p:txBody>
       </p:sp>
@@ -5213,9 +5689,10 @@
           </a:ln>
         </p:spPr>
         <p:txBody>
-          <a:bodyPr lIns="0" rIns="0" tIns="0" bIns="0" anchor="t">
+          <a:bodyPr lIns="0" tIns="0" rIns="0" bIns="0" anchor="t">
             <a:normAutofit/>
           </a:bodyPr>
+          <a:lstStyle/>
           <a:p>
             <a:pPr marL="432000" indent="-324000">
               <a:lnSpc>
@@ -5232,7 +5709,7 @@
               <a:buChar char=""/>
             </a:pPr>
             <a:r>
-              <a:rPr b="0" lang="pt-BR" sz="2800" spc="-1" strike="noStrike">
+              <a:rPr lang="pt-BR" sz="2800" b="0" strike="noStrike" spc="-1">
                 <a:solidFill>
                   <a:srgbClr val="000000"/>
                 </a:solidFill>
@@ -5240,15 +5717,9 @@
               </a:rPr>
               <a:t>Click to edit the outline text format</a:t>
             </a:r>
-            <a:endParaRPr b="0" lang="pt-BR" sz="2800" spc="-1" strike="noStrike">
-              <a:solidFill>
-                <a:srgbClr val="000000"/>
-              </a:solidFill>
-              <a:latin typeface="Arial"/>
-            </a:endParaRPr>
-          </a:p>
-          <a:p>
-            <a:pPr lvl="1" marL="864000" indent="-324000">
+          </a:p>
+          <a:p>
+            <a:pPr marL="864000" lvl="1" indent="-324000">
               <a:lnSpc>
                 <a:spcPct val="90000"/>
               </a:lnSpc>
@@ -5263,7 +5734,7 @@
               <a:buChar char=""/>
             </a:pPr>
             <a:r>
-              <a:rPr b="0" lang="pt-BR" sz="2000" spc="-1" strike="noStrike">
+              <a:rPr lang="pt-BR" sz="2000" b="0" strike="noStrike" spc="-1">
                 <a:solidFill>
                   <a:srgbClr val="000000"/>
                 </a:solidFill>
@@ -5271,15 +5742,9 @@
               </a:rPr>
               <a:t>Second Outline Level</a:t>
             </a:r>
-            <a:endParaRPr b="0" lang="pt-BR" sz="2000" spc="-1" strike="noStrike">
-              <a:solidFill>
-                <a:srgbClr val="000000"/>
-              </a:solidFill>
-              <a:latin typeface="Arial"/>
-            </a:endParaRPr>
-          </a:p>
-          <a:p>
-            <a:pPr lvl="2" marL="1296000" indent="-288000">
+          </a:p>
+          <a:p>
+            <a:pPr marL="1296000" lvl="2" indent="-288000">
               <a:lnSpc>
                 <a:spcPct val="90000"/>
               </a:lnSpc>
@@ -5294,7 +5759,7 @@
               <a:buChar char=""/>
             </a:pPr>
             <a:r>
-              <a:rPr b="0" lang="pt-BR" sz="1800" spc="-1" strike="noStrike">
+              <a:rPr lang="pt-BR" sz="1800" b="0" strike="noStrike" spc="-1">
                 <a:solidFill>
                   <a:srgbClr val="000000"/>
                 </a:solidFill>
@@ -5302,15 +5767,9 @@
               </a:rPr>
               <a:t>Third Outline Level</a:t>
             </a:r>
-            <a:endParaRPr b="0" lang="pt-BR" sz="1800" spc="-1" strike="noStrike">
-              <a:solidFill>
-                <a:srgbClr val="000000"/>
-              </a:solidFill>
-              <a:latin typeface="Arial"/>
-            </a:endParaRPr>
-          </a:p>
-          <a:p>
-            <a:pPr lvl="3" marL="1728000" indent="-216000">
+          </a:p>
+          <a:p>
+            <a:pPr marL="1728000" lvl="3" indent="-216000">
               <a:lnSpc>
                 <a:spcPct val="90000"/>
               </a:lnSpc>
@@ -5325,7 +5784,7 @@
               <a:buChar char=""/>
             </a:pPr>
             <a:r>
-              <a:rPr b="0" lang="pt-BR" sz="1800" spc="-1" strike="noStrike">
+              <a:rPr lang="pt-BR" sz="1800" b="0" strike="noStrike" spc="-1">
                 <a:solidFill>
                   <a:srgbClr val="000000"/>
                 </a:solidFill>
@@ -5333,15 +5792,9 @@
               </a:rPr>
               <a:t>Fourth Outline Level</a:t>
             </a:r>
-            <a:endParaRPr b="0" lang="pt-BR" sz="1800" spc="-1" strike="noStrike">
-              <a:solidFill>
-                <a:srgbClr val="000000"/>
-              </a:solidFill>
-              <a:latin typeface="Arial"/>
-            </a:endParaRPr>
-          </a:p>
-          <a:p>
-            <a:pPr lvl="4" marL="2160000" indent="-216000">
+          </a:p>
+          <a:p>
+            <a:pPr marL="2160000" lvl="4" indent="-216000">
               <a:lnSpc>
                 <a:spcPct val="90000"/>
               </a:lnSpc>
@@ -5356,7 +5809,7 @@
               <a:buChar char=""/>
             </a:pPr>
             <a:r>
-              <a:rPr b="0" lang="pt-BR" sz="2000" spc="-1" strike="noStrike">
+              <a:rPr lang="pt-BR" sz="2000" b="0" strike="noStrike" spc="-1">
                 <a:solidFill>
                   <a:srgbClr val="000000"/>
                 </a:solidFill>
@@ -5364,15 +5817,9 @@
               </a:rPr>
               <a:t>Fifth Outline Level</a:t>
             </a:r>
-            <a:endParaRPr b="0" lang="pt-BR" sz="2000" spc="-1" strike="noStrike">
-              <a:solidFill>
-                <a:srgbClr val="000000"/>
-              </a:solidFill>
-              <a:latin typeface="Arial"/>
-            </a:endParaRPr>
-          </a:p>
-          <a:p>
-            <a:pPr lvl="5" marL="2592000" indent="-216000">
+          </a:p>
+          <a:p>
+            <a:pPr marL="2592000" lvl="5" indent="-216000">
               <a:lnSpc>
                 <a:spcPct val="90000"/>
               </a:lnSpc>
@@ -5387,7 +5834,7 @@
               <a:buChar char=""/>
             </a:pPr>
             <a:r>
-              <a:rPr b="0" lang="pt-BR" sz="2000" spc="-1" strike="noStrike">
+              <a:rPr lang="pt-BR" sz="2000" b="0" strike="noStrike" spc="-1">
                 <a:solidFill>
                   <a:srgbClr val="000000"/>
                 </a:solidFill>
@@ -5395,15 +5842,9 @@
               </a:rPr>
               <a:t>Sixth Outline Level</a:t>
             </a:r>
-            <a:endParaRPr b="0" lang="pt-BR" sz="2000" spc="-1" strike="noStrike">
-              <a:solidFill>
-                <a:srgbClr val="000000"/>
-              </a:solidFill>
-              <a:latin typeface="Arial"/>
-            </a:endParaRPr>
-          </a:p>
-          <a:p>
-            <a:pPr lvl="6" marL="3024000" indent="-216000">
+          </a:p>
+          <a:p>
+            <a:pPr marL="3024000" lvl="6" indent="-216000">
               <a:lnSpc>
                 <a:spcPct val="90000"/>
               </a:lnSpc>
@@ -5418,7 +5859,7 @@
               <a:buChar char=""/>
             </a:pPr>
             <a:r>
-              <a:rPr b="0" lang="pt-BR" sz="2000" spc="-1" strike="noStrike">
+              <a:rPr lang="pt-BR" sz="2000" b="0" strike="noStrike" spc="-1">
                 <a:solidFill>
                   <a:srgbClr val="000000"/>
                 </a:solidFill>
@@ -5426,37 +5867,311 @@
               </a:rPr>
               <a:t>Seventh Outline Level</a:t>
             </a:r>
-            <a:endParaRPr b="0" lang="pt-BR" sz="2000" spc="-1" strike="noStrike">
-              <a:solidFill>
-                <a:srgbClr val="000000"/>
-              </a:solidFill>
-              <a:latin typeface="Arial"/>
-            </a:endParaRPr>
           </a:p>
         </p:txBody>
       </p:sp>
     </p:spTree>
   </p:cSld>
-  <p:clrMap bg1="lt1" bg2="lt2" tx1="dk1" tx2="dk2" accent1="accent1" accent2="accent2" accent3="accent3" accent4="accent4" accent5="accent5" accent6="accent6" hlink="hlink" folHlink="folHlink"/>
+  <p:clrMap bg1="lt1" tx1="dk1" bg2="lt2" tx2="dk2" accent1="accent1" accent2="accent2" accent3="accent3" accent4="accent4" accent5="accent5" accent6="accent6" hlink="hlink" folHlink="folHlink"/>
   <p:sldLayoutIdLst>
-    <p:sldLayoutId id="2147483662" r:id="rId2"/>
-    <p:sldLayoutId id="2147483663" r:id="rId3"/>
-    <p:sldLayoutId id="2147483664" r:id="rId4"/>
-    <p:sldLayoutId id="2147483665" r:id="rId5"/>
-    <p:sldLayoutId id="2147483666" r:id="rId6"/>
-    <p:sldLayoutId id="2147483667" r:id="rId7"/>
-    <p:sldLayoutId id="2147483668" r:id="rId8"/>
-    <p:sldLayoutId id="2147483669" r:id="rId9"/>
-    <p:sldLayoutId id="2147483670" r:id="rId10"/>
-    <p:sldLayoutId id="2147483671" r:id="rId11"/>
-    <p:sldLayoutId id="2147483672" r:id="rId12"/>
-    <p:sldLayoutId id="2147483673" r:id="rId13"/>
+    <p:sldLayoutId id="2147483662" r:id="rId1"/>
+    <p:sldLayoutId id="2147483663" r:id="rId2"/>
+    <p:sldLayoutId id="2147483664" r:id="rId3"/>
+    <p:sldLayoutId id="2147483665" r:id="rId4"/>
+    <p:sldLayoutId id="2147483666" r:id="rId5"/>
+    <p:sldLayoutId id="2147483667" r:id="rId6"/>
+    <p:sldLayoutId id="2147483668" r:id="rId7"/>
+    <p:sldLayoutId id="2147483669" r:id="rId8"/>
+    <p:sldLayoutId id="2147483670" r:id="rId9"/>
+    <p:sldLayoutId id="2147483671" r:id="rId10"/>
+    <p:sldLayoutId id="2147483672" r:id="rId11"/>
+    <p:sldLayoutId id="2147483673" r:id="rId12"/>
   </p:sldLayoutIdLst>
+  <p:txStyles>
+    <p:titleStyle>
+      <a:lvl1pPr algn="l" defTabSz="914400" rtl="0" eaLnBrk="1" latinLnBrk="0" hangingPunct="1">
+        <a:lnSpc>
+          <a:spcPct val="90000"/>
+        </a:lnSpc>
+        <a:spcBef>
+          <a:spcPct val="0"/>
+        </a:spcBef>
+        <a:buNone/>
+        <a:defRPr sz="4400" kern="1200">
+          <a:solidFill>
+            <a:schemeClr val="tx1"/>
+          </a:solidFill>
+          <a:latin typeface="+mj-lt"/>
+          <a:ea typeface="+mj-ea"/>
+          <a:cs typeface="+mj-cs"/>
+        </a:defRPr>
+      </a:lvl1pPr>
+    </p:titleStyle>
+    <p:bodyStyle>
+      <a:lvl1pPr marL="228600" indent="-228600" algn="l" defTabSz="914400" rtl="0" eaLnBrk="1" latinLnBrk="0" hangingPunct="1">
+        <a:lnSpc>
+          <a:spcPct val="90000"/>
+        </a:lnSpc>
+        <a:spcBef>
+          <a:spcPts val="1000"/>
+        </a:spcBef>
+        <a:buFont typeface="Arial" panose="020B0604020202020204" pitchFamily="34" charset="0"/>
+        <a:buChar char="•"/>
+        <a:defRPr sz="2800" kern="1200">
+          <a:solidFill>
+            <a:schemeClr val="tx1"/>
+          </a:solidFill>
+          <a:latin typeface="+mn-lt"/>
+          <a:ea typeface="+mn-ea"/>
+          <a:cs typeface="+mn-cs"/>
+        </a:defRPr>
+      </a:lvl1pPr>
+      <a:lvl2pPr marL="685800" indent="-228600" algn="l" defTabSz="914400" rtl="0" eaLnBrk="1" latinLnBrk="0" hangingPunct="1">
+        <a:lnSpc>
+          <a:spcPct val="90000"/>
+        </a:lnSpc>
+        <a:spcBef>
+          <a:spcPts val="500"/>
+        </a:spcBef>
+        <a:buFont typeface="Arial" panose="020B0604020202020204" pitchFamily="34" charset="0"/>
+        <a:buChar char="•"/>
+        <a:defRPr sz="2400" kern="1200">
+          <a:solidFill>
+            <a:schemeClr val="tx1"/>
+          </a:solidFill>
+          <a:latin typeface="+mn-lt"/>
+          <a:ea typeface="+mn-ea"/>
+          <a:cs typeface="+mn-cs"/>
+        </a:defRPr>
+      </a:lvl2pPr>
+      <a:lvl3pPr marL="1143000" indent="-228600" algn="l" defTabSz="914400" rtl="0" eaLnBrk="1" latinLnBrk="0" hangingPunct="1">
+        <a:lnSpc>
+          <a:spcPct val="90000"/>
+        </a:lnSpc>
+        <a:spcBef>
+          <a:spcPts val="500"/>
+        </a:spcBef>
+        <a:buFont typeface="Arial" panose="020B0604020202020204" pitchFamily="34" charset="0"/>
+        <a:buChar char="•"/>
+        <a:defRPr sz="2000" kern="1200">
+          <a:solidFill>
+            <a:schemeClr val="tx1"/>
+          </a:solidFill>
+          <a:latin typeface="+mn-lt"/>
+          <a:ea typeface="+mn-ea"/>
+          <a:cs typeface="+mn-cs"/>
+        </a:defRPr>
+      </a:lvl3pPr>
+      <a:lvl4pPr marL="1600200" indent="-228600" algn="l" defTabSz="914400" rtl="0" eaLnBrk="1" latinLnBrk="0" hangingPunct="1">
+        <a:lnSpc>
+          <a:spcPct val="90000"/>
+        </a:lnSpc>
+        <a:spcBef>
+          <a:spcPts val="500"/>
+        </a:spcBef>
+        <a:buFont typeface="Arial" panose="020B0604020202020204" pitchFamily="34" charset="0"/>
+        <a:buChar char="•"/>
+        <a:defRPr sz="1800" kern="1200">
+          <a:solidFill>
+            <a:schemeClr val="tx1"/>
+          </a:solidFill>
+          <a:latin typeface="+mn-lt"/>
+          <a:ea typeface="+mn-ea"/>
+          <a:cs typeface="+mn-cs"/>
+        </a:defRPr>
+      </a:lvl4pPr>
+      <a:lvl5pPr marL="2057400" indent="-228600" algn="l" defTabSz="914400" rtl="0" eaLnBrk="1" latinLnBrk="0" hangingPunct="1">
+        <a:lnSpc>
+          <a:spcPct val="90000"/>
+        </a:lnSpc>
+        <a:spcBef>
+          <a:spcPts val="500"/>
+        </a:spcBef>
+        <a:buFont typeface="Arial" panose="020B0604020202020204" pitchFamily="34" charset="0"/>
+        <a:buChar char="•"/>
+        <a:defRPr sz="1800" kern="1200">
+          <a:solidFill>
+            <a:schemeClr val="tx1"/>
+          </a:solidFill>
+          <a:latin typeface="+mn-lt"/>
+          <a:ea typeface="+mn-ea"/>
+          <a:cs typeface="+mn-cs"/>
+        </a:defRPr>
+      </a:lvl5pPr>
+      <a:lvl6pPr marL="2514600" indent="-228600" algn="l" defTabSz="914400" rtl="0" eaLnBrk="1" latinLnBrk="0" hangingPunct="1">
+        <a:lnSpc>
+          <a:spcPct val="90000"/>
+        </a:lnSpc>
+        <a:spcBef>
+          <a:spcPts val="500"/>
+        </a:spcBef>
+        <a:buFont typeface="Arial" panose="020B0604020202020204" pitchFamily="34" charset="0"/>
+        <a:buChar char="•"/>
+        <a:defRPr sz="1800" kern="1200">
+          <a:solidFill>
+            <a:schemeClr val="tx1"/>
+          </a:solidFill>
+          <a:latin typeface="+mn-lt"/>
+          <a:ea typeface="+mn-ea"/>
+          <a:cs typeface="+mn-cs"/>
+        </a:defRPr>
+      </a:lvl6pPr>
+      <a:lvl7pPr marL="2971800" indent="-228600" algn="l" defTabSz="914400" rtl="0" eaLnBrk="1" latinLnBrk="0" hangingPunct="1">
+        <a:lnSpc>
+          <a:spcPct val="90000"/>
+        </a:lnSpc>
+        <a:spcBef>
+          <a:spcPts val="500"/>
+        </a:spcBef>
+        <a:buFont typeface="Arial" panose="020B0604020202020204" pitchFamily="34" charset="0"/>
+        <a:buChar char="•"/>
+        <a:defRPr sz="1800" kern="1200">
+          <a:solidFill>
+            <a:schemeClr val="tx1"/>
+          </a:solidFill>
+          <a:latin typeface="+mn-lt"/>
+          <a:ea typeface="+mn-ea"/>
+          <a:cs typeface="+mn-cs"/>
+        </a:defRPr>
+      </a:lvl7pPr>
+      <a:lvl8pPr marL="3429000" indent="-228600" algn="l" defTabSz="914400" rtl="0" eaLnBrk="1" latinLnBrk="0" hangingPunct="1">
+        <a:lnSpc>
+          <a:spcPct val="90000"/>
+        </a:lnSpc>
+        <a:spcBef>
+          <a:spcPts val="500"/>
+        </a:spcBef>
+        <a:buFont typeface="Arial" panose="020B0604020202020204" pitchFamily="34" charset="0"/>
+        <a:buChar char="•"/>
+        <a:defRPr sz="1800" kern="1200">
+          <a:solidFill>
+            <a:schemeClr val="tx1"/>
+          </a:solidFill>
+          <a:latin typeface="+mn-lt"/>
+          <a:ea typeface="+mn-ea"/>
+          <a:cs typeface="+mn-cs"/>
+        </a:defRPr>
+      </a:lvl8pPr>
+      <a:lvl9pPr marL="3886200" indent="-228600" algn="l" defTabSz="914400" rtl="0" eaLnBrk="1" latinLnBrk="0" hangingPunct="1">
+        <a:lnSpc>
+          <a:spcPct val="90000"/>
+        </a:lnSpc>
+        <a:spcBef>
+          <a:spcPts val="500"/>
+        </a:spcBef>
+        <a:buFont typeface="Arial" panose="020B0604020202020204" pitchFamily="34" charset="0"/>
+        <a:buChar char="•"/>
+        <a:defRPr sz="1800" kern="1200">
+          <a:solidFill>
+            <a:schemeClr val="tx1"/>
+          </a:solidFill>
+          <a:latin typeface="+mn-lt"/>
+          <a:ea typeface="+mn-ea"/>
+          <a:cs typeface="+mn-cs"/>
+        </a:defRPr>
+      </a:lvl9pPr>
+    </p:bodyStyle>
+    <p:otherStyle>
+      <a:defPPr>
+        <a:defRPr lang="pt-BR"/>
+      </a:defPPr>
+      <a:lvl1pPr marL="0" algn="l" defTabSz="914400" rtl="0" eaLnBrk="1" latinLnBrk="0" hangingPunct="1">
+        <a:defRPr sz="1800" kern="1200">
+          <a:solidFill>
+            <a:schemeClr val="tx1"/>
+          </a:solidFill>
+          <a:latin typeface="+mn-lt"/>
+          <a:ea typeface="+mn-ea"/>
+          <a:cs typeface="+mn-cs"/>
+        </a:defRPr>
+      </a:lvl1pPr>
+      <a:lvl2pPr marL="457200" algn="l" defTabSz="914400" rtl="0" eaLnBrk="1" latinLnBrk="0" hangingPunct="1">
+        <a:defRPr sz="1800" kern="1200">
+          <a:solidFill>
+            <a:schemeClr val="tx1"/>
+          </a:solidFill>
+          <a:latin typeface="+mn-lt"/>
+          <a:ea typeface="+mn-ea"/>
+          <a:cs typeface="+mn-cs"/>
+        </a:defRPr>
+      </a:lvl2pPr>
+      <a:lvl3pPr marL="914400" algn="l" defTabSz="914400" rtl="0" eaLnBrk="1" latinLnBrk="0" hangingPunct="1">
+        <a:defRPr sz="1800" kern="1200">
+          <a:solidFill>
+            <a:schemeClr val="tx1"/>
+          </a:solidFill>
+          <a:latin typeface="+mn-lt"/>
+          <a:ea typeface="+mn-ea"/>
+          <a:cs typeface="+mn-cs"/>
+        </a:defRPr>
+      </a:lvl3pPr>
+      <a:lvl4pPr marL="1371600" algn="l" defTabSz="914400" rtl="0" eaLnBrk="1" latinLnBrk="0" hangingPunct="1">
+        <a:defRPr sz="1800" kern="1200">
+          <a:solidFill>
+            <a:schemeClr val="tx1"/>
+          </a:solidFill>
+          <a:latin typeface="+mn-lt"/>
+          <a:ea typeface="+mn-ea"/>
+          <a:cs typeface="+mn-cs"/>
+        </a:defRPr>
+      </a:lvl4pPr>
+      <a:lvl5pPr marL="1828800" algn="l" defTabSz="914400" rtl="0" eaLnBrk="1" latinLnBrk="0" hangingPunct="1">
+        <a:defRPr sz="1800" kern="1200">
+          <a:solidFill>
+            <a:schemeClr val="tx1"/>
+          </a:solidFill>
+          <a:latin typeface="+mn-lt"/>
+          <a:ea typeface="+mn-ea"/>
+          <a:cs typeface="+mn-cs"/>
+        </a:defRPr>
+      </a:lvl5pPr>
+      <a:lvl6pPr marL="2286000" algn="l" defTabSz="914400" rtl="0" eaLnBrk="1" latinLnBrk="0" hangingPunct="1">
+        <a:defRPr sz="1800" kern="1200">
+          <a:solidFill>
+            <a:schemeClr val="tx1"/>
+          </a:solidFill>
+          <a:latin typeface="+mn-lt"/>
+          <a:ea typeface="+mn-ea"/>
+          <a:cs typeface="+mn-cs"/>
+        </a:defRPr>
+      </a:lvl6pPr>
+      <a:lvl7pPr marL="2743200" algn="l" defTabSz="914400" rtl="0" eaLnBrk="1" latinLnBrk="0" hangingPunct="1">
+        <a:defRPr sz="1800" kern="1200">
+          <a:solidFill>
+            <a:schemeClr val="tx1"/>
+          </a:solidFill>
+          <a:latin typeface="+mn-lt"/>
+          <a:ea typeface="+mn-ea"/>
+          <a:cs typeface="+mn-cs"/>
+        </a:defRPr>
+      </a:lvl7pPr>
+      <a:lvl8pPr marL="3200400" algn="l" defTabSz="914400" rtl="0" eaLnBrk="1" latinLnBrk="0" hangingPunct="1">
+        <a:defRPr sz="1800" kern="1200">
+          <a:solidFill>
+            <a:schemeClr val="tx1"/>
+          </a:solidFill>
+          <a:latin typeface="+mn-lt"/>
+          <a:ea typeface="+mn-ea"/>
+          <a:cs typeface="+mn-cs"/>
+        </a:defRPr>
+      </a:lvl8pPr>
+      <a:lvl9pPr marL="3657600" algn="l" defTabSz="914400" rtl="0" eaLnBrk="1" latinLnBrk="0" hangingPunct="1">
+        <a:defRPr sz="1800" kern="1200">
+          <a:solidFill>
+            <a:schemeClr val="tx1"/>
+          </a:solidFill>
+          <a:latin typeface="+mn-lt"/>
+          <a:ea typeface="+mn-ea"/>
+          <a:cs typeface="+mn-cs"/>
+        </a:defRPr>
+      </a:lvl9pPr>
+    </p:otherStyle>
+  </p:txStyles>
 </p:sldMaster>
 </file>
 
 <file path=ppt/slides/slide1.xml><?xml version="1.0" encoding="utf-8"?>
-<p:sld xmlns:a="http://schemas.openxmlformats.org/drawingml/2006/main" xmlns:p="http://schemas.openxmlformats.org/presentationml/2006/main" xmlns:r="http://schemas.openxmlformats.org/officeDocument/2006/relationships" xmlns:p14="http://schemas.microsoft.com/office/powerpoint/2010/main" xmlns:p15="http://schemas.microsoft.com/office/powerpoint/2012/main" xmlns:mc="http://schemas.openxmlformats.org/markup-compatibility/2006">
+<p:sld xmlns:a="http://schemas.openxmlformats.org/drawingml/2006/main" xmlns:r="http://schemas.openxmlformats.org/officeDocument/2006/relationships" xmlns:p="http://schemas.openxmlformats.org/presentationml/2006/main">
   <p:cSld>
     <p:spTree>
       <p:nvGrpSpPr>
@@ -5496,9 +6211,10 @@
           </a:ln>
         </p:spPr>
         <p:txBody>
-          <a:bodyPr lIns="0" rIns="0" tIns="91440" bIns="91440" anchor="t">
+          <a:bodyPr lIns="0" tIns="91440" rIns="0" bIns="91440" anchor="t">
             <a:noAutofit/>
           </a:bodyPr>
+          <a:lstStyle/>
           <a:p>
             <a:pPr indent="0">
               <a:lnSpc>
@@ -5506,13 +6222,13 @@
               </a:lnSpc>
               <a:buNone/>
               <a:tabLst>
-                <a:tab algn="l" pos="0"/>
+                <a:tab pos="0" algn="l"/>
               </a:tabLst>
             </a:pPr>
             <a:r>
-              <a:rPr b="1" lang="pt-BR" sz="2000" spc="-1" strike="noStrike">
+              <a:rPr lang="pt-BR" sz="2000" b="1" strike="noStrike" spc="-1">
                 <a:solidFill>
-                  <a:srgbClr val="ffc000"/>
+                  <a:srgbClr val="FFC000"/>
                 </a:solidFill>
                 <a:latin typeface="Trebuchet MS"/>
                 <a:ea typeface="Overpass"/>
@@ -5523,7 +6239,7 @@
               <a:rPr sz="2000"/>
             </a:br>
             <a:r>
-              <a:rPr b="1" lang="pt-BR" sz="2000" spc="-1" strike="noStrike">
+              <a:rPr lang="pt-BR" sz="2000" b="1" strike="noStrike" spc="-1">
                 <a:solidFill>
                   <a:schemeClr val="dk1"/>
                 </a:solidFill>
@@ -5532,7 +6248,7 @@
               </a:rPr>
               <a:t>DESENVOLVIMENTO WEB</a:t>
             </a:r>
-            <a:endParaRPr b="0" lang="pt-BR" sz="2000" spc="-1" strike="noStrike">
+            <a:endParaRPr lang="pt-BR" sz="2000" b="0" strike="noStrike" spc="-1">
               <a:solidFill>
                 <a:srgbClr val="000000"/>
               </a:solidFill>
@@ -5565,9 +6281,10 @@
           </a:ln>
         </p:spPr>
         <p:txBody>
-          <a:bodyPr lIns="0" rIns="0" tIns="91440" bIns="91440" anchor="t">
+          <a:bodyPr lIns="0" tIns="91440" rIns="0" bIns="91440" anchor="t">
             <a:noAutofit/>
           </a:bodyPr>
+          <a:lstStyle/>
           <a:p>
             <a:pPr marL="228600" indent="0">
               <a:lnSpc>
@@ -5578,11 +6295,11 @@
               </a:spcBef>
               <a:buNone/>
               <a:tabLst>
-                <a:tab algn="l" pos="0"/>
+                <a:tab pos="0" algn="l"/>
               </a:tabLst>
             </a:pPr>
             <a:r>
-              <a:rPr b="0" lang="pt-BR" sz="2600" spc="-1" strike="noStrike">
+              <a:rPr lang="pt-BR" sz="2600" b="0" strike="noStrike" spc="-1">
                 <a:solidFill>
                   <a:schemeClr val="dk2"/>
                 </a:solidFill>
@@ -5592,7 +6309,7 @@
               <a:t>Prof. Daniel Mesquita </a:t>
             </a:r>
             <a:r>
-              <a:rPr b="0" lang="pt-BR" sz="1200" spc="-1" strike="noStrike">
+              <a:rPr lang="pt-BR" sz="1200" b="0" strike="noStrike" spc="-1">
                 <a:solidFill>
                   <a:schemeClr val="dk2"/>
                 </a:solidFill>
@@ -5602,7 +6319,7 @@
               <a:t>        </a:t>
             </a:r>
             <a:r>
-              <a:rPr b="0" lang="pt-BR" sz="1200" spc="-1" strike="noStrike" u="sng">
+              <a:rPr lang="pt-BR" sz="1200" b="0" u="sng" strike="noStrike" spc="-1">
                 <a:solidFill>
                   <a:schemeClr val="hlink"/>
                 </a:solidFill>
@@ -5612,7 +6329,7 @@
               </a:rPr>
               <a:t>danielme17@gmail.com</a:t>
             </a:r>
-            <a:endParaRPr b="0" lang="pt-BR" sz="1200" spc="-1" strike="noStrike">
+            <a:endParaRPr lang="pt-BR" sz="1200" b="0" strike="noStrike" spc="-1">
               <a:solidFill>
                 <a:srgbClr val="000000"/>
               </a:solidFill>
@@ -5637,7 +6354,7 @@
           </a:prstGeom>
           <a:ln w="28575">
             <a:solidFill>
-              <a:srgbClr val="f8931d"/>
+              <a:srgbClr val="F8931D"/>
             </a:solidFill>
             <a:round/>
           </a:ln>
@@ -5663,26 +6380,33 @@
           </a:ln>
         </p:spPr>
         <p:style>
-          <a:lnRef idx="0"/>
-          <a:fillRef idx="0"/>
-          <a:effectRef idx="0"/>
+          <a:lnRef idx="0">
+            <a:scrgbClr r="0" g="0" b="0"/>
+          </a:lnRef>
+          <a:fillRef idx="0">
+            <a:scrgbClr r="0" g="0" b="0"/>
+          </a:fillRef>
+          <a:effectRef idx="0">
+            <a:scrgbClr r="0" g="0" b="0"/>
+          </a:effectRef>
           <a:fontRef idx="minor"/>
         </p:style>
         <p:txBody>
-          <a:bodyPr lIns="90000" rIns="90000" tIns="91440" bIns="91440" anchor="t">
+          <a:bodyPr lIns="90000" tIns="91440" rIns="90000" bIns="91440" anchor="t">
             <a:noAutofit/>
           </a:bodyPr>
+          <a:lstStyle/>
           <a:p>
             <a:pPr>
               <a:lnSpc>
                 <a:spcPct val="100000"/>
               </a:lnSpc>
               <a:tabLst>
-                <a:tab algn="l" pos="0"/>
+                <a:tab pos="0" algn="l"/>
               </a:tabLst>
             </a:pPr>
             <a:r>
-              <a:rPr b="1" lang="pt-BR" sz="2000" spc="-1" strike="noStrike">
+              <a:rPr lang="pt-BR" sz="2000" b="1" strike="noStrike" spc="-1">
                 <a:solidFill>
                   <a:schemeClr val="dk1"/>
                 </a:solidFill>
@@ -5694,7 +6418,7 @@
             <a:br>
               <a:rPr sz="2000"/>
             </a:br>
-            <a:endParaRPr b="0" lang="pt-BR" sz="2000" spc="-1" strike="noStrike">
+            <a:endParaRPr lang="pt-BR" sz="2000" b="0" strike="noStrike" spc="-1">
               <a:solidFill>
                 <a:srgbClr val="000000"/>
               </a:solidFill>
@@ -5723,26 +6447,33 @@
           </a:ln>
         </p:spPr>
         <p:style>
-          <a:lnRef idx="0"/>
-          <a:fillRef idx="0"/>
-          <a:effectRef idx="0"/>
+          <a:lnRef idx="0">
+            <a:scrgbClr r="0" g="0" b="0"/>
+          </a:lnRef>
+          <a:fillRef idx="0">
+            <a:scrgbClr r="0" g="0" b="0"/>
+          </a:fillRef>
+          <a:effectRef idx="0">
+            <a:scrgbClr r="0" g="0" b="0"/>
+          </a:effectRef>
           <a:fontRef idx="minor"/>
         </p:style>
         <p:txBody>
-          <a:bodyPr lIns="90000" rIns="90000" tIns="91440" bIns="91440" anchor="t">
+          <a:bodyPr lIns="90000" tIns="91440" rIns="90000" bIns="91440" anchor="t">
             <a:noAutofit/>
           </a:bodyPr>
+          <a:lstStyle/>
           <a:p>
             <a:pPr>
               <a:lnSpc>
                 <a:spcPct val="100000"/>
               </a:lnSpc>
               <a:tabLst>
-                <a:tab algn="l" pos="0"/>
+                <a:tab pos="0" algn="l"/>
               </a:tabLst>
             </a:pPr>
             <a:r>
-              <a:rPr b="1" lang="pt-BR" sz="2000" spc="-1" strike="noStrike">
+              <a:rPr lang="pt-BR" sz="2000" b="1" strike="noStrike" spc="-1">
                 <a:solidFill>
                   <a:schemeClr val="dk1"/>
                 </a:solidFill>
@@ -5754,7 +6485,7 @@
             <a:br>
               <a:rPr sz="2000"/>
             </a:br>
-            <a:endParaRPr b="0" lang="pt-BR" sz="2000" spc="-1" strike="noStrike">
+            <a:endParaRPr lang="pt-BR" sz="2000" b="0" strike="noStrike" spc="-1">
               <a:solidFill>
                 <a:srgbClr val="000000"/>
               </a:solidFill>
@@ -5783,15 +6514,22 @@
           </a:ln>
         </p:spPr>
         <p:style>
-          <a:lnRef idx="0"/>
-          <a:fillRef idx="0"/>
-          <a:effectRef idx="0"/>
+          <a:lnRef idx="0">
+            <a:scrgbClr r="0" g="0" b="0"/>
+          </a:lnRef>
+          <a:fillRef idx="0">
+            <a:scrgbClr r="0" g="0" b="0"/>
+          </a:fillRef>
+          <a:effectRef idx="0">
+            <a:scrgbClr r="0" g="0" b="0"/>
+          </a:effectRef>
           <a:fontRef idx="minor"/>
         </p:style>
         <p:txBody>
-          <a:bodyPr lIns="0" rIns="0" tIns="0" bIns="0" anchor="t">
+          <a:bodyPr lIns="0" tIns="0" rIns="0" bIns="0" anchor="t">
             <a:normAutofit/>
           </a:bodyPr>
+          <a:lstStyle/>
           <a:p>
             <a:pPr marL="432000" indent="-324000">
               <a:lnSpc>
@@ -5808,7 +6546,7 @@
               <a:buChar char=""/>
             </a:pPr>
             <a:r>
-              <a:rPr b="0" lang="pt-BR" sz="1400" spc="-1" strike="noStrike">
+              <a:rPr lang="pt-BR" sz="1400" b="0" strike="noStrike" spc="-1">
                 <a:solidFill>
                   <a:srgbClr val="000000"/>
                 </a:solidFill>
@@ -5817,7 +6555,7 @@
               </a:rPr>
               <a:t>Hoje é o dia perfeito para substituir ‘Isso não funciona’ por ‘Vamos debugar essa aventura!’</a:t>
             </a:r>
-            <a:endParaRPr b="0" lang="pt-BR" sz="1400" spc="-1" strike="noStrike">
+            <a:endParaRPr lang="pt-BR" sz="1400" b="0" strike="noStrike" spc="-1">
               <a:solidFill>
                 <a:srgbClr val="000000"/>
               </a:solidFill>
@@ -5840,7 +6578,7 @@
               <a:buChar char=""/>
             </a:pPr>
             <a:r>
-              <a:rPr b="0" lang="pt-BR" sz="1400" spc="-1" strike="noStrike">
+              <a:rPr lang="pt-BR" sz="1400" b="0" strike="noStrike" spc="-1">
                 <a:solidFill>
                   <a:srgbClr val="000000"/>
                 </a:solidFill>
@@ -5849,7 +6587,7 @@
               </a:rPr>
               <a:t>Por que os programadores preferem o modo escuro? Porque a luz atrai bugs!</a:t>
             </a:r>
-            <a:endParaRPr b="0" lang="pt-BR" sz="1400" spc="-1" strike="noStrike">
+            <a:endParaRPr lang="pt-BR" sz="1400" b="0" strike="noStrike" spc="-1">
               <a:solidFill>
                 <a:srgbClr val="000000"/>
               </a:solidFill>
@@ -5872,7 +6610,7 @@
               <a:buChar char=""/>
             </a:pPr>
             <a:r>
-              <a:rPr b="0" lang="pt-BR" sz="1400" spc="-1" strike="noStrike">
+              <a:rPr lang="pt-BR" sz="1400" b="0" strike="noStrike" spc="-1">
                 <a:solidFill>
                   <a:srgbClr val="000000"/>
                 </a:solidFill>
@@ -5881,7 +6619,7 @@
               </a:rPr>
               <a:t>Programação é igual maratona: o importante não é a velocidade, mas persistir até o commit final.</a:t>
             </a:r>
-            <a:endParaRPr b="0" lang="pt-BR" sz="1400" spc="-1" strike="noStrike">
+            <a:endParaRPr lang="pt-BR" sz="1400" b="0" strike="noStrike" spc="-1">
               <a:solidFill>
                 <a:srgbClr val="000000"/>
               </a:solidFill>
@@ -5892,1386 +6630,14 @@
       </p:sp>
     </p:spTree>
   </p:cSld>
-  <mc:AlternateContent>
-    <mc:Choice Requires="p14">
-      <p:transition spd="slow" p14:dur="2000"/>
-    </mc:Choice>
-    <mc:Fallback>
-      <p:transition spd="slow"/>
-    </mc:Fallback>
-  </mc:AlternateContent>
+  <p:clrMapOvr>
+    <a:masterClrMapping/>
+  </p:clrMapOvr>
 </p:sld>
 </file>
 
-<file path=ppt/slides/slide2.xml><?xml version="1.0" encoding="utf-8"?>
-<p:sld xmlns:a="http://schemas.openxmlformats.org/drawingml/2006/main" xmlns:p="http://schemas.openxmlformats.org/presentationml/2006/main" xmlns:r="http://schemas.openxmlformats.org/officeDocument/2006/relationships" xmlns:p14="http://schemas.microsoft.com/office/powerpoint/2010/main" xmlns:p15="http://schemas.microsoft.com/office/powerpoint/2012/main" xmlns:mc="http://schemas.openxmlformats.org/markup-compatibility/2006">
-  <p:cSld>
-    <p:spTree>
-      <p:nvGrpSpPr>
-        <p:cNvPr id="1" name=""/>
-        <p:cNvGrpSpPr/>
-        <p:nvPr/>
-      </p:nvGrpSpPr>
-      <p:grpSpPr>
-        <a:xfrm>
-          <a:off x="0" y="0"/>
-          <a:ext cx="0" cy="0"/>
-          <a:chOff x="0" y="0"/>
-          <a:chExt cx="0" cy="0"/>
-        </a:xfrm>
-      </p:grpSpPr>
-      <p:sp>
-        <p:nvSpPr>
-          <p:cNvPr id="86" name="Título 18"/>
-          <p:cNvSpPr/>
-          <p:nvPr/>
-        </p:nvSpPr>
-        <p:spPr>
-          <a:xfrm>
-            <a:off x="291960" y="189000"/>
-            <a:ext cx="7478640" cy="898200"/>
-          </a:xfrm>
-          <a:prstGeom prst="rect">
-            <a:avLst/>
-          </a:prstGeom>
-          <a:noFill/>
-          <a:ln w="0">
-            <a:noFill/>
-          </a:ln>
-        </p:spPr>
-        <p:style>
-          <a:lnRef idx="0"/>
-          <a:fillRef idx="0"/>
-          <a:effectRef idx="0"/>
-          <a:fontRef idx="minor"/>
-        </p:style>
-        <p:txBody>
-          <a:bodyPr lIns="90000" rIns="90000" tIns="91440" bIns="91440" anchor="t">
-            <a:noAutofit/>
-          </a:bodyPr>
-          <a:p>
-            <a:pPr>
-              <a:lnSpc>
-                <a:spcPct val="100000"/>
-              </a:lnSpc>
-            </a:pPr>
-            <a:r>
-              <a:rPr b="1" lang="pt-BR" sz="5400" spc="-1" strike="noStrike">
-                <a:solidFill>
-                  <a:srgbClr val="002060"/>
-                </a:solidFill>
-                <a:latin typeface="Overpass"/>
-                <a:ea typeface="Overpass"/>
-              </a:rPr>
-              <a:t>Recap</a:t>
-            </a:r>
-            <a:endParaRPr b="0" lang="pt-BR" sz="5400" spc="-1" strike="noStrike">
-              <a:solidFill>
-                <a:srgbClr val="000000"/>
-              </a:solidFill>
-              <a:latin typeface="Arial"/>
-            </a:endParaRPr>
-          </a:p>
-          <a:p>
-            <a:pPr>
-              <a:lnSpc>
-                <a:spcPct val="100000"/>
-              </a:lnSpc>
-            </a:pPr>
-            <a:endParaRPr b="0" lang="pt-BR" sz="5400" spc="-1" strike="noStrike">
-              <a:solidFill>
-                <a:srgbClr val="000000"/>
-              </a:solidFill>
-              <a:latin typeface="Arial"/>
-            </a:endParaRPr>
-          </a:p>
-        </p:txBody>
-      </p:sp>
-      <p:pic>
-        <p:nvPicPr>
-          <p:cNvPr id="87" name="Imagem 24" descr=""/>
-          <p:cNvPicPr/>
-          <p:nvPr/>
-        </p:nvPicPr>
-        <p:blipFill>
-          <a:blip r:embed="rId1"/>
-          <a:srcRect l="0" t="0" r="0" b="20507"/>
-          <a:stretch/>
-        </p:blipFill>
-        <p:spPr>
-          <a:xfrm>
-            <a:off x="8100720" y="900720"/>
-            <a:ext cx="2140920" cy="3601800"/>
-          </a:xfrm>
-          <a:prstGeom prst="rect">
-            <a:avLst/>
-          </a:prstGeom>
-          <a:ln w="0">
-            <a:noFill/>
-          </a:ln>
-        </p:spPr>
-      </p:pic>
-      <p:sp>
-        <p:nvSpPr>
-          <p:cNvPr id="88" name="CaixaDeTexto 18"/>
-          <p:cNvSpPr/>
-          <p:nvPr/>
-        </p:nvSpPr>
-        <p:spPr>
-          <a:xfrm>
-            <a:off x="291960" y="1113480"/>
-            <a:ext cx="7692120" cy="4189320"/>
-          </a:xfrm>
-          <a:prstGeom prst="rect">
-            <a:avLst/>
-          </a:prstGeom>
-          <a:noFill/>
-          <a:ln w="0">
-            <a:noFill/>
-          </a:ln>
-        </p:spPr>
-        <p:style>
-          <a:lnRef idx="0"/>
-          <a:fillRef idx="0"/>
-          <a:effectRef idx="0"/>
-          <a:fontRef idx="minor"/>
-        </p:style>
-        <p:txBody>
-          <a:bodyPr lIns="90000" rIns="90000" tIns="45000" bIns="45000" anchor="t">
-            <a:spAutoFit/>
-          </a:bodyPr>
-          <a:p>
-            <a:pPr marL="216000" indent="-216000" algn="just">
-              <a:lnSpc>
-                <a:spcPct val="115000"/>
-              </a:lnSpc>
-              <a:buClr>
-                <a:srgbClr val="000000"/>
-              </a:buClr>
-              <a:buFont typeface="Arial"/>
-              <a:buChar char="●"/>
-            </a:pPr>
-            <a:r>
-              <a:rPr b="0" lang="pt-BR" sz="1800" spc="-1" strike="noStrike">
-                <a:solidFill>
-                  <a:srgbClr val="01498e"/>
-                </a:solidFill>
-                <a:latin typeface="Arial"/>
-                <a:ea typeface="Calibri"/>
-              </a:rPr>
-              <a:t>Estrutura Básica de um Projeto Flask:</a:t>
-            </a:r>
-            <a:endParaRPr b="0" lang="pt-BR" sz="1800" spc="-1" strike="noStrike">
-              <a:solidFill>
-                <a:srgbClr val="000000"/>
-              </a:solidFill>
-              <a:latin typeface="Arial"/>
-            </a:endParaRPr>
-          </a:p>
-          <a:p>
-            <a:pPr lvl="1" marL="432000" indent="-216000" algn="just">
-              <a:lnSpc>
-                <a:spcPct val="115000"/>
-              </a:lnSpc>
-              <a:buClr>
-                <a:srgbClr val="000000"/>
-              </a:buClr>
-              <a:buSzPct val="45000"/>
-              <a:buFont typeface="Wingdings" charset="2"/>
-              <a:buChar char=""/>
-            </a:pPr>
-            <a:r>
-              <a:rPr b="0" lang="pt-BR" sz="1800" spc="-1" strike="noStrike">
-                <a:solidFill>
-                  <a:srgbClr val="01498e"/>
-                </a:solidFill>
-                <a:latin typeface="Arial"/>
-                <a:ea typeface="Calibri"/>
-              </a:rPr>
-              <a:t>app.py: Ponto de entrada da aplicação.</a:t>
-            </a:r>
-            <a:endParaRPr b="0" lang="pt-BR" sz="1800" spc="-1" strike="noStrike">
-              <a:solidFill>
-                <a:srgbClr val="000000"/>
-              </a:solidFill>
-              <a:latin typeface="Arial"/>
-            </a:endParaRPr>
-          </a:p>
-          <a:p>
-            <a:pPr lvl="1" marL="432000" indent="-216000" algn="just">
-              <a:lnSpc>
-                <a:spcPct val="115000"/>
-              </a:lnSpc>
-              <a:buClr>
-                <a:srgbClr val="000000"/>
-              </a:buClr>
-              <a:buSzPct val="45000"/>
-              <a:buFont typeface="Wingdings" charset="2"/>
-              <a:buChar char=""/>
-            </a:pPr>
-            <a:r>
-              <a:rPr b="0" lang="pt-BR" sz="1800" spc="-1" strike="noStrike">
-                <a:solidFill>
-                  <a:srgbClr val="01498e"/>
-                </a:solidFill>
-                <a:latin typeface="Arial"/>
-                <a:ea typeface="Calibri"/>
-              </a:rPr>
-              <a:t>templates/: Local onde salvamos o esqueleto HTML daas nossas paginas</a:t>
-            </a:r>
-            <a:endParaRPr b="0" lang="pt-BR" sz="1800" spc="-1" strike="noStrike">
-              <a:solidFill>
-                <a:srgbClr val="000000"/>
-              </a:solidFill>
-              <a:latin typeface="Arial"/>
-            </a:endParaRPr>
-          </a:p>
-          <a:p>
-            <a:pPr lvl="1" marL="432000" indent="-216000" algn="just">
-              <a:lnSpc>
-                <a:spcPct val="115000"/>
-              </a:lnSpc>
-              <a:buClr>
-                <a:srgbClr val="000000"/>
-              </a:buClr>
-              <a:buSzPct val="45000"/>
-              <a:buFont typeface="Wingdings" charset="2"/>
-              <a:buChar char=""/>
-            </a:pPr>
-            <a:r>
-              <a:rPr b="0" lang="pt-BR" sz="1800" spc="-1" strike="noStrike">
-                <a:solidFill>
-                  <a:srgbClr val="01498e"/>
-                </a:solidFill>
-                <a:latin typeface="Arial"/>
-                <a:ea typeface="Calibri"/>
-              </a:rPr>
-              <a:t>static/ :Arquivos Estaticos como downloads, css. (conteúdo não dinamico) </a:t>
-            </a:r>
-            <a:endParaRPr b="0" lang="pt-BR" sz="1800" spc="-1" strike="noStrike">
-              <a:solidFill>
-                <a:srgbClr val="000000"/>
-              </a:solidFill>
-              <a:latin typeface="Arial"/>
-            </a:endParaRPr>
-          </a:p>
-          <a:p>
-            <a:pPr algn="just">
-              <a:lnSpc>
-                <a:spcPct val="115000"/>
-              </a:lnSpc>
-            </a:pPr>
-            <a:endParaRPr b="0" lang="pt-BR" sz="1800" spc="-1" strike="noStrike">
-              <a:solidFill>
-                <a:srgbClr val="000000"/>
-              </a:solidFill>
-              <a:latin typeface="Arial"/>
-            </a:endParaRPr>
-          </a:p>
-          <a:p>
-            <a:pPr algn="just">
-              <a:lnSpc>
-                <a:spcPct val="115000"/>
-              </a:lnSpc>
-            </a:pPr>
-            <a:endParaRPr b="0" lang="pt-BR" sz="1800" spc="-1" strike="noStrike">
-              <a:solidFill>
-                <a:srgbClr val="000000"/>
-              </a:solidFill>
-              <a:latin typeface="Arial"/>
-            </a:endParaRPr>
-          </a:p>
-          <a:p>
-            <a:pPr marL="216000" algn="just">
-              <a:lnSpc>
-                <a:spcPct val="115000"/>
-              </a:lnSpc>
-            </a:pPr>
-            <a:endParaRPr b="0" lang="pt-BR" sz="1800" spc="-1" strike="noStrike">
-              <a:solidFill>
-                <a:srgbClr val="000000"/>
-              </a:solidFill>
-              <a:latin typeface="Arial"/>
-            </a:endParaRPr>
-          </a:p>
-          <a:p>
-            <a:pPr marL="216000" algn="just">
-              <a:lnSpc>
-                <a:spcPct val="115000"/>
-              </a:lnSpc>
-            </a:pPr>
-            <a:endParaRPr b="0" lang="pt-BR" sz="1800" spc="-1" strike="noStrike">
-              <a:solidFill>
-                <a:srgbClr val="000000"/>
-              </a:solidFill>
-              <a:latin typeface="Arial"/>
-            </a:endParaRPr>
-          </a:p>
-          <a:p>
-            <a:pPr marL="216000" algn="just">
-              <a:lnSpc>
-                <a:spcPct val="115000"/>
-              </a:lnSpc>
-            </a:pPr>
-            <a:endParaRPr b="0" lang="pt-BR" sz="1800" spc="-1" strike="noStrike">
-              <a:solidFill>
-                <a:srgbClr val="000000"/>
-              </a:solidFill>
-              <a:latin typeface="Arial"/>
-            </a:endParaRPr>
-          </a:p>
-          <a:p>
-            <a:pPr marL="216000" algn="just">
-              <a:lnSpc>
-                <a:spcPct val="115000"/>
-              </a:lnSpc>
-            </a:pPr>
-            <a:endParaRPr b="0" lang="pt-BR" sz="1800" spc="-1" strike="noStrike">
-              <a:solidFill>
-                <a:srgbClr val="000000"/>
-              </a:solidFill>
-              <a:latin typeface="Arial"/>
-            </a:endParaRPr>
-          </a:p>
-          <a:p>
-            <a:pPr marL="216000" algn="just">
-              <a:lnSpc>
-                <a:spcPct val="115000"/>
-              </a:lnSpc>
-            </a:pPr>
-            <a:endParaRPr b="0" lang="pt-BR" sz="1800" spc="-1" strike="noStrike">
-              <a:solidFill>
-                <a:srgbClr val="000000"/>
-              </a:solidFill>
-              <a:latin typeface="Arial"/>
-            </a:endParaRPr>
-          </a:p>
-        </p:txBody>
-      </p:sp>
-      <p:pic>
-        <p:nvPicPr>
-          <p:cNvPr id="89" name="Imagem 230" descr=""/>
-          <p:cNvPicPr/>
-          <p:nvPr/>
-        </p:nvPicPr>
-        <p:blipFill>
-          <a:blip r:embed="rId2"/>
-          <a:stretch/>
-        </p:blipFill>
-        <p:spPr>
-          <a:xfrm>
-            <a:off x="782640" y="3310560"/>
-            <a:ext cx="2636280" cy="1188360"/>
-          </a:xfrm>
-          <a:prstGeom prst="rect">
-            <a:avLst/>
-          </a:prstGeom>
-          <a:ln w="0">
-            <a:noFill/>
-          </a:ln>
-        </p:spPr>
-      </p:pic>
-    </p:spTree>
-  </p:cSld>
-  <mc:AlternateContent>
-    <mc:Choice Requires="p14">
-      <p:transition spd="slow" p14:dur="2000"/>
-    </mc:Choice>
-    <mc:Fallback>
-      <p:transition spd="slow"/>
-    </mc:Fallback>
-  </mc:AlternateContent>
-</p:sld>
-</file>
-
-<file path=ppt/slides/slide3.xml><?xml version="1.0" encoding="utf-8"?>
-<p:sld xmlns:a="http://schemas.openxmlformats.org/drawingml/2006/main" xmlns:p="http://schemas.openxmlformats.org/presentationml/2006/main" xmlns:r="http://schemas.openxmlformats.org/officeDocument/2006/relationships" xmlns:p14="http://schemas.microsoft.com/office/powerpoint/2010/main" xmlns:p15="http://schemas.microsoft.com/office/powerpoint/2012/main" xmlns:mc="http://schemas.openxmlformats.org/markup-compatibility/2006">
-  <p:cSld>
-    <p:spTree>
-      <p:nvGrpSpPr>
-        <p:cNvPr id="1" name=""/>
-        <p:cNvGrpSpPr/>
-        <p:nvPr/>
-      </p:nvGrpSpPr>
-      <p:grpSpPr>
-        <a:xfrm>
-          <a:off x="0" y="0"/>
-          <a:ext cx="0" cy="0"/>
-          <a:chOff x="0" y="0"/>
-          <a:chExt cx="0" cy="0"/>
-        </a:xfrm>
-      </p:grpSpPr>
-      <p:sp>
-        <p:nvSpPr>
-          <p:cNvPr id="90" name="Título 14"/>
-          <p:cNvSpPr/>
-          <p:nvPr/>
-        </p:nvSpPr>
-        <p:spPr>
-          <a:xfrm>
-            <a:off x="291960" y="189000"/>
-            <a:ext cx="7478640" cy="898200"/>
-          </a:xfrm>
-          <a:prstGeom prst="rect">
-            <a:avLst/>
-          </a:prstGeom>
-          <a:noFill/>
-          <a:ln w="0">
-            <a:noFill/>
-          </a:ln>
-        </p:spPr>
-        <p:style>
-          <a:lnRef idx="0"/>
-          <a:fillRef idx="0"/>
-          <a:effectRef idx="0"/>
-          <a:fontRef idx="minor"/>
-        </p:style>
-        <p:txBody>
-          <a:bodyPr lIns="90000" rIns="90000" tIns="91440" bIns="91440" anchor="t">
-            <a:noAutofit/>
-          </a:bodyPr>
-          <a:p>
-            <a:pPr>
-              <a:lnSpc>
-                <a:spcPct val="100000"/>
-              </a:lnSpc>
-            </a:pPr>
-            <a:r>
-              <a:rPr b="1" lang="pt-BR" sz="5400" spc="-1" strike="noStrike">
-                <a:solidFill>
-                  <a:srgbClr val="002060"/>
-                </a:solidFill>
-                <a:latin typeface="Overpass"/>
-                <a:ea typeface="Overpass"/>
-              </a:rPr>
-              <a:t>SQL </a:t>
-            </a:r>
-            <a:endParaRPr b="0" lang="pt-BR" sz="5400" spc="-1" strike="noStrike">
-              <a:solidFill>
-                <a:srgbClr val="000000"/>
-              </a:solidFill>
-              <a:latin typeface="Arial"/>
-            </a:endParaRPr>
-          </a:p>
-          <a:p>
-            <a:pPr>
-              <a:lnSpc>
-                <a:spcPct val="100000"/>
-              </a:lnSpc>
-            </a:pPr>
-            <a:endParaRPr b="0" lang="pt-BR" sz="5400" spc="-1" strike="noStrike">
-              <a:solidFill>
-                <a:srgbClr val="000000"/>
-              </a:solidFill>
-              <a:latin typeface="Arial"/>
-            </a:endParaRPr>
-          </a:p>
-        </p:txBody>
-      </p:sp>
-      <p:pic>
-        <p:nvPicPr>
-          <p:cNvPr id="91" name="Imagem 20" descr=""/>
-          <p:cNvPicPr/>
-          <p:nvPr/>
-        </p:nvPicPr>
-        <p:blipFill>
-          <a:blip r:embed="rId1"/>
-          <a:srcRect l="0" t="0" r="0" b="20507"/>
-          <a:stretch/>
-        </p:blipFill>
-        <p:spPr>
-          <a:xfrm>
-            <a:off x="8100720" y="900720"/>
-            <a:ext cx="2140920" cy="3601800"/>
-          </a:xfrm>
-          <a:prstGeom prst="rect">
-            <a:avLst/>
-          </a:prstGeom>
-          <a:ln w="0">
-            <a:noFill/>
-          </a:ln>
-        </p:spPr>
-      </p:pic>
-      <p:sp>
-        <p:nvSpPr>
-          <p:cNvPr id="92" name="CaixaDeTexto 14"/>
-          <p:cNvSpPr/>
-          <p:nvPr/>
-        </p:nvSpPr>
-        <p:spPr>
-          <a:xfrm>
-            <a:off x="291960" y="1113480"/>
-            <a:ext cx="7692120" cy="4504680"/>
-          </a:xfrm>
-          <a:prstGeom prst="rect">
-            <a:avLst/>
-          </a:prstGeom>
-          <a:noFill/>
-          <a:ln w="0">
-            <a:noFill/>
-          </a:ln>
-        </p:spPr>
-        <p:style>
-          <a:lnRef idx="0"/>
-          <a:fillRef idx="0"/>
-          <a:effectRef idx="0"/>
-          <a:fontRef idx="minor"/>
-        </p:style>
-        <p:txBody>
-          <a:bodyPr lIns="90000" rIns="90000" tIns="45000" bIns="45000" anchor="t">
-            <a:spAutoFit/>
-          </a:bodyPr>
-          <a:p>
-            <a:pPr marL="216000" indent="-216000" algn="just">
-              <a:lnSpc>
-                <a:spcPct val="115000"/>
-              </a:lnSpc>
-              <a:buClr>
-                <a:srgbClr val="000000"/>
-              </a:buClr>
-              <a:buFont typeface="Arial"/>
-              <a:buChar char="●"/>
-            </a:pPr>
-            <a:r>
-              <a:rPr b="0" lang="pt-BR" sz="1800" spc="-1" strike="noStrike">
-                <a:solidFill>
-                  <a:srgbClr val="01498e"/>
-                </a:solidFill>
-                <a:latin typeface="Arial"/>
-                <a:ea typeface="Calibri"/>
-              </a:rPr>
-              <a:t>Flask-SQLAlchemy é uma extensão do framework Flask que integra o SQLAlchemy (ORM - Object-Relational Mapping) para simplificar o trabalho com bancos de dados.</a:t>
-            </a:r>
-            <a:endParaRPr b="0" lang="pt-BR" sz="1800" spc="-1" strike="noStrike">
-              <a:solidFill>
-                <a:srgbClr val="000000"/>
-              </a:solidFill>
-              <a:latin typeface="Arial"/>
-            </a:endParaRPr>
-          </a:p>
-          <a:p>
-            <a:pPr marL="216000" indent="-216000" algn="just">
-              <a:lnSpc>
-                <a:spcPct val="115000"/>
-              </a:lnSpc>
-              <a:buClr>
-                <a:srgbClr val="000000"/>
-              </a:buClr>
-              <a:buFont typeface="Arial"/>
-              <a:buChar char="●"/>
-            </a:pPr>
-            <a:r>
-              <a:rPr b="0" lang="pt-BR" sz="1800" spc="-1" strike="noStrike">
-                <a:solidFill>
-                  <a:srgbClr val="01498e"/>
-                </a:solidFill>
-                <a:latin typeface="Arial"/>
-                <a:ea typeface="Calibri"/>
-              </a:rPr>
-              <a:t>ORM: Mapeia tabelas para classes Py e registros para objetos.</a:t>
-            </a:r>
-            <a:endParaRPr b="0" lang="pt-BR" sz="1800" spc="-1" strike="noStrike">
-              <a:solidFill>
-                <a:srgbClr val="000000"/>
-              </a:solidFill>
-              <a:latin typeface="Arial"/>
-            </a:endParaRPr>
-          </a:p>
-          <a:p>
-            <a:pPr lvl="1" marL="432000" indent="-216000" algn="just">
-              <a:lnSpc>
-                <a:spcPct val="115000"/>
-              </a:lnSpc>
-              <a:buClr>
-                <a:srgbClr val="000000"/>
-              </a:buClr>
-              <a:buSzPct val="45000"/>
-              <a:buFont typeface="Wingdings" charset="2"/>
-              <a:buChar char=""/>
-            </a:pPr>
-            <a:r>
-              <a:rPr b="0" lang="pt-BR" sz="1800" spc="-1" strike="noStrike">
-                <a:solidFill>
-                  <a:srgbClr val="01498e"/>
-                </a:solidFill>
-                <a:latin typeface="Arial"/>
-                <a:ea typeface="Calibri"/>
-              </a:rPr>
-              <a:t>Exemplo:</a:t>
-            </a:r>
-            <a:endParaRPr b="0" lang="pt-BR" sz="1800" spc="-1" strike="noStrike">
-              <a:solidFill>
-                <a:srgbClr val="000000"/>
-              </a:solidFill>
-              <a:latin typeface="Arial"/>
-            </a:endParaRPr>
-          </a:p>
-          <a:p>
-            <a:pPr algn="just">
-              <a:lnSpc>
-                <a:spcPct val="115000"/>
-              </a:lnSpc>
-            </a:pPr>
-            <a:endParaRPr b="0" lang="pt-BR" sz="1800" spc="-1" strike="noStrike">
-              <a:solidFill>
-                <a:srgbClr val="000000"/>
-              </a:solidFill>
-              <a:latin typeface="Arial"/>
-            </a:endParaRPr>
-          </a:p>
-          <a:p>
-            <a:pPr algn="just">
-              <a:lnSpc>
-                <a:spcPct val="115000"/>
-              </a:lnSpc>
-            </a:pPr>
-            <a:endParaRPr b="0" lang="pt-BR" sz="1800" spc="-1" strike="noStrike">
-              <a:solidFill>
-                <a:srgbClr val="000000"/>
-              </a:solidFill>
-              <a:latin typeface="Arial"/>
-            </a:endParaRPr>
-          </a:p>
-          <a:p>
-            <a:pPr algn="just">
-              <a:lnSpc>
-                <a:spcPct val="115000"/>
-              </a:lnSpc>
-            </a:pPr>
-            <a:endParaRPr b="0" lang="pt-BR" sz="1800" spc="-1" strike="noStrike">
-              <a:solidFill>
-                <a:srgbClr val="000000"/>
-              </a:solidFill>
-              <a:latin typeface="Arial"/>
-            </a:endParaRPr>
-          </a:p>
-          <a:p>
-            <a:pPr lvl="1" marL="432000" indent="-216000" algn="just">
-              <a:lnSpc>
-                <a:spcPct val="115000"/>
-              </a:lnSpc>
-              <a:buClr>
-                <a:srgbClr val="000000"/>
-              </a:buClr>
-              <a:buSzPct val="45000"/>
-              <a:buFont typeface="Wingdings" charset="2"/>
-              <a:buChar char=""/>
-            </a:pPr>
-            <a:r>
-              <a:rPr b="0" lang="pt-BR" sz="1800" spc="-1" strike="noStrike">
-                <a:solidFill>
-                  <a:srgbClr val="01498e"/>
-                </a:solidFill>
-                <a:latin typeface="Arial"/>
-                <a:ea typeface="Calibri"/>
-              </a:rPr>
-              <a:t>Vantagens:</a:t>
-            </a:r>
-            <a:endParaRPr b="0" lang="pt-BR" sz="1800" spc="-1" strike="noStrike">
-              <a:solidFill>
-                <a:srgbClr val="000000"/>
-              </a:solidFill>
-              <a:latin typeface="Arial"/>
-            </a:endParaRPr>
-          </a:p>
-          <a:p>
-            <a:pPr lvl="2" marL="648000" indent="-216000" algn="just">
-              <a:lnSpc>
-                <a:spcPct val="115000"/>
-              </a:lnSpc>
-              <a:buClr>
-                <a:srgbClr val="000000"/>
-              </a:buClr>
-              <a:buSzPct val="45000"/>
-              <a:buFont typeface="Wingdings" charset="2"/>
-              <a:buChar char=""/>
-            </a:pPr>
-            <a:r>
-              <a:rPr b="0" lang="pt-BR" sz="1800" spc="-1" strike="noStrike">
-                <a:solidFill>
-                  <a:srgbClr val="01498e"/>
-                </a:solidFill>
-                <a:latin typeface="Arial"/>
-                <a:ea typeface="Calibri"/>
-              </a:rPr>
-              <a:t>Abstração do SQL: Escreve-se código Python, não SQL puro.</a:t>
-            </a:r>
-            <a:endParaRPr b="0" lang="pt-BR" sz="1800" spc="-1" strike="noStrike">
-              <a:solidFill>
-                <a:srgbClr val="000000"/>
-              </a:solidFill>
-              <a:latin typeface="Arial"/>
-            </a:endParaRPr>
-          </a:p>
-          <a:p>
-            <a:pPr lvl="2" marL="648000" indent="-216000" algn="just">
-              <a:lnSpc>
-                <a:spcPct val="115000"/>
-              </a:lnSpc>
-              <a:buClr>
-                <a:srgbClr val="000000"/>
-              </a:buClr>
-              <a:buSzPct val="45000"/>
-              <a:buFont typeface="Wingdings" charset="2"/>
-              <a:buChar char=""/>
-            </a:pPr>
-            <a:r>
-              <a:rPr b="0" lang="pt-BR" sz="1800" spc="-1" strike="noStrike">
-                <a:solidFill>
-                  <a:srgbClr val="01498e"/>
-                </a:solidFill>
-                <a:latin typeface="Arial"/>
-                <a:ea typeface="Calibri"/>
-              </a:rPr>
-              <a:t>Gerenciamento de sessões e transações automático.</a:t>
-            </a:r>
-            <a:endParaRPr b="0" lang="pt-BR" sz="1800" spc="-1" strike="noStrike">
-              <a:solidFill>
-                <a:srgbClr val="000000"/>
-              </a:solidFill>
-              <a:latin typeface="Arial"/>
-            </a:endParaRPr>
-          </a:p>
-          <a:p>
-            <a:pPr lvl="2" marL="648000" indent="-216000" algn="just">
-              <a:lnSpc>
-                <a:spcPct val="115000"/>
-              </a:lnSpc>
-              <a:buClr>
-                <a:srgbClr val="000000"/>
-              </a:buClr>
-              <a:buSzPct val="45000"/>
-              <a:buFont typeface="Wingdings" charset="2"/>
-              <a:buChar char=""/>
-            </a:pPr>
-            <a:r>
-              <a:rPr b="0" lang="pt-BR" sz="1800" spc="-1" strike="noStrike">
-                <a:solidFill>
-                  <a:srgbClr val="01498e"/>
-                </a:solidFill>
-                <a:latin typeface="Arial"/>
-                <a:ea typeface="Calibri"/>
-              </a:rPr>
-              <a:t>Suporte a migrações (via Flask-Migrate)</a:t>
-            </a:r>
-            <a:endParaRPr b="0" lang="pt-BR" sz="1800" spc="-1" strike="noStrike">
-              <a:solidFill>
-                <a:srgbClr val="000000"/>
-              </a:solidFill>
-              <a:latin typeface="Arial"/>
-            </a:endParaRPr>
-          </a:p>
-          <a:p>
-            <a:pPr marL="216000" algn="just">
-              <a:lnSpc>
-                <a:spcPct val="115000"/>
-              </a:lnSpc>
-            </a:pPr>
-            <a:endParaRPr b="0" lang="pt-BR" sz="1800" spc="-1" strike="noStrike">
-              <a:solidFill>
-                <a:srgbClr val="000000"/>
-              </a:solidFill>
-              <a:latin typeface="Arial"/>
-            </a:endParaRPr>
-          </a:p>
-          <a:p>
-            <a:pPr marL="216000" algn="just">
-              <a:lnSpc>
-                <a:spcPct val="115000"/>
-              </a:lnSpc>
-            </a:pPr>
-            <a:endParaRPr b="0" lang="pt-BR" sz="1800" spc="-1" strike="noStrike">
-              <a:solidFill>
-                <a:srgbClr val="000000"/>
-              </a:solidFill>
-              <a:latin typeface="Arial"/>
-            </a:endParaRPr>
-          </a:p>
-        </p:txBody>
-      </p:sp>
-      <p:pic>
-        <p:nvPicPr>
-          <p:cNvPr id="93" name="Imagem 190" descr=""/>
-          <p:cNvPicPr/>
-          <p:nvPr/>
-        </p:nvPicPr>
-        <p:blipFill>
-          <a:blip r:embed="rId2"/>
-          <a:stretch/>
-        </p:blipFill>
-        <p:spPr>
-          <a:xfrm>
-            <a:off x="1980000" y="2416320"/>
-            <a:ext cx="4923000" cy="1075320"/>
-          </a:xfrm>
-          <a:prstGeom prst="rect">
-            <a:avLst/>
-          </a:prstGeom>
-          <a:ln w="0">
-            <a:noFill/>
-          </a:ln>
-        </p:spPr>
-      </p:pic>
-      <p:pic>
-        <p:nvPicPr>
-          <p:cNvPr id="94" name="Imagem 191" descr=""/>
-          <p:cNvPicPr/>
-          <p:nvPr/>
-        </p:nvPicPr>
-        <p:blipFill>
-          <a:blip r:embed="rId3"/>
-          <a:stretch/>
-        </p:blipFill>
-        <p:spPr>
-          <a:xfrm>
-            <a:off x="2564280" y="3523680"/>
-            <a:ext cx="3951360" cy="446760"/>
-          </a:xfrm>
-          <a:prstGeom prst="rect">
-            <a:avLst/>
-          </a:prstGeom>
-          <a:ln w="0">
-            <a:noFill/>
-          </a:ln>
-        </p:spPr>
-      </p:pic>
-    </p:spTree>
-  </p:cSld>
-  <mc:AlternateContent>
-    <mc:Choice Requires="p14">
-      <p:transition spd="slow" p14:dur="2000"/>
-    </mc:Choice>
-    <mc:Fallback>
-      <p:transition spd="slow"/>
-    </mc:Fallback>
-  </mc:AlternateContent>
-</p:sld>
-</file>
-
-<file path=ppt/slides/slide4.xml><?xml version="1.0" encoding="utf-8"?>
-<p:sld xmlns:a="http://schemas.openxmlformats.org/drawingml/2006/main" xmlns:p="http://schemas.openxmlformats.org/presentationml/2006/main" xmlns:r="http://schemas.openxmlformats.org/officeDocument/2006/relationships" xmlns:p14="http://schemas.microsoft.com/office/powerpoint/2010/main" xmlns:p15="http://schemas.microsoft.com/office/powerpoint/2012/main" xmlns:mc="http://schemas.openxmlformats.org/markup-compatibility/2006">
-  <p:cSld>
-    <p:spTree>
-      <p:nvGrpSpPr>
-        <p:cNvPr id="1" name=""/>
-        <p:cNvGrpSpPr/>
-        <p:nvPr/>
-      </p:nvGrpSpPr>
-      <p:grpSpPr>
-        <a:xfrm>
-          <a:off x="0" y="0"/>
-          <a:ext cx="0" cy="0"/>
-          <a:chOff x="0" y="0"/>
-          <a:chExt cx="0" cy="0"/>
-        </a:xfrm>
-      </p:grpSpPr>
-      <p:sp>
-        <p:nvSpPr>
-          <p:cNvPr id="95" name="CaixaDeTexto 19"/>
-          <p:cNvSpPr/>
-          <p:nvPr/>
-        </p:nvSpPr>
-        <p:spPr>
-          <a:xfrm>
-            <a:off x="291960" y="1113480"/>
-            <a:ext cx="7087680" cy="2297160"/>
-          </a:xfrm>
-          <a:prstGeom prst="rect">
-            <a:avLst/>
-          </a:prstGeom>
-          <a:noFill/>
-          <a:ln w="0">
-            <a:noFill/>
-          </a:ln>
-        </p:spPr>
-        <p:style>
-          <a:lnRef idx="0"/>
-          <a:fillRef idx="0"/>
-          <a:effectRef idx="0"/>
-          <a:fontRef idx="minor"/>
-        </p:style>
-        <p:txBody>
-          <a:bodyPr lIns="90000" rIns="90000" tIns="45000" bIns="45000" anchor="t">
-            <a:spAutoFit/>
-          </a:bodyPr>
-          <a:p>
-            <a:pPr marL="216000" indent="-216000" algn="just">
-              <a:lnSpc>
-                <a:spcPct val="115000"/>
-              </a:lnSpc>
-              <a:buClr>
-                <a:srgbClr val="000000"/>
-              </a:buClr>
-              <a:buFont typeface="Arial"/>
-              <a:buChar char="●"/>
-            </a:pPr>
-            <a:r>
-              <a:rPr b="0" lang="pt-BR" sz="1800" spc="-1" strike="noStrike">
-                <a:solidFill>
-                  <a:srgbClr val="01498e"/>
-                </a:solidFill>
-                <a:latin typeface="Arial"/>
-                <a:ea typeface="Calibri"/>
-              </a:rPr>
-              <a:t>Ativ01</a:t>
-            </a:r>
-            <a:endParaRPr b="0" lang="pt-BR" sz="1800" spc="-1" strike="noStrike">
-              <a:solidFill>
-                <a:srgbClr val="000000"/>
-              </a:solidFill>
-              <a:latin typeface="Arial"/>
-            </a:endParaRPr>
-          </a:p>
-          <a:p>
-            <a:pPr lvl="1" marL="673200" indent="-216000" algn="just">
-              <a:lnSpc>
-                <a:spcPct val="115000"/>
-              </a:lnSpc>
-              <a:buClr>
-                <a:srgbClr val="000000"/>
-              </a:buClr>
-              <a:buFont typeface="Arial"/>
-              <a:buChar char="●"/>
-            </a:pPr>
-            <a:r>
-              <a:rPr b="0" lang="pt-BR" sz="1800" spc="-1" strike="noStrike">
-                <a:solidFill>
-                  <a:srgbClr val="01498e"/>
-                </a:solidFill>
-                <a:latin typeface="Arial"/>
-                <a:ea typeface="Calibri"/>
-              </a:rPr>
-              <a:t>Resolva o enigma e encontre o tesouro, tudo que você precisa está na pasta Ativ01</a:t>
-            </a:r>
-            <a:endParaRPr b="0" lang="pt-BR" sz="1800" spc="-1" strike="noStrike">
-              <a:solidFill>
-                <a:srgbClr val="000000"/>
-              </a:solidFill>
-              <a:latin typeface="Arial"/>
-            </a:endParaRPr>
-          </a:p>
-          <a:p>
-            <a:pPr lvl="1" marL="673200" indent="-216000" algn="just">
-              <a:lnSpc>
-                <a:spcPct val="115000"/>
-              </a:lnSpc>
-              <a:buClr>
-                <a:srgbClr val="000000"/>
-              </a:buClr>
-              <a:buFont typeface="Arial"/>
-              <a:buChar char="●"/>
-            </a:pPr>
-            <a:r>
-              <a:rPr b="0" lang="pt-BR" sz="1800" spc="-1" strike="noStrike">
-                <a:solidFill>
-                  <a:srgbClr val="01498e"/>
-                </a:solidFill>
-                <a:latin typeface="Arial"/>
-                <a:ea typeface="Calibri"/>
-              </a:rPr>
-              <a:t> </a:t>
-            </a:r>
-            <a:endParaRPr b="0" lang="pt-BR" sz="1800" spc="-1" strike="noStrike">
-              <a:solidFill>
-                <a:srgbClr val="000000"/>
-              </a:solidFill>
-              <a:latin typeface="Arial"/>
-            </a:endParaRPr>
-          </a:p>
-          <a:p>
-            <a:pPr marL="216000" algn="just">
-              <a:lnSpc>
-                <a:spcPct val="115000"/>
-              </a:lnSpc>
-            </a:pPr>
-            <a:endParaRPr b="0" lang="pt-BR" sz="1800" spc="-1" strike="noStrike">
-              <a:solidFill>
-                <a:srgbClr val="000000"/>
-              </a:solidFill>
-              <a:latin typeface="Arial"/>
-            </a:endParaRPr>
-          </a:p>
-          <a:p>
-            <a:pPr marL="216000" algn="just">
-              <a:lnSpc>
-                <a:spcPct val="115000"/>
-              </a:lnSpc>
-            </a:pPr>
-            <a:endParaRPr b="0" lang="pt-BR" sz="1800" spc="-1" strike="noStrike">
-              <a:solidFill>
-                <a:srgbClr val="000000"/>
-              </a:solidFill>
-              <a:latin typeface="Arial"/>
-            </a:endParaRPr>
-          </a:p>
-          <a:p>
-            <a:pPr marL="216000" algn="just">
-              <a:lnSpc>
-                <a:spcPct val="115000"/>
-              </a:lnSpc>
-            </a:pPr>
-            <a:endParaRPr b="0" lang="pt-BR" sz="1800" spc="-1" strike="noStrike">
-              <a:solidFill>
-                <a:srgbClr val="000000"/>
-              </a:solidFill>
-              <a:latin typeface="Arial"/>
-            </a:endParaRPr>
-          </a:p>
-        </p:txBody>
-      </p:sp>
-      <p:pic>
-        <p:nvPicPr>
-          <p:cNvPr id="96" name="Imagem 27" descr=""/>
-          <p:cNvPicPr/>
-          <p:nvPr/>
-        </p:nvPicPr>
-        <p:blipFill>
-          <a:blip r:embed="rId1"/>
-          <a:stretch/>
-        </p:blipFill>
-        <p:spPr>
-          <a:xfrm rot="5400000">
-            <a:off x="7668720" y="802080"/>
-            <a:ext cx="2972160" cy="3196080"/>
-          </a:xfrm>
-          <a:prstGeom prst="rect">
-            <a:avLst/>
-          </a:prstGeom>
-          <a:ln w="0">
-            <a:noFill/>
-          </a:ln>
-        </p:spPr>
-      </p:pic>
-      <p:sp>
-        <p:nvSpPr>
-          <p:cNvPr id="97" name="Título 21"/>
-          <p:cNvSpPr/>
-          <p:nvPr/>
-        </p:nvSpPr>
-        <p:spPr>
-          <a:xfrm>
-            <a:off x="291960" y="32040"/>
-            <a:ext cx="5585760" cy="898200"/>
-          </a:xfrm>
-          <a:prstGeom prst="rect">
-            <a:avLst/>
-          </a:prstGeom>
-          <a:noFill/>
-          <a:ln w="0">
-            <a:noFill/>
-          </a:ln>
-        </p:spPr>
-        <p:style>
-          <a:lnRef idx="0"/>
-          <a:fillRef idx="0"/>
-          <a:effectRef idx="0"/>
-          <a:fontRef idx="minor"/>
-        </p:style>
-        <p:txBody>
-          <a:bodyPr lIns="90000" rIns="90000" tIns="91440" bIns="91440" anchor="t">
-            <a:noAutofit/>
-          </a:bodyPr>
-          <a:p>
-            <a:pPr>
-              <a:lnSpc>
-                <a:spcPct val="100000"/>
-              </a:lnSpc>
-            </a:pPr>
-            <a:r>
-              <a:rPr b="1" lang="pt-BR" sz="5400" spc="-1" strike="noStrike">
-                <a:solidFill>
-                  <a:srgbClr val="002060"/>
-                </a:solidFill>
-                <a:latin typeface="Overpass"/>
-                <a:ea typeface="Overpass"/>
-              </a:rPr>
-              <a:t>Let’s Work</a:t>
-            </a:r>
-            <a:endParaRPr b="0" lang="pt-BR" sz="5400" spc="-1" strike="noStrike">
-              <a:solidFill>
-                <a:srgbClr val="000000"/>
-              </a:solidFill>
-              <a:latin typeface="Arial"/>
-            </a:endParaRPr>
-          </a:p>
-        </p:txBody>
-      </p:sp>
-    </p:spTree>
-  </p:cSld>
-  <mc:AlternateContent>
-    <mc:Choice Requires="p14">
-      <p:transition spd="slow" p14:dur="2000"/>
-    </mc:Choice>
-    <mc:Fallback>
-      <p:transition spd="slow"/>
-    </mc:Fallback>
-  </mc:AlternateContent>
-</p:sld>
-</file>
-
-<file path=ppt/slides/slide5.xml><?xml version="1.0" encoding="utf-8"?>
-<p:sld xmlns:a="http://schemas.openxmlformats.org/drawingml/2006/main" xmlns:p="http://schemas.openxmlformats.org/presentationml/2006/main" xmlns:r="http://schemas.openxmlformats.org/officeDocument/2006/relationships" xmlns:p14="http://schemas.microsoft.com/office/powerpoint/2010/main" xmlns:p15="http://schemas.microsoft.com/office/powerpoint/2012/main" xmlns:mc="http://schemas.openxmlformats.org/markup-compatibility/2006">
-  <p:cSld>
-    <p:spTree>
-      <p:nvGrpSpPr>
-        <p:cNvPr id="1" name=""/>
-        <p:cNvGrpSpPr/>
-        <p:nvPr/>
-      </p:nvGrpSpPr>
-      <p:grpSpPr>
-        <a:xfrm>
-          <a:off x="0" y="0"/>
-          <a:ext cx="0" cy="0"/>
-          <a:chOff x="0" y="0"/>
-          <a:chExt cx="0" cy="0"/>
-        </a:xfrm>
-      </p:grpSpPr>
-      <p:sp>
-        <p:nvSpPr>
-          <p:cNvPr id="98" name="CaixaDeTexto 1"/>
-          <p:cNvSpPr/>
-          <p:nvPr/>
-        </p:nvSpPr>
-        <p:spPr>
-          <a:xfrm>
-            <a:off x="291960" y="1113480"/>
-            <a:ext cx="7087680" cy="2297160"/>
-          </a:xfrm>
-          <a:prstGeom prst="rect">
-            <a:avLst/>
-          </a:prstGeom>
-          <a:noFill/>
-          <a:ln w="0">
-            <a:noFill/>
-          </a:ln>
-        </p:spPr>
-        <p:style>
-          <a:lnRef idx="0"/>
-          <a:fillRef idx="0"/>
-          <a:effectRef idx="0"/>
-          <a:fontRef idx="minor"/>
-        </p:style>
-        <p:txBody>
-          <a:bodyPr lIns="90000" rIns="90000" tIns="45000" bIns="45000" anchor="t">
-            <a:spAutoFit/>
-          </a:bodyPr>
-          <a:p>
-            <a:pPr marL="216000" indent="-216000" algn="just">
-              <a:lnSpc>
-                <a:spcPct val="115000"/>
-              </a:lnSpc>
-              <a:buClr>
-                <a:srgbClr val="000000"/>
-              </a:buClr>
-              <a:buFont typeface="Arial"/>
-              <a:buChar char="●"/>
-            </a:pPr>
-            <a:r>
-              <a:rPr b="0" lang="pt-BR" sz="1800" spc="-1" strike="noStrike">
-                <a:solidFill>
-                  <a:srgbClr val="01498e"/>
-                </a:solidFill>
-                <a:latin typeface="Arial"/>
-                <a:ea typeface="Calibri"/>
-              </a:rPr>
-              <a:t>Ativ02</a:t>
-            </a:r>
-            <a:endParaRPr b="0" lang="pt-BR" sz="1800" spc="-1" strike="noStrike">
-              <a:solidFill>
-                <a:srgbClr val="000000"/>
-              </a:solidFill>
-              <a:latin typeface="Arial"/>
-            </a:endParaRPr>
-          </a:p>
-          <a:p>
-            <a:pPr lvl="1" marL="673200" indent="-216000" algn="just">
-              <a:lnSpc>
-                <a:spcPct val="115000"/>
-              </a:lnSpc>
-              <a:buClr>
-                <a:srgbClr val="000000"/>
-              </a:buClr>
-              <a:buFont typeface="Arial"/>
-              <a:buChar char="●"/>
-            </a:pPr>
-            <a:r>
-              <a:rPr b="0" lang="pt-BR" sz="1800" spc="-1" strike="noStrike">
-                <a:solidFill>
-                  <a:srgbClr val="01498e"/>
-                </a:solidFill>
-                <a:latin typeface="Arial"/>
-                <a:ea typeface="Calibri"/>
-              </a:rPr>
-              <a:t>Converta o aplicativo ativ02 (Lista de Tarefas) para o flask e seu armazenamento para sql lite usando o flask_sqlalchemy</a:t>
-            </a:r>
-            <a:endParaRPr b="0" lang="pt-BR" sz="1800" spc="-1" strike="noStrike">
-              <a:solidFill>
-                <a:srgbClr val="000000"/>
-              </a:solidFill>
-              <a:latin typeface="Arial"/>
-            </a:endParaRPr>
-          </a:p>
-          <a:p>
-            <a:pPr lvl="1" marL="673200" indent="-216000" algn="just">
-              <a:lnSpc>
-                <a:spcPct val="115000"/>
-              </a:lnSpc>
-              <a:buClr>
-                <a:srgbClr val="000000"/>
-              </a:buClr>
-              <a:buFont typeface="Arial"/>
-              <a:buChar char="●"/>
-            </a:pPr>
-            <a:r>
-              <a:rPr b="0" lang="pt-BR" sz="1800" spc="-1" strike="noStrike">
-                <a:solidFill>
-                  <a:srgbClr val="01498e"/>
-                </a:solidFill>
-                <a:latin typeface="Arial"/>
-                <a:ea typeface="Calibri"/>
-              </a:rPr>
-              <a:t> </a:t>
-            </a:r>
-            <a:endParaRPr b="0" lang="pt-BR" sz="1800" spc="-1" strike="noStrike">
-              <a:solidFill>
-                <a:srgbClr val="000000"/>
-              </a:solidFill>
-              <a:latin typeface="Arial"/>
-            </a:endParaRPr>
-          </a:p>
-          <a:p>
-            <a:pPr marL="216000" algn="just">
-              <a:lnSpc>
-                <a:spcPct val="115000"/>
-              </a:lnSpc>
-            </a:pPr>
-            <a:endParaRPr b="0" lang="pt-BR" sz="1800" spc="-1" strike="noStrike">
-              <a:solidFill>
-                <a:srgbClr val="000000"/>
-              </a:solidFill>
-              <a:latin typeface="Arial"/>
-            </a:endParaRPr>
-          </a:p>
-          <a:p>
-            <a:pPr marL="216000" algn="just">
-              <a:lnSpc>
-                <a:spcPct val="115000"/>
-              </a:lnSpc>
-            </a:pPr>
-            <a:endParaRPr b="0" lang="pt-BR" sz="1800" spc="-1" strike="noStrike">
-              <a:solidFill>
-                <a:srgbClr val="000000"/>
-              </a:solidFill>
-              <a:latin typeface="Arial"/>
-            </a:endParaRPr>
-          </a:p>
-          <a:p>
-            <a:pPr marL="216000" algn="just">
-              <a:lnSpc>
-                <a:spcPct val="115000"/>
-              </a:lnSpc>
-            </a:pPr>
-            <a:endParaRPr b="0" lang="pt-BR" sz="1800" spc="-1" strike="noStrike">
-              <a:solidFill>
-                <a:srgbClr val="000000"/>
-              </a:solidFill>
-              <a:latin typeface="Arial"/>
-            </a:endParaRPr>
-          </a:p>
-        </p:txBody>
-      </p:sp>
-      <p:pic>
-        <p:nvPicPr>
-          <p:cNvPr id="99" name="Imagem 1" descr=""/>
-          <p:cNvPicPr/>
-          <p:nvPr/>
-        </p:nvPicPr>
-        <p:blipFill>
-          <a:blip r:embed="rId1"/>
-          <a:stretch/>
-        </p:blipFill>
-        <p:spPr>
-          <a:xfrm rot="5400000">
-            <a:off x="7668720" y="802080"/>
-            <a:ext cx="2972160" cy="3196080"/>
-          </a:xfrm>
-          <a:prstGeom prst="rect">
-            <a:avLst/>
-          </a:prstGeom>
-          <a:ln w="0">
-            <a:noFill/>
-          </a:ln>
-        </p:spPr>
-      </p:pic>
-      <p:sp>
-        <p:nvSpPr>
-          <p:cNvPr id="100" name="Título 1"/>
-          <p:cNvSpPr/>
-          <p:nvPr/>
-        </p:nvSpPr>
-        <p:spPr>
-          <a:xfrm>
-            <a:off x="291960" y="32040"/>
-            <a:ext cx="5585760" cy="898200"/>
-          </a:xfrm>
-          <a:prstGeom prst="rect">
-            <a:avLst/>
-          </a:prstGeom>
-          <a:noFill/>
-          <a:ln w="0">
-            <a:noFill/>
-          </a:ln>
-        </p:spPr>
-        <p:style>
-          <a:lnRef idx="0"/>
-          <a:fillRef idx="0"/>
-          <a:effectRef idx="0"/>
-          <a:fontRef idx="minor"/>
-        </p:style>
-        <p:txBody>
-          <a:bodyPr lIns="90000" rIns="90000" tIns="91440" bIns="91440" anchor="t">
-            <a:noAutofit/>
-          </a:bodyPr>
-          <a:p>
-            <a:pPr>
-              <a:lnSpc>
-                <a:spcPct val="100000"/>
-              </a:lnSpc>
-            </a:pPr>
-            <a:r>
-              <a:rPr b="1" lang="pt-BR" sz="5400" spc="-1" strike="noStrike">
-                <a:solidFill>
-                  <a:srgbClr val="002060"/>
-                </a:solidFill>
-                <a:latin typeface="Overpass"/>
-                <a:ea typeface="Overpass"/>
-              </a:rPr>
-              <a:t>Let’s Work</a:t>
-            </a:r>
-            <a:endParaRPr b="0" lang="pt-BR" sz="5400" spc="-1" strike="noStrike">
-              <a:solidFill>
-                <a:srgbClr val="000000"/>
-              </a:solidFill>
-              <a:latin typeface="Arial"/>
-            </a:endParaRPr>
-          </a:p>
-        </p:txBody>
-      </p:sp>
-    </p:spTree>
-  </p:cSld>
-  <mc:AlternateContent>
-    <mc:Choice Requires="p14">
-      <p:transition spd="slow" p14:dur="2000"/>
-    </mc:Choice>
-    <mc:Fallback>
-      <p:transition spd="slow"/>
-    </mc:Fallback>
-  </mc:AlternateContent>
-</p:sld>
-</file>
-
-<file path=ppt/slides/slide6.xml><?xml version="1.0" encoding="utf-8"?>
-<p:sld xmlns:a="http://schemas.openxmlformats.org/drawingml/2006/main" xmlns:p="http://schemas.openxmlformats.org/presentationml/2006/main" xmlns:r="http://schemas.openxmlformats.org/officeDocument/2006/relationships" xmlns:p14="http://schemas.microsoft.com/office/powerpoint/2010/main" xmlns:p15="http://schemas.microsoft.com/office/powerpoint/2012/main" xmlns:mc="http://schemas.openxmlformats.org/markup-compatibility/2006">
+<file path=ppt/slides/slide10.xml><?xml version="1.0" encoding="utf-8"?>
+<p:sld xmlns:a="http://schemas.openxmlformats.org/drawingml/2006/main" xmlns:r="http://schemas.openxmlformats.org/officeDocument/2006/relationships" xmlns:p="http://schemas.openxmlformats.org/presentationml/2006/main">
   <p:cSld>
     <p:spTree>
       <p:nvGrpSpPr>
@@ -7289,19 +6655,1837 @@
       </p:grpSpPr>
     </p:spTree>
   </p:cSld>
-  <mc:AlternateContent>
-    <mc:Choice Requires="p14">
-      <p:transition spd="slow" p14:dur="2000"/>
-    </mc:Choice>
-    <mc:Fallback>
-      <p:transition spd="slow"/>
-    </mc:Fallback>
-  </mc:AlternateContent>
+  <p:clrMapOvr>
+    <a:masterClrMapping/>
+  </p:clrMapOvr>
+</p:sld>
+</file>
+
+<file path=ppt/slides/slide2.xml><?xml version="1.0" encoding="utf-8"?>
+<p:sld xmlns:a="http://schemas.openxmlformats.org/drawingml/2006/main" xmlns:r="http://schemas.openxmlformats.org/officeDocument/2006/relationships" xmlns:p="http://schemas.openxmlformats.org/presentationml/2006/main">
+  <p:cSld>
+    <p:spTree>
+      <p:nvGrpSpPr>
+        <p:cNvPr id="1" name=""/>
+        <p:cNvGrpSpPr/>
+        <p:nvPr/>
+      </p:nvGrpSpPr>
+      <p:grpSpPr>
+        <a:xfrm>
+          <a:off x="0" y="0"/>
+          <a:ext cx="0" cy="0"/>
+          <a:chOff x="0" y="0"/>
+          <a:chExt cx="0" cy="0"/>
+        </a:xfrm>
+      </p:grpSpPr>
+      <p:sp>
+        <p:nvSpPr>
+          <p:cNvPr id="90" name="Título 14"/>
+          <p:cNvSpPr/>
+          <p:nvPr/>
+        </p:nvSpPr>
+        <p:spPr>
+          <a:xfrm>
+            <a:off x="291960" y="189000"/>
+            <a:ext cx="7478640" cy="898200"/>
+          </a:xfrm>
+          <a:prstGeom prst="rect">
+            <a:avLst/>
+          </a:prstGeom>
+          <a:noFill/>
+          <a:ln w="0">
+            <a:noFill/>
+          </a:ln>
+        </p:spPr>
+        <p:style>
+          <a:lnRef idx="0">
+            <a:scrgbClr r="0" g="0" b="0"/>
+          </a:lnRef>
+          <a:fillRef idx="0">
+            <a:scrgbClr r="0" g="0" b="0"/>
+          </a:fillRef>
+          <a:effectRef idx="0">
+            <a:scrgbClr r="0" g="0" b="0"/>
+          </a:effectRef>
+          <a:fontRef idx="minor"/>
+        </p:style>
+        <p:txBody>
+          <a:bodyPr lIns="90000" tIns="91440" rIns="90000" bIns="91440" anchor="t">
+            <a:noAutofit/>
+          </a:bodyPr>
+          <a:lstStyle/>
+          <a:p>
+            <a:pPr>
+              <a:lnSpc>
+                <a:spcPct val="100000"/>
+              </a:lnSpc>
+            </a:pPr>
+            <a:r>
+              <a:rPr lang="pt-BR" sz="5400" b="1" strike="noStrike" spc="-1">
+                <a:solidFill>
+                  <a:srgbClr val="002060"/>
+                </a:solidFill>
+                <a:latin typeface="Overpass"/>
+                <a:ea typeface="Overpass"/>
+              </a:rPr>
+              <a:t>SQL </a:t>
+            </a:r>
+            <a:endParaRPr lang="pt-BR" sz="5400" b="0" strike="noStrike" spc="-1">
+              <a:solidFill>
+                <a:srgbClr val="000000"/>
+              </a:solidFill>
+              <a:latin typeface="Arial"/>
+            </a:endParaRPr>
+          </a:p>
+          <a:p>
+            <a:pPr>
+              <a:lnSpc>
+                <a:spcPct val="100000"/>
+              </a:lnSpc>
+            </a:pPr>
+            <a:endParaRPr lang="pt-BR" sz="5400" b="0" strike="noStrike" spc="-1">
+              <a:solidFill>
+                <a:srgbClr val="000000"/>
+              </a:solidFill>
+              <a:latin typeface="Arial"/>
+            </a:endParaRPr>
+          </a:p>
+        </p:txBody>
+      </p:sp>
+      <p:pic>
+        <p:nvPicPr>
+          <p:cNvPr id="91" name="Imagem 20"/>
+          <p:cNvPicPr/>
+          <p:nvPr/>
+        </p:nvPicPr>
+        <p:blipFill>
+          <a:blip r:embed="rId2"/>
+          <a:srcRect b="20507"/>
+          <a:stretch/>
+        </p:blipFill>
+        <p:spPr>
+          <a:xfrm>
+            <a:off x="8100720" y="900720"/>
+            <a:ext cx="2140920" cy="3601800"/>
+          </a:xfrm>
+          <a:prstGeom prst="rect">
+            <a:avLst/>
+          </a:prstGeom>
+          <a:ln w="0">
+            <a:noFill/>
+          </a:ln>
+        </p:spPr>
+      </p:pic>
+      <p:sp>
+        <p:nvSpPr>
+          <p:cNvPr id="92" name="CaixaDeTexto 14"/>
+          <p:cNvSpPr/>
+          <p:nvPr/>
+        </p:nvSpPr>
+        <p:spPr>
+          <a:xfrm>
+            <a:off x="291960" y="1113480"/>
+            <a:ext cx="7692120" cy="4504680"/>
+          </a:xfrm>
+          <a:prstGeom prst="rect">
+            <a:avLst/>
+          </a:prstGeom>
+          <a:noFill/>
+          <a:ln w="0">
+            <a:noFill/>
+          </a:ln>
+        </p:spPr>
+        <p:style>
+          <a:lnRef idx="0">
+            <a:scrgbClr r="0" g="0" b="0"/>
+          </a:lnRef>
+          <a:fillRef idx="0">
+            <a:scrgbClr r="0" g="0" b="0"/>
+          </a:fillRef>
+          <a:effectRef idx="0">
+            <a:scrgbClr r="0" g="0" b="0"/>
+          </a:effectRef>
+          <a:fontRef idx="minor"/>
+        </p:style>
+        <p:txBody>
+          <a:bodyPr lIns="90000" tIns="45000" rIns="90000" bIns="45000" anchor="t">
+            <a:spAutoFit/>
+          </a:bodyPr>
+          <a:lstStyle/>
+          <a:p>
+            <a:pPr marL="216000" indent="-216000" algn="just">
+              <a:lnSpc>
+                <a:spcPct val="115000"/>
+              </a:lnSpc>
+              <a:buClr>
+                <a:srgbClr val="000000"/>
+              </a:buClr>
+              <a:buFont typeface="Arial"/>
+              <a:buChar char="●"/>
+            </a:pPr>
+            <a:r>
+              <a:rPr lang="pt-BR" sz="1800" b="0" strike="noStrike" spc="-1">
+                <a:solidFill>
+                  <a:srgbClr val="01498E"/>
+                </a:solidFill>
+                <a:latin typeface="Arial"/>
+                <a:ea typeface="Calibri"/>
+              </a:rPr>
+              <a:t>Flask-SQLAlchemy é uma extensão do framework Flask que integra o SQLAlchemy (ORM - Object-Relational Mapping) para simplificar o trabalho com bancos de dados.</a:t>
+            </a:r>
+            <a:endParaRPr lang="pt-BR" sz="1800" b="0" strike="noStrike" spc="-1">
+              <a:solidFill>
+                <a:srgbClr val="000000"/>
+              </a:solidFill>
+              <a:latin typeface="Arial"/>
+            </a:endParaRPr>
+          </a:p>
+          <a:p>
+            <a:pPr marL="216000" indent="-216000" algn="just">
+              <a:lnSpc>
+                <a:spcPct val="115000"/>
+              </a:lnSpc>
+              <a:buClr>
+                <a:srgbClr val="000000"/>
+              </a:buClr>
+              <a:buFont typeface="Arial"/>
+              <a:buChar char="●"/>
+            </a:pPr>
+            <a:r>
+              <a:rPr lang="pt-BR" sz="1800" b="0" strike="noStrike" spc="-1">
+                <a:solidFill>
+                  <a:srgbClr val="01498E"/>
+                </a:solidFill>
+                <a:latin typeface="Arial"/>
+                <a:ea typeface="Calibri"/>
+              </a:rPr>
+              <a:t>ORM: Mapeia tabelas para classes Py e registros para objetos.</a:t>
+            </a:r>
+            <a:endParaRPr lang="pt-BR" sz="1800" b="0" strike="noStrike" spc="-1">
+              <a:solidFill>
+                <a:srgbClr val="000000"/>
+              </a:solidFill>
+              <a:latin typeface="Arial"/>
+            </a:endParaRPr>
+          </a:p>
+          <a:p>
+            <a:pPr marL="432000" lvl="1" indent="-216000" algn="just">
+              <a:lnSpc>
+                <a:spcPct val="115000"/>
+              </a:lnSpc>
+              <a:buClr>
+                <a:srgbClr val="000000"/>
+              </a:buClr>
+              <a:buSzPct val="45000"/>
+              <a:buFont typeface="Wingdings" charset="2"/>
+              <a:buChar char=""/>
+            </a:pPr>
+            <a:r>
+              <a:rPr lang="pt-BR" sz="1800" b="0" strike="noStrike" spc="-1">
+                <a:solidFill>
+                  <a:srgbClr val="01498E"/>
+                </a:solidFill>
+                <a:latin typeface="Arial"/>
+                <a:ea typeface="Calibri"/>
+              </a:rPr>
+              <a:t>Exemplo:</a:t>
+            </a:r>
+            <a:endParaRPr lang="pt-BR" sz="1800" b="0" strike="noStrike" spc="-1">
+              <a:solidFill>
+                <a:srgbClr val="000000"/>
+              </a:solidFill>
+              <a:latin typeface="Arial"/>
+            </a:endParaRPr>
+          </a:p>
+          <a:p>
+            <a:pPr algn="just">
+              <a:lnSpc>
+                <a:spcPct val="115000"/>
+              </a:lnSpc>
+            </a:pPr>
+            <a:endParaRPr lang="pt-BR" sz="1800" b="0" strike="noStrike" spc="-1">
+              <a:solidFill>
+                <a:srgbClr val="000000"/>
+              </a:solidFill>
+              <a:latin typeface="Arial"/>
+            </a:endParaRPr>
+          </a:p>
+          <a:p>
+            <a:pPr algn="just">
+              <a:lnSpc>
+                <a:spcPct val="115000"/>
+              </a:lnSpc>
+            </a:pPr>
+            <a:endParaRPr lang="pt-BR" sz="1800" b="0" strike="noStrike" spc="-1">
+              <a:solidFill>
+                <a:srgbClr val="000000"/>
+              </a:solidFill>
+              <a:latin typeface="Arial"/>
+            </a:endParaRPr>
+          </a:p>
+          <a:p>
+            <a:pPr algn="just">
+              <a:lnSpc>
+                <a:spcPct val="115000"/>
+              </a:lnSpc>
+            </a:pPr>
+            <a:endParaRPr lang="pt-BR" sz="1800" b="0" strike="noStrike" spc="-1">
+              <a:solidFill>
+                <a:srgbClr val="000000"/>
+              </a:solidFill>
+              <a:latin typeface="Arial"/>
+            </a:endParaRPr>
+          </a:p>
+          <a:p>
+            <a:pPr marL="432000" lvl="1" indent="-216000" algn="just">
+              <a:lnSpc>
+                <a:spcPct val="115000"/>
+              </a:lnSpc>
+              <a:buClr>
+                <a:srgbClr val="000000"/>
+              </a:buClr>
+              <a:buSzPct val="45000"/>
+              <a:buFont typeface="Wingdings" charset="2"/>
+              <a:buChar char=""/>
+            </a:pPr>
+            <a:r>
+              <a:rPr lang="pt-BR" sz="1800" b="0" strike="noStrike" spc="-1">
+                <a:solidFill>
+                  <a:srgbClr val="01498E"/>
+                </a:solidFill>
+                <a:latin typeface="Arial"/>
+                <a:ea typeface="Calibri"/>
+              </a:rPr>
+              <a:t>Vantagens:</a:t>
+            </a:r>
+            <a:endParaRPr lang="pt-BR" sz="1800" b="0" strike="noStrike" spc="-1">
+              <a:solidFill>
+                <a:srgbClr val="000000"/>
+              </a:solidFill>
+              <a:latin typeface="Arial"/>
+            </a:endParaRPr>
+          </a:p>
+          <a:p>
+            <a:pPr marL="648000" lvl="2" indent="-216000" algn="just">
+              <a:lnSpc>
+                <a:spcPct val="115000"/>
+              </a:lnSpc>
+              <a:buClr>
+                <a:srgbClr val="000000"/>
+              </a:buClr>
+              <a:buSzPct val="45000"/>
+              <a:buFont typeface="Wingdings" charset="2"/>
+              <a:buChar char=""/>
+            </a:pPr>
+            <a:r>
+              <a:rPr lang="pt-BR" sz="1800" b="0" strike="noStrike" spc="-1">
+                <a:solidFill>
+                  <a:srgbClr val="01498E"/>
+                </a:solidFill>
+                <a:latin typeface="Arial"/>
+                <a:ea typeface="Calibri"/>
+              </a:rPr>
+              <a:t>Abstração do SQL: Escreve-se código Python, não SQL puro.</a:t>
+            </a:r>
+            <a:endParaRPr lang="pt-BR" sz="1800" b="0" strike="noStrike" spc="-1">
+              <a:solidFill>
+                <a:srgbClr val="000000"/>
+              </a:solidFill>
+              <a:latin typeface="Arial"/>
+            </a:endParaRPr>
+          </a:p>
+          <a:p>
+            <a:pPr marL="648000" lvl="2" indent="-216000" algn="just">
+              <a:lnSpc>
+                <a:spcPct val="115000"/>
+              </a:lnSpc>
+              <a:buClr>
+                <a:srgbClr val="000000"/>
+              </a:buClr>
+              <a:buSzPct val="45000"/>
+              <a:buFont typeface="Wingdings" charset="2"/>
+              <a:buChar char=""/>
+            </a:pPr>
+            <a:r>
+              <a:rPr lang="pt-BR" sz="1800" b="0" strike="noStrike" spc="-1">
+                <a:solidFill>
+                  <a:srgbClr val="01498E"/>
+                </a:solidFill>
+                <a:latin typeface="Arial"/>
+                <a:ea typeface="Calibri"/>
+              </a:rPr>
+              <a:t>Gerenciamento de sessões e transações automático.</a:t>
+            </a:r>
+            <a:endParaRPr lang="pt-BR" sz="1800" b="0" strike="noStrike" spc="-1">
+              <a:solidFill>
+                <a:srgbClr val="000000"/>
+              </a:solidFill>
+              <a:latin typeface="Arial"/>
+            </a:endParaRPr>
+          </a:p>
+          <a:p>
+            <a:pPr marL="648000" lvl="2" indent="-216000" algn="just">
+              <a:lnSpc>
+                <a:spcPct val="115000"/>
+              </a:lnSpc>
+              <a:buClr>
+                <a:srgbClr val="000000"/>
+              </a:buClr>
+              <a:buSzPct val="45000"/>
+              <a:buFont typeface="Wingdings" charset="2"/>
+              <a:buChar char=""/>
+            </a:pPr>
+            <a:r>
+              <a:rPr lang="pt-BR" sz="1800" b="0" strike="noStrike" spc="-1">
+                <a:solidFill>
+                  <a:srgbClr val="01498E"/>
+                </a:solidFill>
+                <a:latin typeface="Arial"/>
+                <a:ea typeface="Calibri"/>
+              </a:rPr>
+              <a:t>Suporte a migrações (via Flask-Migrate)</a:t>
+            </a:r>
+            <a:endParaRPr lang="pt-BR" sz="1800" b="0" strike="noStrike" spc="-1">
+              <a:solidFill>
+                <a:srgbClr val="000000"/>
+              </a:solidFill>
+              <a:latin typeface="Arial"/>
+            </a:endParaRPr>
+          </a:p>
+          <a:p>
+            <a:pPr marL="216000" algn="just">
+              <a:lnSpc>
+                <a:spcPct val="115000"/>
+              </a:lnSpc>
+            </a:pPr>
+            <a:endParaRPr lang="pt-BR" sz="1800" b="0" strike="noStrike" spc="-1">
+              <a:solidFill>
+                <a:srgbClr val="000000"/>
+              </a:solidFill>
+              <a:latin typeface="Arial"/>
+            </a:endParaRPr>
+          </a:p>
+          <a:p>
+            <a:pPr marL="216000" algn="just">
+              <a:lnSpc>
+                <a:spcPct val="115000"/>
+              </a:lnSpc>
+            </a:pPr>
+            <a:endParaRPr lang="pt-BR" sz="1800" b="0" strike="noStrike" spc="-1">
+              <a:solidFill>
+                <a:srgbClr val="000000"/>
+              </a:solidFill>
+              <a:latin typeface="Arial"/>
+            </a:endParaRPr>
+          </a:p>
+        </p:txBody>
+      </p:sp>
+      <p:pic>
+        <p:nvPicPr>
+          <p:cNvPr id="93" name="Imagem 190"/>
+          <p:cNvPicPr/>
+          <p:nvPr/>
+        </p:nvPicPr>
+        <p:blipFill>
+          <a:blip r:embed="rId3"/>
+          <a:stretch/>
+        </p:blipFill>
+        <p:spPr>
+          <a:xfrm>
+            <a:off x="1980000" y="2416320"/>
+            <a:ext cx="4923000" cy="1075320"/>
+          </a:xfrm>
+          <a:prstGeom prst="rect">
+            <a:avLst/>
+          </a:prstGeom>
+          <a:ln w="0">
+            <a:noFill/>
+          </a:ln>
+        </p:spPr>
+      </p:pic>
+      <p:pic>
+        <p:nvPicPr>
+          <p:cNvPr id="94" name="Imagem 191"/>
+          <p:cNvPicPr/>
+          <p:nvPr/>
+        </p:nvPicPr>
+        <p:blipFill>
+          <a:blip r:embed="rId4"/>
+          <a:stretch/>
+        </p:blipFill>
+        <p:spPr>
+          <a:xfrm>
+            <a:off x="2564280" y="3523680"/>
+            <a:ext cx="3951360" cy="446760"/>
+          </a:xfrm>
+          <a:prstGeom prst="rect">
+            <a:avLst/>
+          </a:prstGeom>
+          <a:ln w="0">
+            <a:noFill/>
+          </a:ln>
+        </p:spPr>
+      </p:pic>
+    </p:spTree>
+  </p:cSld>
+  <p:clrMapOvr>
+    <a:masterClrMapping/>
+  </p:clrMapOvr>
+</p:sld>
+</file>
+
+<file path=ppt/slides/slide3.xml><?xml version="1.0" encoding="utf-8"?>
+<p:sld xmlns:a="http://schemas.openxmlformats.org/drawingml/2006/main" xmlns:r="http://schemas.openxmlformats.org/officeDocument/2006/relationships" xmlns:p="http://schemas.openxmlformats.org/presentationml/2006/main">
+  <p:cSld>
+    <p:spTree>
+      <p:nvGrpSpPr>
+        <p:cNvPr id="1" name=""/>
+        <p:cNvGrpSpPr/>
+        <p:nvPr/>
+      </p:nvGrpSpPr>
+      <p:grpSpPr>
+        <a:xfrm>
+          <a:off x="0" y="0"/>
+          <a:ext cx="0" cy="0"/>
+          <a:chOff x="0" y="0"/>
+          <a:chExt cx="0" cy="0"/>
+        </a:xfrm>
+      </p:grpSpPr>
+      <p:sp>
+        <p:nvSpPr>
+          <p:cNvPr id="95" name="CaixaDeTexto 19"/>
+          <p:cNvSpPr/>
+          <p:nvPr/>
+        </p:nvSpPr>
+        <p:spPr>
+          <a:xfrm>
+            <a:off x="291960" y="1113480"/>
+            <a:ext cx="7087680" cy="2297160"/>
+          </a:xfrm>
+          <a:prstGeom prst="rect">
+            <a:avLst/>
+          </a:prstGeom>
+          <a:noFill/>
+          <a:ln w="0">
+            <a:noFill/>
+          </a:ln>
+        </p:spPr>
+        <p:style>
+          <a:lnRef idx="0">
+            <a:scrgbClr r="0" g="0" b="0"/>
+          </a:lnRef>
+          <a:fillRef idx="0">
+            <a:scrgbClr r="0" g="0" b="0"/>
+          </a:fillRef>
+          <a:effectRef idx="0">
+            <a:scrgbClr r="0" g="0" b="0"/>
+          </a:effectRef>
+          <a:fontRef idx="minor"/>
+        </p:style>
+        <p:txBody>
+          <a:bodyPr lIns="90000" tIns="45000" rIns="90000" bIns="45000" anchor="t">
+            <a:spAutoFit/>
+          </a:bodyPr>
+          <a:lstStyle/>
+          <a:p>
+            <a:pPr marL="216000" indent="-216000" algn="just">
+              <a:lnSpc>
+                <a:spcPct val="115000"/>
+              </a:lnSpc>
+              <a:buClr>
+                <a:srgbClr val="000000"/>
+              </a:buClr>
+              <a:buFont typeface="Arial"/>
+              <a:buChar char="●"/>
+            </a:pPr>
+            <a:r>
+              <a:rPr lang="pt-BR" sz="1800" b="0" strike="noStrike" spc="-1">
+                <a:solidFill>
+                  <a:srgbClr val="01498E"/>
+                </a:solidFill>
+                <a:latin typeface="Arial"/>
+                <a:ea typeface="Calibri"/>
+              </a:rPr>
+              <a:t>Ativ01</a:t>
+            </a:r>
+            <a:endParaRPr lang="pt-BR" sz="1800" b="0" strike="noStrike" spc="-1">
+              <a:solidFill>
+                <a:srgbClr val="000000"/>
+              </a:solidFill>
+              <a:latin typeface="Arial"/>
+            </a:endParaRPr>
+          </a:p>
+          <a:p>
+            <a:pPr marL="673200" lvl="1" indent="-216000" algn="just">
+              <a:lnSpc>
+                <a:spcPct val="115000"/>
+              </a:lnSpc>
+              <a:buClr>
+                <a:srgbClr val="000000"/>
+              </a:buClr>
+              <a:buFont typeface="Arial"/>
+              <a:buChar char="●"/>
+            </a:pPr>
+            <a:r>
+              <a:rPr lang="pt-BR" sz="1800" b="0" strike="noStrike" spc="-1">
+                <a:solidFill>
+                  <a:srgbClr val="01498E"/>
+                </a:solidFill>
+                <a:latin typeface="Arial"/>
+                <a:ea typeface="Calibri"/>
+              </a:rPr>
+              <a:t>Resolva o enigma e encontre o tesouro, tudo que você precisa está na pasta Ativ01</a:t>
+            </a:r>
+            <a:endParaRPr lang="pt-BR" sz="1800" b="0" strike="noStrike" spc="-1">
+              <a:solidFill>
+                <a:srgbClr val="000000"/>
+              </a:solidFill>
+              <a:latin typeface="Arial"/>
+            </a:endParaRPr>
+          </a:p>
+          <a:p>
+            <a:pPr marL="673200" lvl="1" indent="-216000" algn="just">
+              <a:lnSpc>
+                <a:spcPct val="115000"/>
+              </a:lnSpc>
+              <a:buClr>
+                <a:srgbClr val="000000"/>
+              </a:buClr>
+              <a:buFont typeface="Arial"/>
+              <a:buChar char="●"/>
+            </a:pPr>
+            <a:r>
+              <a:rPr lang="pt-BR" sz="1800" b="0" strike="noStrike" spc="-1">
+                <a:solidFill>
+                  <a:srgbClr val="01498E"/>
+                </a:solidFill>
+                <a:latin typeface="Arial"/>
+                <a:ea typeface="Calibri"/>
+              </a:rPr>
+              <a:t> </a:t>
+            </a:r>
+            <a:endParaRPr lang="pt-BR" sz="1800" b="0" strike="noStrike" spc="-1">
+              <a:solidFill>
+                <a:srgbClr val="000000"/>
+              </a:solidFill>
+              <a:latin typeface="Arial"/>
+            </a:endParaRPr>
+          </a:p>
+          <a:p>
+            <a:pPr marL="216000" algn="just">
+              <a:lnSpc>
+                <a:spcPct val="115000"/>
+              </a:lnSpc>
+            </a:pPr>
+            <a:endParaRPr lang="pt-BR" sz="1800" b="0" strike="noStrike" spc="-1">
+              <a:solidFill>
+                <a:srgbClr val="000000"/>
+              </a:solidFill>
+              <a:latin typeface="Arial"/>
+            </a:endParaRPr>
+          </a:p>
+          <a:p>
+            <a:pPr marL="216000" algn="just">
+              <a:lnSpc>
+                <a:spcPct val="115000"/>
+              </a:lnSpc>
+            </a:pPr>
+            <a:endParaRPr lang="pt-BR" sz="1800" b="0" strike="noStrike" spc="-1">
+              <a:solidFill>
+                <a:srgbClr val="000000"/>
+              </a:solidFill>
+              <a:latin typeface="Arial"/>
+            </a:endParaRPr>
+          </a:p>
+          <a:p>
+            <a:pPr marL="216000" algn="just">
+              <a:lnSpc>
+                <a:spcPct val="115000"/>
+              </a:lnSpc>
+            </a:pPr>
+            <a:endParaRPr lang="pt-BR" sz="1800" b="0" strike="noStrike" spc="-1">
+              <a:solidFill>
+                <a:srgbClr val="000000"/>
+              </a:solidFill>
+              <a:latin typeface="Arial"/>
+            </a:endParaRPr>
+          </a:p>
+        </p:txBody>
+      </p:sp>
+      <p:pic>
+        <p:nvPicPr>
+          <p:cNvPr id="96" name="Imagem 27"/>
+          <p:cNvPicPr/>
+          <p:nvPr/>
+        </p:nvPicPr>
+        <p:blipFill>
+          <a:blip r:embed="rId2"/>
+          <a:stretch/>
+        </p:blipFill>
+        <p:spPr>
+          <a:xfrm rot="5400000">
+            <a:off x="7668720" y="802080"/>
+            <a:ext cx="2972160" cy="3196080"/>
+          </a:xfrm>
+          <a:prstGeom prst="rect">
+            <a:avLst/>
+          </a:prstGeom>
+          <a:ln w="0">
+            <a:noFill/>
+          </a:ln>
+        </p:spPr>
+      </p:pic>
+      <p:sp>
+        <p:nvSpPr>
+          <p:cNvPr id="97" name="Título 21"/>
+          <p:cNvSpPr/>
+          <p:nvPr/>
+        </p:nvSpPr>
+        <p:spPr>
+          <a:xfrm>
+            <a:off x="291960" y="32040"/>
+            <a:ext cx="5585760" cy="898200"/>
+          </a:xfrm>
+          <a:prstGeom prst="rect">
+            <a:avLst/>
+          </a:prstGeom>
+          <a:noFill/>
+          <a:ln w="0">
+            <a:noFill/>
+          </a:ln>
+        </p:spPr>
+        <p:style>
+          <a:lnRef idx="0">
+            <a:scrgbClr r="0" g="0" b="0"/>
+          </a:lnRef>
+          <a:fillRef idx="0">
+            <a:scrgbClr r="0" g="0" b="0"/>
+          </a:fillRef>
+          <a:effectRef idx="0">
+            <a:scrgbClr r="0" g="0" b="0"/>
+          </a:effectRef>
+          <a:fontRef idx="minor"/>
+        </p:style>
+        <p:txBody>
+          <a:bodyPr lIns="90000" tIns="91440" rIns="90000" bIns="91440" anchor="t">
+            <a:noAutofit/>
+          </a:bodyPr>
+          <a:lstStyle/>
+          <a:p>
+            <a:pPr>
+              <a:lnSpc>
+                <a:spcPct val="100000"/>
+              </a:lnSpc>
+            </a:pPr>
+            <a:r>
+              <a:rPr lang="pt-BR" sz="5400" b="1" strike="noStrike" spc="-1">
+                <a:solidFill>
+                  <a:srgbClr val="002060"/>
+                </a:solidFill>
+                <a:latin typeface="Overpass"/>
+                <a:ea typeface="Overpass"/>
+              </a:rPr>
+              <a:t>Let’s Work</a:t>
+            </a:r>
+            <a:endParaRPr lang="pt-BR" sz="5400" b="0" strike="noStrike" spc="-1">
+              <a:solidFill>
+                <a:srgbClr val="000000"/>
+              </a:solidFill>
+              <a:latin typeface="Arial"/>
+            </a:endParaRPr>
+          </a:p>
+        </p:txBody>
+      </p:sp>
+    </p:spTree>
+  </p:cSld>
+  <p:clrMapOvr>
+    <a:masterClrMapping/>
+  </p:clrMapOvr>
+</p:sld>
+</file>
+
+<file path=ppt/slides/slide4.xml><?xml version="1.0" encoding="utf-8"?>
+<p:sld xmlns:a="http://schemas.openxmlformats.org/drawingml/2006/main" xmlns:r="http://schemas.openxmlformats.org/officeDocument/2006/relationships" xmlns:p="http://schemas.openxmlformats.org/presentationml/2006/main">
+  <p:cSld>
+    <p:spTree>
+      <p:nvGrpSpPr>
+        <p:cNvPr id="1" name=""/>
+        <p:cNvGrpSpPr/>
+        <p:nvPr/>
+      </p:nvGrpSpPr>
+      <p:grpSpPr>
+        <a:xfrm>
+          <a:off x="0" y="0"/>
+          <a:ext cx="0" cy="0"/>
+          <a:chOff x="0" y="0"/>
+          <a:chExt cx="0" cy="0"/>
+        </a:xfrm>
+      </p:grpSpPr>
+      <p:sp>
+        <p:nvSpPr>
+          <p:cNvPr id="86" name="Título 18"/>
+          <p:cNvSpPr/>
+          <p:nvPr/>
+        </p:nvSpPr>
+        <p:spPr>
+          <a:xfrm>
+            <a:off x="291960" y="189000"/>
+            <a:ext cx="7478640" cy="898200"/>
+          </a:xfrm>
+          <a:prstGeom prst="rect">
+            <a:avLst/>
+          </a:prstGeom>
+          <a:noFill/>
+          <a:ln w="0">
+            <a:noFill/>
+          </a:ln>
+        </p:spPr>
+        <p:style>
+          <a:lnRef idx="0">
+            <a:scrgbClr r="0" g="0" b="0"/>
+          </a:lnRef>
+          <a:fillRef idx="0">
+            <a:scrgbClr r="0" g="0" b="0"/>
+          </a:fillRef>
+          <a:effectRef idx="0">
+            <a:scrgbClr r="0" g="0" b="0"/>
+          </a:effectRef>
+          <a:fontRef idx="minor"/>
+        </p:style>
+        <p:txBody>
+          <a:bodyPr lIns="90000" tIns="91440" rIns="90000" bIns="91440" anchor="t">
+            <a:noAutofit/>
+          </a:bodyPr>
+          <a:lstStyle/>
+          <a:p>
+            <a:pPr>
+              <a:lnSpc>
+                <a:spcPct val="100000"/>
+              </a:lnSpc>
+            </a:pPr>
+            <a:r>
+              <a:rPr lang="pt-BR" sz="5400" b="1" strike="noStrike" spc="-1">
+                <a:solidFill>
+                  <a:srgbClr val="002060"/>
+                </a:solidFill>
+                <a:latin typeface="Overpass"/>
+                <a:ea typeface="Overpass"/>
+              </a:rPr>
+              <a:t>Recap</a:t>
+            </a:r>
+            <a:endParaRPr lang="pt-BR" sz="5400" b="0" strike="noStrike" spc="-1">
+              <a:solidFill>
+                <a:srgbClr val="000000"/>
+              </a:solidFill>
+              <a:latin typeface="Arial"/>
+            </a:endParaRPr>
+          </a:p>
+          <a:p>
+            <a:pPr>
+              <a:lnSpc>
+                <a:spcPct val="100000"/>
+              </a:lnSpc>
+            </a:pPr>
+            <a:endParaRPr lang="pt-BR" sz="5400" b="0" strike="noStrike" spc="-1">
+              <a:solidFill>
+                <a:srgbClr val="000000"/>
+              </a:solidFill>
+              <a:latin typeface="Arial"/>
+            </a:endParaRPr>
+          </a:p>
+        </p:txBody>
+      </p:sp>
+      <p:pic>
+        <p:nvPicPr>
+          <p:cNvPr id="87" name="Imagem 24"/>
+          <p:cNvPicPr/>
+          <p:nvPr/>
+        </p:nvPicPr>
+        <p:blipFill>
+          <a:blip r:embed="rId2"/>
+          <a:srcRect b="20507"/>
+          <a:stretch/>
+        </p:blipFill>
+        <p:spPr>
+          <a:xfrm>
+            <a:off x="8100720" y="900720"/>
+            <a:ext cx="2140920" cy="3601800"/>
+          </a:xfrm>
+          <a:prstGeom prst="rect">
+            <a:avLst/>
+          </a:prstGeom>
+          <a:ln w="0">
+            <a:noFill/>
+          </a:ln>
+        </p:spPr>
+      </p:pic>
+      <p:sp>
+        <p:nvSpPr>
+          <p:cNvPr id="88" name="CaixaDeTexto 18"/>
+          <p:cNvSpPr/>
+          <p:nvPr/>
+        </p:nvSpPr>
+        <p:spPr>
+          <a:xfrm>
+            <a:off x="291960" y="1113480"/>
+            <a:ext cx="7692120" cy="4189320"/>
+          </a:xfrm>
+          <a:prstGeom prst="rect">
+            <a:avLst/>
+          </a:prstGeom>
+          <a:noFill/>
+          <a:ln w="0">
+            <a:noFill/>
+          </a:ln>
+        </p:spPr>
+        <p:style>
+          <a:lnRef idx="0">
+            <a:scrgbClr r="0" g="0" b="0"/>
+          </a:lnRef>
+          <a:fillRef idx="0">
+            <a:scrgbClr r="0" g="0" b="0"/>
+          </a:fillRef>
+          <a:effectRef idx="0">
+            <a:scrgbClr r="0" g="0" b="0"/>
+          </a:effectRef>
+          <a:fontRef idx="minor"/>
+        </p:style>
+        <p:txBody>
+          <a:bodyPr lIns="90000" tIns="45000" rIns="90000" bIns="45000" anchor="t">
+            <a:spAutoFit/>
+          </a:bodyPr>
+          <a:lstStyle/>
+          <a:p>
+            <a:pPr marL="216000" indent="-216000" algn="just">
+              <a:lnSpc>
+                <a:spcPct val="115000"/>
+              </a:lnSpc>
+              <a:buClr>
+                <a:srgbClr val="000000"/>
+              </a:buClr>
+              <a:buFont typeface="Arial"/>
+              <a:buChar char="●"/>
+            </a:pPr>
+            <a:r>
+              <a:rPr lang="pt-BR" sz="1800" b="0" strike="noStrike" spc="-1">
+                <a:solidFill>
+                  <a:srgbClr val="01498E"/>
+                </a:solidFill>
+                <a:latin typeface="Arial"/>
+                <a:ea typeface="Calibri"/>
+              </a:rPr>
+              <a:t>Estrutura Básica de um Projeto Flask:</a:t>
+            </a:r>
+            <a:endParaRPr lang="pt-BR" sz="1800" b="0" strike="noStrike" spc="-1">
+              <a:solidFill>
+                <a:srgbClr val="000000"/>
+              </a:solidFill>
+              <a:latin typeface="Arial"/>
+            </a:endParaRPr>
+          </a:p>
+          <a:p>
+            <a:pPr marL="432000" lvl="1" indent="-216000" algn="just">
+              <a:lnSpc>
+                <a:spcPct val="115000"/>
+              </a:lnSpc>
+              <a:buClr>
+                <a:srgbClr val="000000"/>
+              </a:buClr>
+              <a:buSzPct val="45000"/>
+              <a:buFont typeface="Wingdings" charset="2"/>
+              <a:buChar char=""/>
+            </a:pPr>
+            <a:r>
+              <a:rPr lang="pt-BR" sz="1800" b="0" strike="noStrike" spc="-1">
+                <a:solidFill>
+                  <a:srgbClr val="01498E"/>
+                </a:solidFill>
+                <a:latin typeface="Arial"/>
+                <a:ea typeface="Calibri"/>
+              </a:rPr>
+              <a:t>app.py: Ponto de entrada da aplicação.</a:t>
+            </a:r>
+            <a:endParaRPr lang="pt-BR" sz="1800" b="0" strike="noStrike" spc="-1">
+              <a:solidFill>
+                <a:srgbClr val="000000"/>
+              </a:solidFill>
+              <a:latin typeface="Arial"/>
+            </a:endParaRPr>
+          </a:p>
+          <a:p>
+            <a:pPr marL="432000" lvl="1" indent="-216000" algn="just">
+              <a:lnSpc>
+                <a:spcPct val="115000"/>
+              </a:lnSpc>
+              <a:buClr>
+                <a:srgbClr val="000000"/>
+              </a:buClr>
+              <a:buSzPct val="45000"/>
+              <a:buFont typeface="Wingdings" charset="2"/>
+              <a:buChar char=""/>
+            </a:pPr>
+            <a:r>
+              <a:rPr lang="pt-BR" sz="1800" b="0" strike="noStrike" spc="-1">
+                <a:solidFill>
+                  <a:srgbClr val="01498E"/>
+                </a:solidFill>
+                <a:latin typeface="Arial"/>
+                <a:ea typeface="Calibri"/>
+              </a:rPr>
+              <a:t>templates/: Local onde salvamos o esqueleto HTML daas nossas paginas</a:t>
+            </a:r>
+            <a:endParaRPr lang="pt-BR" sz="1800" b="0" strike="noStrike" spc="-1">
+              <a:solidFill>
+                <a:srgbClr val="000000"/>
+              </a:solidFill>
+              <a:latin typeface="Arial"/>
+            </a:endParaRPr>
+          </a:p>
+          <a:p>
+            <a:pPr marL="432000" lvl="1" indent="-216000" algn="just">
+              <a:lnSpc>
+                <a:spcPct val="115000"/>
+              </a:lnSpc>
+              <a:buClr>
+                <a:srgbClr val="000000"/>
+              </a:buClr>
+              <a:buSzPct val="45000"/>
+              <a:buFont typeface="Wingdings" charset="2"/>
+              <a:buChar char=""/>
+            </a:pPr>
+            <a:r>
+              <a:rPr lang="pt-BR" sz="1800" b="0" strike="noStrike" spc="-1">
+                <a:solidFill>
+                  <a:srgbClr val="01498E"/>
+                </a:solidFill>
+                <a:latin typeface="Arial"/>
+                <a:ea typeface="Calibri"/>
+              </a:rPr>
+              <a:t>static/ :Arquivos Estaticos como downloads, css. (conteúdo não dinamico) </a:t>
+            </a:r>
+            <a:endParaRPr lang="pt-BR" sz="1800" b="0" strike="noStrike" spc="-1">
+              <a:solidFill>
+                <a:srgbClr val="000000"/>
+              </a:solidFill>
+              <a:latin typeface="Arial"/>
+            </a:endParaRPr>
+          </a:p>
+          <a:p>
+            <a:pPr algn="just">
+              <a:lnSpc>
+                <a:spcPct val="115000"/>
+              </a:lnSpc>
+            </a:pPr>
+            <a:endParaRPr lang="pt-BR" sz="1800" b="0" strike="noStrike" spc="-1">
+              <a:solidFill>
+                <a:srgbClr val="000000"/>
+              </a:solidFill>
+              <a:latin typeface="Arial"/>
+            </a:endParaRPr>
+          </a:p>
+          <a:p>
+            <a:pPr algn="just">
+              <a:lnSpc>
+                <a:spcPct val="115000"/>
+              </a:lnSpc>
+            </a:pPr>
+            <a:endParaRPr lang="pt-BR" sz="1800" b="0" strike="noStrike" spc="-1">
+              <a:solidFill>
+                <a:srgbClr val="000000"/>
+              </a:solidFill>
+              <a:latin typeface="Arial"/>
+            </a:endParaRPr>
+          </a:p>
+          <a:p>
+            <a:pPr marL="216000" algn="just">
+              <a:lnSpc>
+                <a:spcPct val="115000"/>
+              </a:lnSpc>
+            </a:pPr>
+            <a:endParaRPr lang="pt-BR" sz="1800" b="0" strike="noStrike" spc="-1">
+              <a:solidFill>
+                <a:srgbClr val="000000"/>
+              </a:solidFill>
+              <a:latin typeface="Arial"/>
+            </a:endParaRPr>
+          </a:p>
+          <a:p>
+            <a:pPr marL="216000" algn="just">
+              <a:lnSpc>
+                <a:spcPct val="115000"/>
+              </a:lnSpc>
+            </a:pPr>
+            <a:endParaRPr lang="pt-BR" sz="1800" b="0" strike="noStrike" spc="-1">
+              <a:solidFill>
+                <a:srgbClr val="000000"/>
+              </a:solidFill>
+              <a:latin typeface="Arial"/>
+            </a:endParaRPr>
+          </a:p>
+          <a:p>
+            <a:pPr marL="216000" algn="just">
+              <a:lnSpc>
+                <a:spcPct val="115000"/>
+              </a:lnSpc>
+            </a:pPr>
+            <a:endParaRPr lang="pt-BR" sz="1800" b="0" strike="noStrike" spc="-1">
+              <a:solidFill>
+                <a:srgbClr val="000000"/>
+              </a:solidFill>
+              <a:latin typeface="Arial"/>
+            </a:endParaRPr>
+          </a:p>
+          <a:p>
+            <a:pPr marL="216000" algn="just">
+              <a:lnSpc>
+                <a:spcPct val="115000"/>
+              </a:lnSpc>
+            </a:pPr>
+            <a:endParaRPr lang="pt-BR" sz="1800" b="0" strike="noStrike" spc="-1">
+              <a:solidFill>
+                <a:srgbClr val="000000"/>
+              </a:solidFill>
+              <a:latin typeface="Arial"/>
+            </a:endParaRPr>
+          </a:p>
+          <a:p>
+            <a:pPr marL="216000" algn="just">
+              <a:lnSpc>
+                <a:spcPct val="115000"/>
+              </a:lnSpc>
+            </a:pPr>
+            <a:endParaRPr lang="pt-BR" sz="1800" b="0" strike="noStrike" spc="-1">
+              <a:solidFill>
+                <a:srgbClr val="000000"/>
+              </a:solidFill>
+              <a:latin typeface="Arial"/>
+            </a:endParaRPr>
+          </a:p>
+        </p:txBody>
+      </p:sp>
+      <p:pic>
+        <p:nvPicPr>
+          <p:cNvPr id="89" name="Imagem 230"/>
+          <p:cNvPicPr/>
+          <p:nvPr/>
+        </p:nvPicPr>
+        <p:blipFill>
+          <a:blip r:embed="rId3"/>
+          <a:stretch/>
+        </p:blipFill>
+        <p:spPr>
+          <a:xfrm>
+            <a:off x="782640" y="3310560"/>
+            <a:ext cx="2636280" cy="1188360"/>
+          </a:xfrm>
+          <a:prstGeom prst="rect">
+            <a:avLst/>
+          </a:prstGeom>
+          <a:ln w="0">
+            <a:noFill/>
+          </a:ln>
+        </p:spPr>
+      </p:pic>
+    </p:spTree>
+  </p:cSld>
+  <p:clrMapOvr>
+    <a:masterClrMapping/>
+  </p:clrMapOvr>
+</p:sld>
+</file>
+
+<file path=ppt/slides/slide5.xml><?xml version="1.0" encoding="utf-8"?>
+<p:sld xmlns:a="http://schemas.openxmlformats.org/drawingml/2006/main" xmlns:r="http://schemas.openxmlformats.org/officeDocument/2006/relationships" xmlns:p="http://schemas.openxmlformats.org/presentationml/2006/main">
+  <p:cSld>
+    <p:spTree>
+      <p:nvGrpSpPr>
+        <p:cNvPr id="1" name=""/>
+        <p:cNvGrpSpPr/>
+        <p:nvPr/>
+      </p:nvGrpSpPr>
+      <p:grpSpPr>
+        <a:xfrm>
+          <a:off x="0" y="0"/>
+          <a:ext cx="0" cy="0"/>
+          <a:chOff x="0" y="0"/>
+          <a:chExt cx="0" cy="0"/>
+        </a:xfrm>
+      </p:grpSpPr>
+      <p:sp>
+        <p:nvSpPr>
+          <p:cNvPr id="175" name="Título 23"/>
+          <p:cNvSpPr/>
+          <p:nvPr/>
+        </p:nvSpPr>
+        <p:spPr>
+          <a:xfrm>
+            <a:off x="291960" y="189000"/>
+            <a:ext cx="7479000" cy="898560"/>
+          </a:xfrm>
+          <a:prstGeom prst="rect">
+            <a:avLst/>
+          </a:prstGeom>
+          <a:noFill/>
+          <a:ln w="0">
+            <a:noFill/>
+          </a:ln>
+        </p:spPr>
+        <p:style>
+          <a:lnRef idx="0">
+            <a:scrgbClr r="0" g="0" b="0"/>
+          </a:lnRef>
+          <a:fillRef idx="0">
+            <a:scrgbClr r="0" g="0" b="0"/>
+          </a:fillRef>
+          <a:effectRef idx="0">
+            <a:scrgbClr r="0" g="0" b="0"/>
+          </a:effectRef>
+          <a:fontRef idx="minor"/>
+        </p:style>
+        <p:txBody>
+          <a:bodyPr lIns="90000" tIns="91440" rIns="90000" bIns="91440" anchor="t">
+            <a:noAutofit/>
+          </a:bodyPr>
+          <a:lstStyle/>
+          <a:p>
+            <a:pPr>
+              <a:lnSpc>
+                <a:spcPct val="100000"/>
+              </a:lnSpc>
+            </a:pPr>
+            <a:r>
+              <a:rPr lang="pt-BR" sz="5400" b="1" strike="noStrike" spc="-1">
+                <a:solidFill>
+                  <a:srgbClr val="002060"/>
+                </a:solidFill>
+                <a:latin typeface="Overpass"/>
+                <a:ea typeface="Overpass"/>
+              </a:rPr>
+              <a:t>Flask </a:t>
+            </a:r>
+            <a:endParaRPr lang="pt-BR" sz="5400" b="0" strike="noStrike" spc="-1">
+              <a:solidFill>
+                <a:srgbClr val="000000"/>
+              </a:solidFill>
+              <a:latin typeface="Arial"/>
+            </a:endParaRPr>
+          </a:p>
+          <a:p>
+            <a:pPr>
+              <a:lnSpc>
+                <a:spcPct val="100000"/>
+              </a:lnSpc>
+            </a:pPr>
+            <a:endParaRPr lang="pt-BR" sz="5400" b="0" strike="noStrike" spc="-1">
+              <a:solidFill>
+                <a:srgbClr val="000000"/>
+              </a:solidFill>
+              <a:latin typeface="Arial"/>
+            </a:endParaRPr>
+          </a:p>
+        </p:txBody>
+      </p:sp>
+      <p:pic>
+        <p:nvPicPr>
+          <p:cNvPr id="176" name="Imagem 29"/>
+          <p:cNvPicPr/>
+          <p:nvPr/>
+        </p:nvPicPr>
+        <p:blipFill>
+          <a:blip r:embed="rId2"/>
+          <a:srcRect b="20507"/>
+          <a:stretch/>
+        </p:blipFill>
+        <p:spPr>
+          <a:xfrm>
+            <a:off x="8100720" y="900720"/>
+            <a:ext cx="2141280" cy="3602160"/>
+          </a:xfrm>
+          <a:prstGeom prst="rect">
+            <a:avLst/>
+          </a:prstGeom>
+          <a:ln w="0">
+            <a:noFill/>
+          </a:ln>
+        </p:spPr>
+      </p:pic>
+      <p:sp>
+        <p:nvSpPr>
+          <p:cNvPr id="177" name="CaixaDeTexto 23"/>
+          <p:cNvSpPr/>
+          <p:nvPr/>
+        </p:nvSpPr>
+        <p:spPr>
+          <a:xfrm>
+            <a:off x="291960" y="1113480"/>
+            <a:ext cx="7692480" cy="3558600"/>
+          </a:xfrm>
+          <a:prstGeom prst="rect">
+            <a:avLst/>
+          </a:prstGeom>
+          <a:noFill/>
+          <a:ln w="0">
+            <a:noFill/>
+          </a:ln>
+        </p:spPr>
+        <p:style>
+          <a:lnRef idx="0">
+            <a:scrgbClr r="0" g="0" b="0"/>
+          </a:lnRef>
+          <a:fillRef idx="0">
+            <a:scrgbClr r="0" g="0" b="0"/>
+          </a:fillRef>
+          <a:effectRef idx="0">
+            <a:scrgbClr r="0" g="0" b="0"/>
+          </a:effectRef>
+          <a:fontRef idx="minor"/>
+        </p:style>
+        <p:txBody>
+          <a:bodyPr lIns="90000" tIns="45000" rIns="90000" bIns="45000" anchor="t">
+            <a:spAutoFit/>
+          </a:bodyPr>
+          <a:lstStyle/>
+          <a:p>
+            <a:pPr marL="216000" indent="-216000" algn="just">
+              <a:lnSpc>
+                <a:spcPct val="115000"/>
+              </a:lnSpc>
+              <a:buClr>
+                <a:srgbClr val="000000"/>
+              </a:buClr>
+              <a:buFont typeface="Arial"/>
+              <a:buChar char="●"/>
+            </a:pPr>
+            <a:r>
+              <a:rPr lang="pt-BR" sz="1800" b="0" strike="noStrike" spc="-1">
+                <a:solidFill>
+                  <a:srgbClr val="01498E"/>
+                </a:solidFill>
+                <a:latin typeface="Arial"/>
+                <a:ea typeface="Calibri"/>
+              </a:rPr>
+              <a:t>Rotas: Como o Flask Responde a URLs</a:t>
+            </a:r>
+            <a:endParaRPr lang="pt-BR" sz="1800" b="0" strike="noStrike" spc="-1">
+              <a:solidFill>
+                <a:srgbClr val="000000"/>
+              </a:solidFill>
+              <a:latin typeface="Arial"/>
+            </a:endParaRPr>
+          </a:p>
+          <a:p>
+            <a:pPr algn="just">
+              <a:lnSpc>
+                <a:spcPct val="115000"/>
+              </a:lnSpc>
+            </a:pPr>
+            <a:endParaRPr lang="pt-BR" sz="1800" b="0" strike="noStrike" spc="-1">
+              <a:solidFill>
+                <a:srgbClr val="000000"/>
+              </a:solidFill>
+              <a:latin typeface="Arial"/>
+            </a:endParaRPr>
+          </a:p>
+          <a:p>
+            <a:pPr marL="432000" lvl="1" indent="-216000" algn="just">
+              <a:lnSpc>
+                <a:spcPct val="115000"/>
+              </a:lnSpc>
+              <a:buClr>
+                <a:srgbClr val="000000"/>
+              </a:buClr>
+              <a:buSzPct val="45000"/>
+              <a:buFont typeface="Wingdings" charset="2"/>
+              <a:buChar char=""/>
+            </a:pPr>
+            <a:r>
+              <a:rPr lang="pt-BR" sz="1800" b="0" strike="noStrike" spc="-1">
+                <a:solidFill>
+                  <a:srgbClr val="01498E"/>
+                </a:solidFill>
+                <a:latin typeface="Arial"/>
+                <a:ea typeface="Calibri"/>
+              </a:rPr>
+              <a:t>O que é uma rota?</a:t>
+            </a:r>
+            <a:endParaRPr lang="pt-BR" sz="1800" b="0" strike="noStrike" spc="-1">
+              <a:solidFill>
+                <a:srgbClr val="000000"/>
+              </a:solidFill>
+              <a:latin typeface="Arial"/>
+            </a:endParaRPr>
+          </a:p>
+          <a:p>
+            <a:pPr marL="648000" lvl="2" indent="-216000" algn="just">
+              <a:lnSpc>
+                <a:spcPct val="115000"/>
+              </a:lnSpc>
+              <a:buClr>
+                <a:srgbClr val="000000"/>
+              </a:buClr>
+              <a:buSzPct val="45000"/>
+              <a:buFont typeface="Wingdings" charset="2"/>
+              <a:buChar char=""/>
+            </a:pPr>
+            <a:r>
+              <a:rPr lang="pt-BR" sz="1800" b="0" strike="noStrike" spc="-1">
+                <a:solidFill>
+                  <a:srgbClr val="01498E"/>
+                </a:solidFill>
+                <a:latin typeface="Arial"/>
+                <a:ea typeface="Calibri"/>
+              </a:rPr>
+              <a:t>Mapeia uma URL para uma função.</a:t>
+            </a:r>
+            <a:endParaRPr lang="pt-BR" sz="1800" b="0" strike="noStrike" spc="-1">
+              <a:solidFill>
+                <a:srgbClr val="000000"/>
+              </a:solidFill>
+              <a:latin typeface="Arial"/>
+            </a:endParaRPr>
+          </a:p>
+          <a:p>
+            <a:pPr algn="just">
+              <a:lnSpc>
+                <a:spcPct val="115000"/>
+              </a:lnSpc>
+            </a:pPr>
+            <a:endParaRPr lang="pt-BR" sz="1800" b="0" strike="noStrike" spc="-1">
+              <a:solidFill>
+                <a:srgbClr val="000000"/>
+              </a:solidFill>
+              <a:latin typeface="Arial"/>
+            </a:endParaRPr>
+          </a:p>
+          <a:p>
+            <a:pPr marL="432000" lvl="1" indent="-216000" algn="just">
+              <a:lnSpc>
+                <a:spcPct val="115000"/>
+              </a:lnSpc>
+              <a:buClr>
+                <a:srgbClr val="000000"/>
+              </a:buClr>
+              <a:buSzPct val="45000"/>
+              <a:buFont typeface="Wingdings" charset="2"/>
+              <a:buChar char=""/>
+            </a:pPr>
+            <a:r>
+              <a:rPr lang="pt-BR" sz="1800" b="0" strike="noStrike" spc="-1">
+                <a:solidFill>
+                  <a:srgbClr val="01498E"/>
+                </a:solidFill>
+                <a:latin typeface="Arial"/>
+                <a:ea typeface="Calibri"/>
+              </a:rPr>
+              <a:t>Exemplo de rota dinâmica</a:t>
+            </a:r>
+            <a:endParaRPr lang="pt-BR" sz="1800" b="0" strike="noStrike" spc="-1">
+              <a:solidFill>
+                <a:srgbClr val="000000"/>
+              </a:solidFill>
+              <a:latin typeface="Arial"/>
+            </a:endParaRPr>
+          </a:p>
+          <a:p>
+            <a:pPr marL="216000" algn="just">
+              <a:lnSpc>
+                <a:spcPct val="115000"/>
+              </a:lnSpc>
+            </a:pPr>
+            <a:endParaRPr lang="pt-BR" sz="1800" b="0" strike="noStrike" spc="-1">
+              <a:solidFill>
+                <a:srgbClr val="000000"/>
+              </a:solidFill>
+              <a:latin typeface="Arial"/>
+            </a:endParaRPr>
+          </a:p>
+          <a:p>
+            <a:pPr marL="216000" algn="just">
+              <a:lnSpc>
+                <a:spcPct val="115000"/>
+              </a:lnSpc>
+            </a:pPr>
+            <a:endParaRPr lang="pt-BR" sz="1800" b="0" strike="noStrike" spc="-1">
+              <a:solidFill>
+                <a:srgbClr val="000000"/>
+              </a:solidFill>
+              <a:latin typeface="Arial"/>
+            </a:endParaRPr>
+          </a:p>
+          <a:p>
+            <a:pPr marL="216000" algn="just">
+              <a:lnSpc>
+                <a:spcPct val="115000"/>
+              </a:lnSpc>
+            </a:pPr>
+            <a:endParaRPr lang="pt-BR" sz="1800" b="0" strike="noStrike" spc="-1">
+              <a:solidFill>
+                <a:srgbClr val="000000"/>
+              </a:solidFill>
+              <a:latin typeface="Arial"/>
+            </a:endParaRPr>
+          </a:p>
+          <a:p>
+            <a:pPr marL="216000" algn="just">
+              <a:lnSpc>
+                <a:spcPct val="115000"/>
+              </a:lnSpc>
+            </a:pPr>
+            <a:endParaRPr lang="pt-BR" sz="1800" b="0" strike="noStrike" spc="-1">
+              <a:solidFill>
+                <a:srgbClr val="000000"/>
+              </a:solidFill>
+              <a:latin typeface="Arial"/>
+            </a:endParaRPr>
+          </a:p>
+          <a:p>
+            <a:pPr marL="216000" algn="just">
+              <a:lnSpc>
+                <a:spcPct val="115000"/>
+              </a:lnSpc>
+            </a:pPr>
+            <a:endParaRPr lang="pt-BR" sz="1800" b="0" strike="noStrike" spc="-1">
+              <a:solidFill>
+                <a:srgbClr val="000000"/>
+              </a:solidFill>
+              <a:latin typeface="Arial"/>
+            </a:endParaRPr>
+          </a:p>
+        </p:txBody>
+      </p:sp>
+      <p:pic>
+        <p:nvPicPr>
+          <p:cNvPr id="178" name="Imagem 238"/>
+          <p:cNvPicPr/>
+          <p:nvPr/>
+        </p:nvPicPr>
+        <p:blipFill>
+          <a:blip r:embed="rId3"/>
+          <a:stretch/>
+        </p:blipFill>
+        <p:spPr>
+          <a:xfrm>
+            <a:off x="360000" y="3420000"/>
+            <a:ext cx="9142920" cy="808200"/>
+          </a:xfrm>
+          <a:prstGeom prst="rect">
+            <a:avLst/>
+          </a:prstGeom>
+          <a:ln w="0">
+            <a:noFill/>
+          </a:ln>
+        </p:spPr>
+      </p:pic>
+    </p:spTree>
+  </p:cSld>
+  <p:clrMapOvr>
+    <a:masterClrMapping/>
+  </p:clrMapOvr>
+</p:sld>
+</file>
+
+<file path=ppt/slides/slide6.xml><?xml version="1.0" encoding="utf-8"?>
+<p:sld xmlns:a="http://schemas.openxmlformats.org/drawingml/2006/main" xmlns:r="http://schemas.openxmlformats.org/officeDocument/2006/relationships" xmlns:p="http://schemas.openxmlformats.org/presentationml/2006/main">
+  <p:cSld>
+    <p:spTree>
+      <p:nvGrpSpPr>
+        <p:cNvPr id="1" name=""/>
+        <p:cNvGrpSpPr/>
+        <p:nvPr/>
+      </p:nvGrpSpPr>
+      <p:grpSpPr>
+        <a:xfrm>
+          <a:off x="0" y="0"/>
+          <a:ext cx="0" cy="0"/>
+          <a:chOff x="0" y="0"/>
+          <a:chExt cx="0" cy="0"/>
+        </a:xfrm>
+      </p:grpSpPr>
+      <p:sp>
+        <p:nvSpPr>
+          <p:cNvPr id="98" name="CaixaDeTexto 1"/>
+          <p:cNvSpPr/>
+          <p:nvPr/>
+        </p:nvSpPr>
+        <p:spPr>
+          <a:xfrm>
+            <a:off x="291960" y="1113480"/>
+            <a:ext cx="7087680" cy="2297160"/>
+          </a:xfrm>
+          <a:prstGeom prst="rect">
+            <a:avLst/>
+          </a:prstGeom>
+          <a:noFill/>
+          <a:ln w="0">
+            <a:noFill/>
+          </a:ln>
+        </p:spPr>
+        <p:style>
+          <a:lnRef idx="0">
+            <a:scrgbClr r="0" g="0" b="0"/>
+          </a:lnRef>
+          <a:fillRef idx="0">
+            <a:scrgbClr r="0" g="0" b="0"/>
+          </a:fillRef>
+          <a:effectRef idx="0">
+            <a:scrgbClr r="0" g="0" b="0"/>
+          </a:effectRef>
+          <a:fontRef idx="minor"/>
+        </p:style>
+        <p:txBody>
+          <a:bodyPr lIns="90000" tIns="45000" rIns="90000" bIns="45000" anchor="t">
+            <a:spAutoFit/>
+          </a:bodyPr>
+          <a:lstStyle/>
+          <a:p>
+            <a:pPr marL="216000" indent="-216000" algn="just">
+              <a:lnSpc>
+                <a:spcPct val="115000"/>
+              </a:lnSpc>
+              <a:buClr>
+                <a:srgbClr val="000000"/>
+              </a:buClr>
+              <a:buFont typeface="Arial"/>
+              <a:buChar char="●"/>
+            </a:pPr>
+            <a:r>
+              <a:rPr lang="pt-BR" sz="1800" b="0" strike="noStrike" spc="-1">
+                <a:solidFill>
+                  <a:srgbClr val="01498E"/>
+                </a:solidFill>
+                <a:latin typeface="Arial"/>
+                <a:ea typeface="Calibri"/>
+              </a:rPr>
+              <a:t>Ativ02</a:t>
+            </a:r>
+            <a:endParaRPr lang="pt-BR" sz="1800" b="0" strike="noStrike" spc="-1">
+              <a:solidFill>
+                <a:srgbClr val="000000"/>
+              </a:solidFill>
+              <a:latin typeface="Arial"/>
+            </a:endParaRPr>
+          </a:p>
+          <a:p>
+            <a:pPr marL="673200" lvl="1" indent="-216000" algn="just">
+              <a:lnSpc>
+                <a:spcPct val="115000"/>
+              </a:lnSpc>
+              <a:buClr>
+                <a:srgbClr val="000000"/>
+              </a:buClr>
+              <a:buFont typeface="Arial"/>
+              <a:buChar char="●"/>
+            </a:pPr>
+            <a:r>
+              <a:rPr lang="pt-BR" sz="1800" b="0" strike="noStrike" spc="-1">
+                <a:solidFill>
+                  <a:srgbClr val="01498E"/>
+                </a:solidFill>
+                <a:latin typeface="Arial"/>
+                <a:ea typeface="Calibri"/>
+              </a:rPr>
+              <a:t>Converta o aplicativo ativ02 (Lista de Tarefas) para o flask e seu armazenamento para sql lite usando o flask_sqlalchemy</a:t>
+            </a:r>
+            <a:endParaRPr lang="pt-BR" sz="1800" b="0" strike="noStrike" spc="-1">
+              <a:solidFill>
+                <a:srgbClr val="000000"/>
+              </a:solidFill>
+              <a:latin typeface="Arial"/>
+            </a:endParaRPr>
+          </a:p>
+          <a:p>
+            <a:pPr marL="673200" lvl="1" indent="-216000" algn="just">
+              <a:lnSpc>
+                <a:spcPct val="115000"/>
+              </a:lnSpc>
+              <a:buClr>
+                <a:srgbClr val="000000"/>
+              </a:buClr>
+              <a:buFont typeface="Arial"/>
+              <a:buChar char="●"/>
+            </a:pPr>
+            <a:r>
+              <a:rPr lang="pt-BR" sz="1800" b="0" strike="noStrike" spc="-1">
+                <a:solidFill>
+                  <a:srgbClr val="01498E"/>
+                </a:solidFill>
+                <a:latin typeface="Arial"/>
+                <a:ea typeface="Calibri"/>
+              </a:rPr>
+              <a:t> </a:t>
+            </a:r>
+            <a:endParaRPr lang="pt-BR" sz="1800" b="0" strike="noStrike" spc="-1">
+              <a:solidFill>
+                <a:srgbClr val="000000"/>
+              </a:solidFill>
+              <a:latin typeface="Arial"/>
+            </a:endParaRPr>
+          </a:p>
+          <a:p>
+            <a:pPr marL="216000" algn="just">
+              <a:lnSpc>
+                <a:spcPct val="115000"/>
+              </a:lnSpc>
+            </a:pPr>
+            <a:endParaRPr lang="pt-BR" sz="1800" b="0" strike="noStrike" spc="-1">
+              <a:solidFill>
+                <a:srgbClr val="000000"/>
+              </a:solidFill>
+              <a:latin typeface="Arial"/>
+            </a:endParaRPr>
+          </a:p>
+          <a:p>
+            <a:pPr marL="216000" algn="just">
+              <a:lnSpc>
+                <a:spcPct val="115000"/>
+              </a:lnSpc>
+            </a:pPr>
+            <a:endParaRPr lang="pt-BR" sz="1800" b="0" strike="noStrike" spc="-1">
+              <a:solidFill>
+                <a:srgbClr val="000000"/>
+              </a:solidFill>
+              <a:latin typeface="Arial"/>
+            </a:endParaRPr>
+          </a:p>
+          <a:p>
+            <a:pPr marL="216000" algn="just">
+              <a:lnSpc>
+                <a:spcPct val="115000"/>
+              </a:lnSpc>
+            </a:pPr>
+            <a:endParaRPr lang="pt-BR" sz="1800" b="0" strike="noStrike" spc="-1">
+              <a:solidFill>
+                <a:srgbClr val="000000"/>
+              </a:solidFill>
+              <a:latin typeface="Arial"/>
+            </a:endParaRPr>
+          </a:p>
+        </p:txBody>
+      </p:sp>
+      <p:pic>
+        <p:nvPicPr>
+          <p:cNvPr id="99" name="Imagem 1"/>
+          <p:cNvPicPr/>
+          <p:nvPr/>
+        </p:nvPicPr>
+        <p:blipFill>
+          <a:blip r:embed="rId2"/>
+          <a:stretch/>
+        </p:blipFill>
+        <p:spPr>
+          <a:xfrm rot="5400000">
+            <a:off x="7668720" y="802080"/>
+            <a:ext cx="2972160" cy="3196080"/>
+          </a:xfrm>
+          <a:prstGeom prst="rect">
+            <a:avLst/>
+          </a:prstGeom>
+          <a:ln w="0">
+            <a:noFill/>
+          </a:ln>
+        </p:spPr>
+      </p:pic>
+      <p:sp>
+        <p:nvSpPr>
+          <p:cNvPr id="100" name="Título 1"/>
+          <p:cNvSpPr/>
+          <p:nvPr/>
+        </p:nvSpPr>
+        <p:spPr>
+          <a:xfrm>
+            <a:off x="291960" y="32040"/>
+            <a:ext cx="5585760" cy="898200"/>
+          </a:xfrm>
+          <a:prstGeom prst="rect">
+            <a:avLst/>
+          </a:prstGeom>
+          <a:noFill/>
+          <a:ln w="0">
+            <a:noFill/>
+          </a:ln>
+        </p:spPr>
+        <p:style>
+          <a:lnRef idx="0">
+            <a:scrgbClr r="0" g="0" b="0"/>
+          </a:lnRef>
+          <a:fillRef idx="0">
+            <a:scrgbClr r="0" g="0" b="0"/>
+          </a:fillRef>
+          <a:effectRef idx="0">
+            <a:scrgbClr r="0" g="0" b="0"/>
+          </a:effectRef>
+          <a:fontRef idx="minor"/>
+        </p:style>
+        <p:txBody>
+          <a:bodyPr lIns="90000" tIns="91440" rIns="90000" bIns="91440" anchor="t">
+            <a:noAutofit/>
+          </a:bodyPr>
+          <a:lstStyle/>
+          <a:p>
+            <a:pPr>
+              <a:lnSpc>
+                <a:spcPct val="100000"/>
+              </a:lnSpc>
+            </a:pPr>
+            <a:r>
+              <a:rPr lang="pt-BR" sz="5400" b="1" strike="noStrike" spc="-1">
+                <a:solidFill>
+                  <a:srgbClr val="002060"/>
+                </a:solidFill>
+                <a:latin typeface="Overpass"/>
+                <a:ea typeface="Overpass"/>
+              </a:rPr>
+              <a:t>Let’s Work</a:t>
+            </a:r>
+            <a:endParaRPr lang="pt-BR" sz="5400" b="0" strike="noStrike" spc="-1">
+              <a:solidFill>
+                <a:srgbClr val="000000"/>
+              </a:solidFill>
+              <a:latin typeface="Arial"/>
+            </a:endParaRPr>
+          </a:p>
+        </p:txBody>
+      </p:sp>
+      <p:pic>
+        <p:nvPicPr>
+          <p:cNvPr id="3" name="Imagem 2">
+            <a:extLst>
+              <a:ext uri="{FF2B5EF4-FFF2-40B4-BE49-F238E27FC236}">
+                <a16:creationId xmlns:a16="http://schemas.microsoft.com/office/drawing/2014/main" id="{0C794524-B45E-C742-BD2C-7C6D70F75B65}"/>
+              </a:ext>
+            </a:extLst>
+          </p:cNvPr>
+          <p:cNvPicPr>
+            <a:picLocks noChangeAspect="1"/>
+          </p:cNvPicPr>
+          <p:nvPr/>
+        </p:nvPicPr>
+        <p:blipFill>
+          <a:blip r:embed="rId3"/>
+          <a:stretch>
+            <a:fillRect/>
+          </a:stretch>
+        </p:blipFill>
+        <p:spPr>
+          <a:xfrm>
+            <a:off x="1736527" y="3593880"/>
+            <a:ext cx="6973273" cy="1171739"/>
+          </a:xfrm>
+          <a:prstGeom prst="rect">
+            <a:avLst/>
+          </a:prstGeom>
+        </p:spPr>
+      </p:pic>
+    </p:spTree>
+  </p:cSld>
+  <p:clrMapOvr>
+    <a:masterClrMapping/>
+  </p:clrMapOvr>
 </p:sld>
 </file>
 
 <file path=ppt/slides/slide7.xml><?xml version="1.0" encoding="utf-8"?>
-<p:sld xmlns:a="http://schemas.openxmlformats.org/drawingml/2006/main" xmlns:p="http://schemas.openxmlformats.org/presentationml/2006/main" xmlns:r="http://schemas.openxmlformats.org/officeDocument/2006/relationships" xmlns:p14="http://schemas.microsoft.com/office/powerpoint/2010/main" xmlns:p15="http://schemas.microsoft.com/office/powerpoint/2012/main" xmlns:mc="http://schemas.openxmlformats.org/markup-compatibility/2006">
+<p:sld xmlns:a="http://schemas.openxmlformats.org/drawingml/2006/main" xmlns:r="http://schemas.openxmlformats.org/officeDocument/2006/relationships" xmlns:p="http://schemas.openxmlformats.org/presentationml/2006/main">
   <p:cSld>
     <p:spTree>
       <p:nvGrpSpPr>
@@ -7319,19 +8503,14 @@
       </p:grpSpPr>
     </p:spTree>
   </p:cSld>
-  <mc:AlternateContent>
-    <mc:Choice Requires="p14">
-      <p:transition spd="slow" p14:dur="2000"/>
-    </mc:Choice>
-    <mc:Fallback>
-      <p:transition spd="slow"/>
-    </mc:Fallback>
-  </mc:AlternateContent>
+  <p:clrMapOvr>
+    <a:masterClrMapping/>
+  </p:clrMapOvr>
 </p:sld>
 </file>
 
 <file path=ppt/slides/slide8.xml><?xml version="1.0" encoding="utf-8"?>
-<p:sld xmlns:a="http://schemas.openxmlformats.org/drawingml/2006/main" xmlns:p="http://schemas.openxmlformats.org/presentationml/2006/main" xmlns:r="http://schemas.openxmlformats.org/officeDocument/2006/relationships" xmlns:p14="http://schemas.microsoft.com/office/powerpoint/2010/main" xmlns:p15="http://schemas.microsoft.com/office/powerpoint/2012/main" xmlns:mc="http://schemas.openxmlformats.org/markup-compatibility/2006">
+<p:sld xmlns:a="http://schemas.openxmlformats.org/drawingml/2006/main" xmlns:r="http://schemas.openxmlformats.org/officeDocument/2006/relationships" xmlns:p="http://schemas.openxmlformats.org/presentationml/2006/main">
   <p:cSld>
     <p:spTree>
       <p:nvGrpSpPr>
@@ -7349,19 +8528,14 @@
       </p:grpSpPr>
     </p:spTree>
   </p:cSld>
-  <mc:AlternateContent>
-    <mc:Choice Requires="p14">
-      <p:transition spd="slow" p14:dur="2000"/>
-    </mc:Choice>
-    <mc:Fallback>
-      <p:transition spd="slow"/>
-    </mc:Fallback>
-  </mc:AlternateContent>
+  <p:clrMapOvr>
+    <a:masterClrMapping/>
+  </p:clrMapOvr>
 </p:sld>
 </file>
 
 <file path=ppt/slides/slide9.xml><?xml version="1.0" encoding="utf-8"?>
-<p:sld xmlns:a="http://schemas.openxmlformats.org/drawingml/2006/main" xmlns:p="http://schemas.openxmlformats.org/presentationml/2006/main" xmlns:r="http://schemas.openxmlformats.org/officeDocument/2006/relationships" xmlns:p14="http://schemas.microsoft.com/office/powerpoint/2010/main" xmlns:p15="http://schemas.microsoft.com/office/powerpoint/2012/main" xmlns:mc="http://schemas.openxmlformats.org/markup-compatibility/2006">
+<p:sld xmlns:a="http://schemas.openxmlformats.org/drawingml/2006/main" xmlns:r="http://schemas.openxmlformats.org/officeDocument/2006/relationships" xmlns:p="http://schemas.openxmlformats.org/presentationml/2006/main">
   <p:cSld>
     <p:spTree>
       <p:nvGrpSpPr>
@@ -7379,14 +8553,9 @@
       </p:grpSpPr>
     </p:spTree>
   </p:cSld>
-  <mc:AlternateContent>
-    <mc:Choice Requires="p14">
-      <p:transition spd="slow" p14:dur="2000"/>
-    </mc:Choice>
-    <mc:Fallback>
-      <p:transition spd="slow"/>
-    </mc:Fallback>
-  </mc:AlternateContent>
+  <p:clrMapOvr>
+    <a:masterClrMapping/>
+  </p:clrMapOvr>
 </p:sld>
 </file>
 
@@ -7398,37 +8567,37 @@
         <a:srgbClr val="000000"/>
       </a:dk1>
       <a:lt1>
-        <a:srgbClr val="ffffff"/>
+        <a:srgbClr val="FFFFFF"/>
       </a:lt1>
       <a:dk2>
-        <a:srgbClr val="39302a"/>
+        <a:srgbClr val="39302A"/>
       </a:dk2>
       <a:lt2>
-        <a:srgbClr val="e5dedb"/>
+        <a:srgbClr val="E5DEDB"/>
       </a:lt2>
       <a:accent1>
-        <a:srgbClr val="ffca08"/>
+        <a:srgbClr val="FFCA08"/>
       </a:accent1>
       <a:accent2>
-        <a:srgbClr val="f8931d"/>
+        <a:srgbClr val="F8931D"/>
       </a:accent2>
       <a:accent3>
-        <a:srgbClr val="ce8d3e"/>
+        <a:srgbClr val="CE8D3E"/>
       </a:accent3>
       <a:accent4>
-        <a:srgbClr val="ec7016"/>
+        <a:srgbClr val="EC7016"/>
       </a:accent4>
       <a:accent5>
-        <a:srgbClr val="e64823"/>
+        <a:srgbClr val="E64823"/>
       </a:accent5>
       <a:accent6>
-        <a:srgbClr val="9c6a6a"/>
+        <a:srgbClr val="9C6A6A"/>
       </a:accent6>
       <a:hlink>
-        <a:srgbClr val="2998e3"/>
+        <a:srgbClr val="2998E3"/>
       </a:hlink>
       <a:folHlink>
-        <a:srgbClr val="7f723d"/>
+        <a:srgbClr val="7F723D"/>
       </a:folHlink>
     </a:clrScheme>
     <a:fontScheme name="Office">
@@ -7590,6 +8759,8 @@
       </a:bgFillStyleLst>
     </a:fmtScheme>
   </a:themeElements>
+  <a:objectDefaults/>
+  <a:extraClrSchemeLst/>
 </a:theme>
 </file>
 
@@ -7601,37 +8772,37 @@
         <a:srgbClr val="000000"/>
       </a:dk1>
       <a:lt1>
-        <a:srgbClr val="ffffff"/>
+        <a:srgbClr val="FFFFFF"/>
       </a:lt1>
       <a:dk2>
-        <a:srgbClr val="39302a"/>
+        <a:srgbClr val="39302A"/>
       </a:dk2>
       <a:lt2>
-        <a:srgbClr val="e5dedb"/>
+        <a:srgbClr val="E5DEDB"/>
       </a:lt2>
       <a:accent1>
-        <a:srgbClr val="ffca08"/>
+        <a:srgbClr val="FFCA08"/>
       </a:accent1>
       <a:accent2>
-        <a:srgbClr val="f8931d"/>
+        <a:srgbClr val="F8931D"/>
       </a:accent2>
       <a:accent3>
-        <a:srgbClr val="ce8d3e"/>
+        <a:srgbClr val="CE8D3E"/>
       </a:accent3>
       <a:accent4>
-        <a:srgbClr val="ec7016"/>
+        <a:srgbClr val="EC7016"/>
       </a:accent4>
       <a:accent5>
-        <a:srgbClr val="e64823"/>
+        <a:srgbClr val="E64823"/>
       </a:accent5>
       <a:accent6>
-        <a:srgbClr val="9c6a6a"/>
+        <a:srgbClr val="9C6A6A"/>
       </a:accent6>
       <a:hlink>
-        <a:srgbClr val="2998e3"/>
+        <a:srgbClr val="2998E3"/>
       </a:hlink>
       <a:folHlink>
-        <a:srgbClr val="7f723d"/>
+        <a:srgbClr val="7F723D"/>
       </a:folHlink>
     </a:clrScheme>
     <a:fontScheme name="Office">
@@ -7793,5 +8964,7 @@
       </a:bgFillStyleLst>
     </a:fmtScheme>
   </a:themeElements>
+  <a:objectDefaults/>
+  <a:extraClrSchemeLst/>
 </a:theme>
 </file>